--- a/13 Introduction to Machine Learning and tidymodels ecosystem/13_Introduction to Machine Learning.pptx
+++ b/13 Introduction to Machine Learning and tidymodels ecosystem/13_Introduction to Machine Learning.pptx
@@ -5,7 +5,7 @@
     <p:sldMasterId id="2147483706" r:id="rId1"/>
   </p:sldMasterIdLst>
   <p:notesMasterIdLst>
-    <p:notesMasterId r:id="rId22"/>
+    <p:notesMasterId r:id="rId21"/>
   </p:notesMasterIdLst>
   <p:sldIdLst>
     <p:sldId id="256" r:id="rId2"/>
@@ -24,10 +24,9 @@
     <p:sldId id="498" r:id="rId15"/>
     <p:sldId id="499" r:id="rId16"/>
     <p:sldId id="567" r:id="rId17"/>
-    <p:sldId id="564" r:id="rId18"/>
-    <p:sldId id="562" r:id="rId19"/>
-    <p:sldId id="563" r:id="rId20"/>
-    <p:sldId id="566" r:id="rId21"/>
+    <p:sldId id="563" r:id="rId18"/>
+    <p:sldId id="566" r:id="rId19"/>
+    <p:sldId id="569" r:id="rId20"/>
   </p:sldIdLst>
   <p:sldSz cx="9144000" cy="6858000" type="screen4x3"/>
   <p:notesSz cx="6858000" cy="9144000"/>
@@ -282,7 +281,7 @@
           <a:p>
             <a:fld id="{91907C35-CCAF-F946-8963-0B9E8E98E716}" type="datetimeFigureOut">
               <a:rPr lang="en-US" smtClean="0"/>
-              <a:t>3/10/19</a:t>
+              <a:t>12/16/22</a:t>
             </a:fld>
             <a:endParaRPr lang="en-US"/>
           </a:p>
@@ -4972,7 +4971,33 @@
                 <a:latin typeface="Gabriola"/>
                 <a:cs typeface="Gabriola"/>
               </a:rPr>
-              <a:t>Introduction to Machine Learning</a:t>
+              <a:t>Introduction to Machine Learning.</a:t>
+            </a:r>
+          </a:p>
+          <a:p>
+            <a:pPr algn="ctr">
+              <a:defRPr/>
+            </a:pPr>
+            <a:r>
+              <a:rPr lang="en-US" sz="4400" b="1" dirty="0">
+                <a:latin typeface="Gabriola"/>
+                <a:cs typeface="Gabriola"/>
+              </a:rPr>
+              <a:t>The `</a:t>
+            </a:r>
+            <a:r>
+              <a:rPr lang="en-US" sz="4400" b="1" dirty="0" err="1">
+                <a:latin typeface="Gabriola"/>
+                <a:cs typeface="Gabriola"/>
+              </a:rPr>
+              <a:t>tidymodels</a:t>
+            </a:r>
+            <a:r>
+              <a:rPr lang="en-US" sz="4400" b="1" dirty="0">
+                <a:latin typeface="Gabriola"/>
+                <a:cs typeface="Gabriola"/>
+              </a:rPr>
+              <a:t>` Framework</a:t>
             </a:r>
           </a:p>
         </p:txBody>
@@ -5484,12 +5509,12 @@
                     <a:p>
                       <a:r>
                         <a:rPr lang="en-US" dirty="0">
-                          <a:latin typeface="Avenir Roman" panose="02000503020000020003" pitchFamily="2" charset="0"/>
+                          <a:latin typeface="Avenir" panose="02000503020000020003" pitchFamily="2" charset="0"/>
                         </a:rPr>
                         <a:t>Method</a:t>
                       </a:r>
                       <a:endParaRPr lang="ro-RO" dirty="0">
-                        <a:latin typeface="Avenir Roman" panose="02000503020000020003" pitchFamily="2" charset="0"/>
+                        <a:latin typeface="Avenir" panose="02000503020000020003" pitchFamily="2" charset="0"/>
                       </a:endParaRPr>
                     </a:p>
                   </a:txBody>
@@ -5502,12 +5527,12 @@
                     <a:p>
                       <a:r>
                         <a:rPr lang="en-US" dirty="0">
-                          <a:latin typeface="Avenir Roman" panose="02000503020000020003" pitchFamily="2" charset="0"/>
+                          <a:latin typeface="Avenir" panose="02000503020000020003" pitchFamily="2" charset="0"/>
                         </a:rPr>
                         <a:t>Description</a:t>
                       </a:r>
                       <a:endParaRPr lang="ro-RO" dirty="0">
-                        <a:latin typeface="Avenir Roman" panose="02000503020000020003" pitchFamily="2" charset="0"/>
+                        <a:latin typeface="Avenir" panose="02000503020000020003" pitchFamily="2" charset="0"/>
                       </a:endParaRPr>
                     </a:p>
                   </a:txBody>
@@ -5530,7 +5555,7 @@
                           <a:solidFill>
                             <a:schemeClr val="dk1"/>
                           </a:solidFill>
-                          <a:latin typeface="Avenir Roman" panose="02000503020000020003" pitchFamily="2" charset="0"/>
+                          <a:latin typeface="Avenir" panose="02000503020000020003" pitchFamily="2" charset="0"/>
                           <a:ea typeface="+mn-ea"/>
                           <a:cs typeface="+mn-cs"/>
                         </a:rPr>
@@ -5547,19 +5572,19 @@
                     <a:p>
                       <a:r>
                         <a:rPr lang="en-US" sz="2200" dirty="0">
-                          <a:latin typeface="Avenir Roman" panose="02000503020000020003" pitchFamily="2" charset="0"/>
+                          <a:latin typeface="Avenir" panose="02000503020000020003" pitchFamily="2" charset="0"/>
                         </a:rPr>
                         <a:t>Builds a model such that the predicted numerical output is a linear</a:t>
                       </a:r>
                       <a:r>
                         <a:rPr lang="en-US" sz="2200" baseline="0" dirty="0">
-                          <a:latin typeface="Avenir Roman" panose="02000503020000020003" pitchFamily="2" charset="0"/>
+                          <a:latin typeface="Avenir" panose="02000503020000020003" pitchFamily="2" charset="0"/>
                         </a:rPr>
                         <a:t> </a:t>
                       </a:r>
                       <a:r>
                         <a:rPr lang="en-US" sz="2200" dirty="0">
-                          <a:latin typeface="Avenir Roman" panose="02000503020000020003" pitchFamily="2" charset="0"/>
+                          <a:latin typeface="Avenir" panose="02000503020000020003" pitchFamily="2" charset="0"/>
                         </a:rPr>
                         <a:t>additive function of the inputs. </a:t>
                       </a:r>
@@ -5567,19 +5592,19 @@
                     <a:p>
                       <a:r>
                         <a:rPr lang="en-US" sz="2200" dirty="0">
-                          <a:latin typeface="Avenir Roman" panose="02000503020000020003" pitchFamily="2" charset="0"/>
+                          <a:latin typeface="Avenir" panose="02000503020000020003" pitchFamily="2" charset="0"/>
                         </a:rPr>
                         <a:t>Effective approximation even when</a:t>
                       </a:r>
                       <a:r>
                         <a:rPr lang="en-US" sz="2200" baseline="0" dirty="0">
-                          <a:latin typeface="Avenir Roman" panose="02000503020000020003" pitchFamily="2" charset="0"/>
+                          <a:latin typeface="Avenir" panose="02000503020000020003" pitchFamily="2" charset="0"/>
                         </a:rPr>
                         <a:t> </a:t>
                       </a:r>
                       <a:r>
                         <a:rPr lang="en-US" sz="2200" dirty="0">
-                          <a:latin typeface="Avenir Roman" panose="02000503020000020003" pitchFamily="2" charset="0"/>
+                          <a:latin typeface="Avenir" panose="02000503020000020003" pitchFamily="2" charset="0"/>
                         </a:rPr>
                         <a:t>the underlying situation is in fact nonlinear. </a:t>
                       </a:r>
@@ -5587,19 +5612,19 @@
                     <a:p>
                       <a:r>
                         <a:rPr lang="en-US" sz="2200" dirty="0">
-                          <a:latin typeface="Avenir Roman" panose="02000503020000020003" pitchFamily="2" charset="0"/>
+                          <a:latin typeface="Avenir" panose="02000503020000020003" pitchFamily="2" charset="0"/>
                         </a:rPr>
                         <a:t>Resulting model gives an indication</a:t>
                       </a:r>
                       <a:r>
                         <a:rPr lang="en-US" sz="2200" baseline="0" dirty="0">
-                          <a:latin typeface="Avenir Roman" panose="02000503020000020003" pitchFamily="2" charset="0"/>
+                          <a:latin typeface="Avenir" panose="02000503020000020003" pitchFamily="2" charset="0"/>
                         </a:rPr>
                         <a:t> </a:t>
                       </a:r>
                       <a:r>
                         <a:rPr lang="en-US" sz="2200" dirty="0">
-                          <a:latin typeface="Avenir Roman" panose="02000503020000020003" pitchFamily="2" charset="0"/>
+                          <a:latin typeface="Avenir" panose="02000503020000020003" pitchFamily="2" charset="0"/>
                         </a:rPr>
                         <a:t>of the relative impact of each input variable on the output. </a:t>
                       </a:r>
@@ -5607,12 +5632,12 @@
                     <a:p>
                       <a:r>
                         <a:rPr lang="en-US" sz="2200" dirty="0">
-                          <a:latin typeface="Avenir Roman" panose="02000503020000020003" pitchFamily="2" charset="0"/>
+                          <a:latin typeface="Avenir" panose="02000503020000020003" pitchFamily="2" charset="0"/>
                         </a:rPr>
                         <a:t>Easy to comprehend</a:t>
                       </a:r>
                       <a:endParaRPr lang="ro-RO" sz="2200" dirty="0">
-                        <a:latin typeface="Avenir Roman" panose="02000503020000020003" pitchFamily="2" charset="0"/>
+                        <a:latin typeface="Avenir" panose="02000503020000020003" pitchFamily="2" charset="0"/>
                       </a:endParaRPr>
                     </a:p>
                   </a:txBody>
@@ -5635,14 +5660,14 @@
                           <a:solidFill>
                             <a:schemeClr val="dk1"/>
                           </a:solidFill>
-                          <a:latin typeface="Avenir Roman" panose="02000503020000020003" pitchFamily="2" charset="0"/>
+                          <a:latin typeface="Avenir" panose="02000503020000020003" pitchFamily="2" charset="0"/>
                           <a:ea typeface="+mn-ea"/>
                           <a:cs typeface="+mn-cs"/>
                         </a:rPr>
                         <a:t>Logistic regression</a:t>
                       </a:r>
                       <a:endParaRPr lang="ro-RO" sz="2200" dirty="0">
-                        <a:latin typeface="Avenir Roman" panose="02000503020000020003" pitchFamily="2" charset="0"/>
+                        <a:latin typeface="Avenir" panose="02000503020000020003" pitchFamily="2" charset="0"/>
                       </a:endParaRPr>
                     </a:p>
                   </a:txBody>
@@ -5658,7 +5683,7 @@
                           <a:solidFill>
                             <a:schemeClr val="dk1"/>
                           </a:solidFill>
-                          <a:latin typeface="Avenir Roman" panose="02000503020000020003" pitchFamily="2" charset="0"/>
+                          <a:latin typeface="Avenir" panose="02000503020000020003" pitchFamily="2" charset="0"/>
                           <a:ea typeface="+mn-ea"/>
                           <a:cs typeface="+mn-cs"/>
                         </a:rPr>
@@ -5671,7 +5696,7 @@
                           <a:solidFill>
                             <a:schemeClr val="dk1"/>
                           </a:solidFill>
-                          <a:latin typeface="Avenir Roman" panose="02000503020000020003" pitchFamily="2" charset="0"/>
+                          <a:latin typeface="Avenir" panose="02000503020000020003" pitchFamily="2" charset="0"/>
                           <a:ea typeface="+mn-ea"/>
                           <a:cs typeface="+mn-cs"/>
                         </a:rPr>
@@ -5684,14 +5709,14 @@
                           <a:solidFill>
                             <a:schemeClr val="dk1"/>
                           </a:solidFill>
-                          <a:latin typeface="Avenir Roman" panose="02000503020000020003" pitchFamily="2" charset="0"/>
+                          <a:latin typeface="Avenir" panose="02000503020000020003" pitchFamily="2" charset="0"/>
                           <a:ea typeface="+mn-ea"/>
                           <a:cs typeface="+mn-cs"/>
                         </a:rPr>
                         <a:t>Mostly used in classification problems (assigning an observation to a class of objects) –see next slide</a:t>
                       </a:r>
                       <a:endParaRPr lang="ro-RO" sz="2200" dirty="0">
-                        <a:latin typeface="Avenir Roman" panose="02000503020000020003" pitchFamily="2" charset="0"/>
+                        <a:latin typeface="Avenir" panose="02000503020000020003" pitchFamily="2" charset="0"/>
                       </a:endParaRPr>
                     </a:p>
                   </a:txBody>
@@ -5822,12 +5847,12 @@
                     <a:p>
                       <a:r>
                         <a:rPr lang="en-US" dirty="0">
-                          <a:latin typeface="Avenir Roman" panose="02000503020000020003" pitchFamily="2" charset="0"/>
+                          <a:latin typeface="Avenir" panose="02000503020000020003" pitchFamily="2" charset="0"/>
                         </a:rPr>
                         <a:t>Method</a:t>
                       </a:r>
                       <a:endParaRPr lang="ro-RO" dirty="0">
-                        <a:latin typeface="Avenir Roman" panose="02000503020000020003" pitchFamily="2" charset="0"/>
+                        <a:latin typeface="Avenir" panose="02000503020000020003" pitchFamily="2" charset="0"/>
                       </a:endParaRPr>
                     </a:p>
                   </a:txBody>
@@ -5840,12 +5865,12 @@
                     <a:p>
                       <a:r>
                         <a:rPr lang="en-US" dirty="0">
-                          <a:latin typeface="Avenir Roman" panose="02000503020000020003" pitchFamily="2" charset="0"/>
+                          <a:latin typeface="Avenir" panose="02000503020000020003" pitchFamily="2" charset="0"/>
                         </a:rPr>
                         <a:t>Description</a:t>
                       </a:r>
                       <a:endParaRPr lang="ro-RO" dirty="0">
-                        <a:latin typeface="Avenir Roman" panose="02000503020000020003" pitchFamily="2" charset="0"/>
+                        <a:latin typeface="Avenir" panose="02000503020000020003" pitchFamily="2" charset="0"/>
                       </a:endParaRPr>
                     </a:p>
                   </a:txBody>
@@ -5868,14 +5893,14 @@
                           <a:solidFill>
                             <a:schemeClr val="dk1"/>
                           </a:solidFill>
-                          <a:latin typeface="Avenir Roman" panose="02000503020000020003" pitchFamily="2" charset="0"/>
+                          <a:latin typeface="Avenir" panose="02000503020000020003" pitchFamily="2" charset="0"/>
                           <a:ea typeface="+mn-ea"/>
                           <a:cs typeface="+mn-cs"/>
                         </a:rPr>
                         <a:t>Naive Bayes</a:t>
                       </a:r>
                       <a:endParaRPr lang="ro-RO" dirty="0">
-                        <a:latin typeface="Avenir Roman" panose="02000503020000020003" pitchFamily="2" charset="0"/>
+                        <a:latin typeface="Avenir" panose="02000503020000020003" pitchFamily="2" charset="0"/>
                       </a:endParaRPr>
                     </a:p>
                   </a:txBody>
@@ -5888,36 +5913,36 @@
                     <a:p>
                       <a:r>
                         <a:rPr lang="en-US" dirty="0">
-                          <a:latin typeface="Avenir Roman" panose="02000503020000020003" pitchFamily="2" charset="0"/>
+                          <a:latin typeface="Avenir" panose="02000503020000020003" pitchFamily="2" charset="0"/>
                         </a:rPr>
                         <a:t>Appropriate for problems with many</a:t>
                       </a:r>
                       <a:r>
                         <a:rPr lang="en-US" baseline="0" dirty="0">
-                          <a:latin typeface="Avenir Roman" panose="02000503020000020003" pitchFamily="2" charset="0"/>
+                          <a:latin typeface="Avenir" panose="02000503020000020003" pitchFamily="2" charset="0"/>
                         </a:rPr>
                         <a:t> </a:t>
                       </a:r>
                       <a:r>
                         <a:rPr lang="en-US" dirty="0">
-                          <a:latin typeface="Avenir Roman" panose="02000503020000020003" pitchFamily="2" charset="0"/>
+                          <a:latin typeface="Avenir" panose="02000503020000020003" pitchFamily="2" charset="0"/>
                         </a:rPr>
                         <a:t>input variables, categorical input variables with a very large number of</a:t>
                       </a:r>
                       <a:r>
                         <a:rPr lang="en-US" baseline="0" dirty="0">
-                          <a:latin typeface="Avenir Roman" panose="02000503020000020003" pitchFamily="2" charset="0"/>
+                          <a:latin typeface="Avenir" panose="02000503020000020003" pitchFamily="2" charset="0"/>
                         </a:rPr>
                         <a:t> </a:t>
                       </a:r>
                       <a:r>
                         <a:rPr lang="en-US" dirty="0">
-                          <a:latin typeface="Avenir Roman" panose="02000503020000020003" pitchFamily="2" charset="0"/>
+                          <a:latin typeface="Avenir" panose="02000503020000020003" pitchFamily="2" charset="0"/>
                         </a:rPr>
                         <a:t>possible values, and text classification</a:t>
                       </a:r>
                       <a:endParaRPr lang="ro-RO" dirty="0">
-                        <a:latin typeface="Avenir Roman" panose="02000503020000020003" pitchFamily="2" charset="0"/>
+                        <a:latin typeface="Avenir" panose="02000503020000020003" pitchFamily="2" charset="0"/>
                       </a:endParaRPr>
                     </a:p>
                   </a:txBody>
@@ -5940,14 +5965,14 @@
                           <a:solidFill>
                             <a:schemeClr val="dk1"/>
                           </a:solidFill>
-                          <a:latin typeface="Avenir Roman" panose="02000503020000020003" pitchFamily="2" charset="0"/>
+                          <a:latin typeface="Avenir" panose="02000503020000020003" pitchFamily="2" charset="0"/>
                           <a:ea typeface="+mn-ea"/>
                           <a:cs typeface="+mn-cs"/>
                         </a:rPr>
                         <a:t>Decision trees</a:t>
                       </a:r>
                       <a:endParaRPr lang="ro-RO" dirty="0">
-                        <a:latin typeface="Avenir Roman" panose="02000503020000020003" pitchFamily="2" charset="0"/>
+                        <a:latin typeface="Avenir" panose="02000503020000020003" pitchFamily="2" charset="0"/>
                       </a:endParaRPr>
                     </a:p>
                   </a:txBody>
@@ -5963,7 +5988,7 @@
                           <a:solidFill>
                             <a:schemeClr val="dk1"/>
                           </a:solidFill>
-                          <a:latin typeface="Avenir Roman" panose="02000503020000020003" pitchFamily="2" charset="0"/>
+                          <a:latin typeface="Avenir" panose="02000503020000020003" pitchFamily="2" charset="0"/>
                           <a:ea typeface="+mn-ea"/>
                           <a:cs typeface="+mn-cs"/>
                         </a:rPr>
@@ -5976,7 +6001,7 @@
                           <a:solidFill>
                             <a:schemeClr val="dk1"/>
                           </a:solidFill>
-                          <a:latin typeface="Avenir Roman" panose="02000503020000020003" pitchFamily="2" charset="0"/>
+                          <a:latin typeface="Avenir" panose="02000503020000020003" pitchFamily="2" charset="0"/>
                           <a:ea typeface="+mn-ea"/>
                           <a:cs typeface="+mn-cs"/>
                         </a:rPr>
@@ -5989,14 +6014,14 @@
                           <a:solidFill>
                             <a:schemeClr val="dk1"/>
                           </a:solidFill>
-                          <a:latin typeface="Avenir Roman" panose="02000503020000020003" pitchFamily="2" charset="0"/>
+                          <a:latin typeface="Avenir" panose="02000503020000020003" pitchFamily="2" charset="0"/>
                           <a:ea typeface="+mn-ea"/>
                           <a:cs typeface="+mn-cs"/>
                         </a:rPr>
                         <a:t>Deals better than other methods with correlated predictors and with missing values  </a:t>
                       </a:r>
                       <a:endParaRPr lang="ro-RO" dirty="0">
-                        <a:latin typeface="Avenir Roman" panose="02000503020000020003" pitchFamily="2" charset="0"/>
+                        <a:latin typeface="Avenir" panose="02000503020000020003" pitchFamily="2" charset="0"/>
                       </a:endParaRPr>
                     </a:p>
                   </a:txBody>
@@ -6019,7 +6044,7 @@
                           <a:solidFill>
                             <a:schemeClr val="dk1"/>
                           </a:solidFill>
-                          <a:latin typeface="Avenir Roman" panose="02000503020000020003" pitchFamily="2" charset="0"/>
+                          <a:latin typeface="Avenir" panose="02000503020000020003" pitchFamily="2" charset="0"/>
                           <a:ea typeface="+mn-ea"/>
                           <a:cs typeface="+mn-cs"/>
                         </a:rPr>
@@ -6029,14 +6054,14 @@
                         <a:solidFill>
                           <a:schemeClr val="dk1"/>
                         </a:solidFill>
-                        <a:latin typeface="Avenir Roman" panose="02000503020000020003" pitchFamily="2" charset="0"/>
+                        <a:latin typeface="Avenir" panose="02000503020000020003" pitchFamily="2" charset="0"/>
                         <a:ea typeface="+mn-ea"/>
                         <a:cs typeface="+mn-cs"/>
                       </a:endParaRPr>
                     </a:p>
                     <a:p>
                       <a:endParaRPr lang="ro-RO" dirty="0">
-                        <a:latin typeface="Avenir Roman" panose="02000503020000020003" pitchFamily="2" charset="0"/>
+                        <a:latin typeface="Avenir" panose="02000503020000020003" pitchFamily="2" charset="0"/>
                       </a:endParaRPr>
                     </a:p>
                   </a:txBody>
@@ -6052,7 +6077,7 @@
                           <a:solidFill>
                             <a:schemeClr val="dk1"/>
                           </a:solidFill>
-                          <a:latin typeface="Avenir Roman" panose="02000503020000020003" pitchFamily="2" charset="0"/>
+                          <a:latin typeface="Avenir" panose="02000503020000020003" pitchFamily="2" charset="0"/>
                           <a:ea typeface="+mn-ea"/>
                           <a:cs typeface="+mn-cs"/>
                         </a:rPr>
@@ -6065,14 +6090,14 @@
                           <a:solidFill>
                             <a:schemeClr val="dk1"/>
                           </a:solidFill>
-                          <a:latin typeface="Avenir Roman" panose="02000503020000020003" pitchFamily="2" charset="0"/>
+                          <a:latin typeface="Avenir" panose="02000503020000020003" pitchFamily="2" charset="0"/>
                           <a:ea typeface="+mn-ea"/>
                           <a:cs typeface="+mn-cs"/>
                         </a:rPr>
                         <a:t>Assess the relative impact of different input variables on the output</a:t>
                       </a:r>
                       <a:endParaRPr lang="ro-RO" dirty="0">
-                        <a:latin typeface="Avenir Roman" panose="02000503020000020003" pitchFamily="2" charset="0"/>
+                        <a:latin typeface="Avenir" panose="02000503020000020003" pitchFamily="2" charset="0"/>
                       </a:endParaRPr>
                     </a:p>
                   </a:txBody>
@@ -6095,14 +6120,14 @@
                           <a:solidFill>
                             <a:schemeClr val="dk1"/>
                           </a:solidFill>
-                          <a:latin typeface="Avenir Roman" panose="02000503020000020003" pitchFamily="2" charset="0"/>
+                          <a:latin typeface="Avenir" panose="02000503020000020003" pitchFamily="2" charset="0"/>
                           <a:ea typeface="+mn-ea"/>
                           <a:cs typeface="+mn-cs"/>
                         </a:rPr>
                         <a:t>Support vector machines</a:t>
                       </a:r>
                       <a:endParaRPr lang="ro-RO" dirty="0">
-                        <a:latin typeface="Avenir Roman" panose="02000503020000020003" pitchFamily="2" charset="0"/>
+                        <a:latin typeface="Avenir" panose="02000503020000020003" pitchFamily="2" charset="0"/>
                       </a:endParaRPr>
                     </a:p>
                   </a:txBody>
@@ -6118,7 +6143,7 @@
                           <a:solidFill>
                             <a:schemeClr val="dk1"/>
                           </a:solidFill>
-                          <a:latin typeface="Avenir Roman" panose="02000503020000020003" pitchFamily="2" charset="0"/>
+                          <a:latin typeface="Avenir" panose="02000503020000020003" pitchFamily="2" charset="0"/>
                           <a:ea typeface="+mn-ea"/>
                           <a:cs typeface="+mn-cs"/>
                         </a:rPr>
@@ -6131,7 +6156,7 @@
                           <a:solidFill>
                             <a:schemeClr val="dk1"/>
                           </a:solidFill>
-                          <a:latin typeface="Avenir Roman" panose="02000503020000020003" pitchFamily="2" charset="0"/>
+                          <a:latin typeface="Avenir" panose="02000503020000020003" pitchFamily="2" charset="0"/>
                           <a:ea typeface="+mn-ea"/>
                           <a:cs typeface="+mn-cs"/>
                         </a:rPr>
@@ -6144,7 +6169,7 @@
                           <a:solidFill>
                             <a:schemeClr val="dk1"/>
                           </a:solidFill>
-                          <a:latin typeface="Avenir Roman" panose="02000503020000020003" pitchFamily="2" charset="0"/>
+                          <a:latin typeface="Avenir" panose="02000503020000020003" pitchFamily="2" charset="0"/>
                           <a:ea typeface="+mn-ea"/>
                           <a:cs typeface="+mn-cs"/>
                         </a:rPr>
@@ -6455,12 +6480,12 @@
                     <a:p>
                       <a:r>
                         <a:rPr lang="en-US" dirty="0">
-                          <a:latin typeface="Avenir Roman" panose="02000503020000020003" pitchFamily="2" charset="0"/>
+                          <a:latin typeface="Avenir" panose="02000503020000020003" pitchFamily="2" charset="0"/>
                         </a:rPr>
                         <a:t>Measure</a:t>
                       </a:r>
                       <a:endParaRPr lang="ro-RO" dirty="0">
-                        <a:latin typeface="Avenir Roman" panose="02000503020000020003" pitchFamily="2" charset="0"/>
+                        <a:latin typeface="Avenir" panose="02000503020000020003" pitchFamily="2" charset="0"/>
                       </a:endParaRPr>
                     </a:p>
                   </a:txBody>
@@ -6473,12 +6498,12 @@
                     <a:p>
                       <a:r>
                         <a:rPr lang="en-US" dirty="0">
-                          <a:latin typeface="Avenir Roman" panose="02000503020000020003" pitchFamily="2" charset="0"/>
+                          <a:latin typeface="Avenir" panose="02000503020000020003" pitchFamily="2" charset="0"/>
                         </a:rPr>
                         <a:t>Description</a:t>
                       </a:r>
                       <a:endParaRPr lang="ro-RO" dirty="0">
-                        <a:latin typeface="Avenir Roman" panose="02000503020000020003" pitchFamily="2" charset="0"/>
+                        <a:latin typeface="Avenir" panose="02000503020000020003" pitchFamily="2" charset="0"/>
                       </a:endParaRPr>
                     </a:p>
                   </a:txBody>
@@ -6501,7 +6526,7 @@
                           <a:solidFill>
                             <a:schemeClr val="dk1"/>
                           </a:solidFill>
-                          <a:latin typeface="Avenir Roman" panose="02000503020000020003" pitchFamily="2" charset="0"/>
+                          <a:latin typeface="Avenir" panose="02000503020000020003" pitchFamily="2" charset="0"/>
                           <a:ea typeface="+mn-ea"/>
                           <a:cs typeface="+mn-cs"/>
                         </a:rPr>
@@ -6512,7 +6537,7 @@
                           <a:solidFill>
                             <a:schemeClr val="dk1"/>
                           </a:solidFill>
-                          <a:latin typeface="Avenir Roman" panose="02000503020000020003" pitchFamily="2" charset="0"/>
+                          <a:latin typeface="Avenir" panose="02000503020000020003" pitchFamily="2" charset="0"/>
                           <a:ea typeface="+mn-ea"/>
                           <a:cs typeface="+mn-cs"/>
                         </a:rPr>
@@ -6523,7 +6548,7 @@
                           <a:solidFill>
                             <a:schemeClr val="dk1"/>
                           </a:solidFill>
-                          <a:latin typeface="Avenir Roman" panose="02000503020000020003" pitchFamily="2" charset="0"/>
+                          <a:latin typeface="Avenir" panose="02000503020000020003" pitchFamily="2" charset="0"/>
                           <a:ea typeface="+mn-ea"/>
                           <a:cs typeface="+mn-cs"/>
                         </a:rPr>
@@ -6533,7 +6558,7 @@
                         <a:solidFill>
                           <a:schemeClr val="dk1"/>
                         </a:solidFill>
-                        <a:latin typeface="Avenir Roman" panose="02000503020000020003" pitchFamily="2" charset="0"/>
+                        <a:latin typeface="Avenir" panose="02000503020000020003" pitchFamily="2" charset="0"/>
                         <a:ea typeface="+mn-ea"/>
                         <a:cs typeface="+mn-cs"/>
                       </a:endParaRPr>
@@ -6548,19 +6573,19 @@
                     <a:p>
                       <a:r>
                         <a:rPr lang="en-US" sz="2200" dirty="0">
-                          <a:latin typeface="Avenir Roman" panose="02000503020000020003" pitchFamily="2" charset="0"/>
+                          <a:latin typeface="Avenir" panose="02000503020000020003" pitchFamily="2" charset="0"/>
                         </a:rPr>
                         <a:t>Measure of the difference between model prediction and</a:t>
                       </a:r>
                       <a:r>
                         <a:rPr lang="en-US" sz="2200" baseline="0" dirty="0">
-                          <a:latin typeface="Avenir Roman" panose="02000503020000020003" pitchFamily="2" charset="0"/>
+                          <a:latin typeface="Avenir" panose="02000503020000020003" pitchFamily="2" charset="0"/>
                         </a:rPr>
                         <a:t> the </a:t>
                       </a:r>
                       <a:r>
                         <a:rPr lang="en-US" sz="2200" dirty="0">
-                          <a:latin typeface="Avenir Roman" panose="02000503020000020003" pitchFamily="2" charset="0"/>
+                          <a:latin typeface="Avenir" panose="02000503020000020003" pitchFamily="2" charset="0"/>
                         </a:rPr>
                         <a:t>actual values. </a:t>
                       </a:r>
@@ -6568,31 +6593,31 @@
                     <a:p>
                       <a:r>
                         <a:rPr lang="en-US" sz="2200" dirty="0">
-                          <a:latin typeface="Avenir Roman" panose="02000503020000020003" pitchFamily="2" charset="0"/>
+                          <a:latin typeface="Avenir" panose="02000503020000020003" pitchFamily="2" charset="0"/>
                         </a:rPr>
                         <a:t>Similar</a:t>
                       </a:r>
                       <a:r>
                         <a:rPr lang="en-US" sz="2200" baseline="0" dirty="0">
-                          <a:latin typeface="Avenir Roman" panose="02000503020000020003" pitchFamily="2" charset="0"/>
+                          <a:latin typeface="Avenir" panose="02000503020000020003" pitchFamily="2" charset="0"/>
                         </a:rPr>
                         <a:t> to</a:t>
                       </a:r>
                       <a:r>
                         <a:rPr lang="en-US" sz="2200" dirty="0">
-                          <a:latin typeface="Avenir Roman" panose="02000503020000020003" pitchFamily="2" charset="0"/>
+                          <a:latin typeface="Avenir" panose="02000503020000020003" pitchFamily="2" charset="0"/>
                         </a:rPr>
                         <a:t> a standard deviation: how much the prediction</a:t>
                       </a:r>
                       <a:r>
                         <a:rPr lang="en-US" sz="2200" baseline="0" dirty="0">
-                          <a:latin typeface="Avenir Roman" panose="02000503020000020003" pitchFamily="2" charset="0"/>
+                          <a:latin typeface="Avenir" panose="02000503020000020003" pitchFamily="2" charset="0"/>
                         </a:rPr>
                         <a:t> </a:t>
                       </a:r>
                       <a:r>
                         <a:rPr lang="en-US" sz="2200" dirty="0">
-                          <a:latin typeface="Avenir Roman" panose="02000503020000020003" pitchFamily="2" charset="0"/>
+                          <a:latin typeface="Avenir" panose="02000503020000020003" pitchFamily="2" charset="0"/>
                         </a:rPr>
                         <a:t>is typically off. </a:t>
                       </a:r>
@@ -6600,7 +6625,7 @@
                     <a:p>
                       <a:r>
                         <a:rPr lang="en-US" sz="2200" dirty="0">
-                          <a:latin typeface="Avenir Roman" panose="02000503020000020003" pitchFamily="2" charset="0"/>
+                          <a:latin typeface="Avenir" panose="02000503020000020003" pitchFamily="2" charset="0"/>
                         </a:rPr>
                         <a:t>RMSE is in the same units as y-values are</a:t>
                       </a:r>
@@ -6639,18 +6664,18 @@
                       </a:pPr>
                       <a:r>
                         <a:rPr lang="ro-RO" sz="2200" dirty="0">
-                          <a:latin typeface="Avenir Roman" panose="02000503020000020003" pitchFamily="2" charset="0"/>
+                          <a:latin typeface="Avenir" panose="02000503020000020003" pitchFamily="2" charset="0"/>
                         </a:rPr>
                         <a:t>R-</a:t>
                       </a:r>
                       <a:r>
                         <a:rPr lang="en-US" sz="2200" dirty="0">
-                          <a:latin typeface="Avenir Roman" panose="02000503020000020003" pitchFamily="2" charset="0"/>
+                          <a:latin typeface="Avenir" panose="02000503020000020003" pitchFamily="2" charset="0"/>
                         </a:rPr>
                         <a:t>squared</a:t>
                       </a:r>
                       <a:endParaRPr lang="ro-RO" sz="2200" dirty="0">
-                        <a:latin typeface="Avenir Roman" panose="02000503020000020003" pitchFamily="2" charset="0"/>
+                        <a:latin typeface="Avenir" panose="02000503020000020003" pitchFamily="2" charset="0"/>
                       </a:endParaRPr>
                     </a:p>
                     <a:p>
@@ -6658,7 +6683,7 @@
                         <a:solidFill>
                           <a:schemeClr val="dk1"/>
                         </a:solidFill>
-                        <a:latin typeface="Avenir Roman" panose="02000503020000020003" pitchFamily="2" charset="0"/>
+                        <a:latin typeface="Avenir" panose="02000503020000020003" pitchFamily="2" charset="0"/>
                         <a:ea typeface="+mn-ea"/>
                         <a:cs typeface="+mn-cs"/>
                       </a:endParaRPr>
@@ -6676,7 +6701,7 @@
                           <a:solidFill>
                             <a:schemeClr val="dk1"/>
                           </a:solidFill>
-                          <a:latin typeface="Avenir Roman" panose="02000503020000020003" pitchFamily="2" charset="0"/>
+                          <a:latin typeface="Avenir" panose="02000503020000020003" pitchFamily="2" charset="0"/>
                           <a:ea typeface="+mn-ea"/>
                           <a:cs typeface="+mn-cs"/>
                         </a:rPr>
@@ -6689,7 +6714,7 @@
                           <a:solidFill>
                             <a:schemeClr val="dk1"/>
                           </a:solidFill>
-                          <a:latin typeface="Avenir Roman" panose="02000503020000020003" pitchFamily="2" charset="0"/>
+                          <a:latin typeface="Avenir" panose="02000503020000020003" pitchFamily="2" charset="0"/>
                           <a:ea typeface="+mn-ea"/>
                           <a:cs typeface="+mn-cs"/>
                         </a:rPr>
@@ -6702,7 +6727,7 @@
                           <a:solidFill>
                             <a:schemeClr val="dk1"/>
                           </a:solidFill>
-                          <a:latin typeface="Avenir Roman" panose="02000503020000020003" pitchFamily="2" charset="0"/>
+                          <a:latin typeface="Avenir" panose="02000503020000020003" pitchFamily="2" charset="0"/>
                           <a:ea typeface="+mn-ea"/>
                           <a:cs typeface="+mn-cs"/>
                         </a:rPr>
@@ -6715,7 +6740,7 @@
                           <a:solidFill>
                             <a:schemeClr val="dk1"/>
                           </a:solidFill>
-                          <a:latin typeface="Avenir Roman" panose="02000503020000020003" pitchFamily="2" charset="0"/>
+                          <a:latin typeface="Avenir" panose="02000503020000020003" pitchFamily="2" charset="0"/>
                           <a:ea typeface="+mn-ea"/>
                           <a:cs typeface="+mn-cs"/>
                         </a:rPr>
@@ -6724,7 +6749,7 @@
                     </a:p>
                     <a:p>
                       <a:endParaRPr lang="en-US" sz="2200" dirty="0">
-                        <a:latin typeface="Avenir Roman" panose="02000503020000020003" pitchFamily="2" charset="0"/>
+                        <a:latin typeface="Avenir" panose="02000503020000020003" pitchFamily="2" charset="0"/>
                       </a:endParaRPr>
                     </a:p>
                   </a:txBody>
@@ -6912,7 +6937,7 @@
                     <a:lstStyle/>
                     <a:p>
                       <a:endParaRPr lang="ro-RO" dirty="0">
-                        <a:latin typeface="Avenir Roman" panose="02000503020000020003" pitchFamily="2" charset="0"/>
+                        <a:latin typeface="Avenir" panose="02000503020000020003" pitchFamily="2" charset="0"/>
                       </a:endParaRPr>
                     </a:p>
                   </a:txBody>
@@ -6960,7 +6985,7 @@
                             <a:lumMod val="75000"/>
                           </a:schemeClr>
                         </a:solidFill>
-                        <a:latin typeface="Avenir Roman" panose="02000503020000020003" pitchFamily="2" charset="0"/>
+                        <a:latin typeface="Avenir" panose="02000503020000020003" pitchFamily="2" charset="0"/>
                       </a:endParaRPr>
                     </a:p>
                     <a:p>
@@ -6972,7 +6997,7 @@
                               <a:lumMod val="75000"/>
                             </a:schemeClr>
                           </a:solidFill>
-                          <a:latin typeface="Avenir Roman" panose="02000503020000020003" pitchFamily="2" charset="0"/>
+                          <a:latin typeface="Avenir" panose="02000503020000020003" pitchFamily="2" charset="0"/>
                         </a:rPr>
                         <a:t>Event</a:t>
                       </a:r>
@@ -7022,7 +7047,7 @@
                             <a:lumMod val="75000"/>
                           </a:schemeClr>
                         </a:solidFill>
-                        <a:latin typeface="Avenir Roman" panose="02000503020000020003" pitchFamily="2" charset="0"/>
+                        <a:latin typeface="Avenir" panose="02000503020000020003" pitchFamily="2" charset="0"/>
                       </a:endParaRPr>
                     </a:p>
                     <a:p>
@@ -7034,7 +7059,7 @@
                               <a:lumMod val="75000"/>
                             </a:schemeClr>
                           </a:solidFill>
-                          <a:latin typeface="Avenir Roman" panose="02000503020000020003" pitchFamily="2" charset="0"/>
+                          <a:latin typeface="Avenir" panose="02000503020000020003" pitchFamily="2" charset="0"/>
                         </a:rPr>
                         <a:t>Non-Event</a:t>
                       </a:r>
@@ -7090,7 +7115,7 @@
                           <a:solidFill>
                             <a:schemeClr val="accent4"/>
                           </a:solidFill>
-                          <a:latin typeface="Avenir Roman" panose="02000503020000020003" pitchFamily="2" charset="0"/>
+                          <a:latin typeface="Avenir" panose="02000503020000020003" pitchFamily="2" charset="0"/>
                         </a:rPr>
                         <a:t>Event</a:t>
                       </a:r>
@@ -7101,7 +7126,7 @@
                         <a:solidFill>
                           <a:schemeClr val="accent4"/>
                         </a:solidFill>
-                        <a:latin typeface="Avenir Roman" panose="02000503020000020003" pitchFamily="2" charset="0"/>
+                        <a:latin typeface="Avenir" panose="02000503020000020003" pitchFamily="2" charset="0"/>
                       </a:endParaRPr>
                     </a:p>
                   </a:txBody>
@@ -7145,25 +7170,25 @@
                       <a:pPr algn="ctr"/>
                       <a:r>
                         <a:rPr lang="ro-RO" dirty="0" err="1">
-                          <a:latin typeface="Avenir Roman" panose="02000503020000020003" pitchFamily="2" charset="0"/>
+                          <a:latin typeface="Avenir" panose="02000503020000020003" pitchFamily="2" charset="0"/>
                         </a:rPr>
                         <a:t>True</a:t>
                       </a:r>
                       <a:r>
                         <a:rPr lang="ro-RO" dirty="0">
-                          <a:latin typeface="Avenir Roman" panose="02000503020000020003" pitchFamily="2" charset="0"/>
+                          <a:latin typeface="Avenir" panose="02000503020000020003" pitchFamily="2" charset="0"/>
                         </a:rPr>
                         <a:t> </a:t>
                       </a:r>
                       <a:r>
                         <a:rPr lang="ro-RO" dirty="0" err="1">
-                          <a:latin typeface="Avenir Roman" panose="02000503020000020003" pitchFamily="2" charset="0"/>
+                          <a:latin typeface="Avenir" panose="02000503020000020003" pitchFamily="2" charset="0"/>
                         </a:rPr>
                         <a:t>Positives</a:t>
                       </a:r>
                       <a:r>
                         <a:rPr lang="ro-RO" dirty="0">
-                          <a:latin typeface="Avenir Roman" panose="02000503020000020003" pitchFamily="2" charset="0"/>
+                          <a:latin typeface="Avenir" panose="02000503020000020003" pitchFamily="2" charset="0"/>
                         </a:rPr>
                         <a:t> </a:t>
                       </a:r>
@@ -7172,7 +7197,7 @@
                       <a:pPr algn="ctr"/>
                       <a:r>
                         <a:rPr lang="ro-RO" dirty="0">
-                          <a:latin typeface="Avenir Roman" panose="02000503020000020003" pitchFamily="2" charset="0"/>
+                          <a:latin typeface="Avenir" panose="02000503020000020003" pitchFamily="2" charset="0"/>
                         </a:rPr>
                         <a:t>(TP)</a:t>
                       </a:r>
@@ -7218,19 +7243,19 @@
                       <a:pPr algn="ctr"/>
                       <a:r>
                         <a:rPr lang="ro-RO" dirty="0">
-                          <a:latin typeface="Avenir Roman" panose="02000503020000020003" pitchFamily="2" charset="0"/>
+                          <a:latin typeface="Avenir" panose="02000503020000020003" pitchFamily="2" charset="0"/>
                         </a:rPr>
                         <a:t>False </a:t>
                       </a:r>
                       <a:r>
                         <a:rPr lang="ro-RO" dirty="0" err="1">
-                          <a:latin typeface="Avenir Roman" panose="02000503020000020003" pitchFamily="2" charset="0"/>
+                          <a:latin typeface="Avenir" panose="02000503020000020003" pitchFamily="2" charset="0"/>
                         </a:rPr>
                         <a:t>Positives</a:t>
                       </a:r>
                       <a:r>
                         <a:rPr lang="ro-RO" dirty="0">
-                          <a:latin typeface="Avenir Roman" panose="02000503020000020003" pitchFamily="2" charset="0"/>
+                          <a:latin typeface="Avenir" panose="02000503020000020003" pitchFamily="2" charset="0"/>
                         </a:rPr>
                         <a:t> (FP)</a:t>
                       </a:r>
@@ -7286,7 +7311,7 @@
                           <a:solidFill>
                             <a:schemeClr val="accent4"/>
                           </a:solidFill>
-                          <a:latin typeface="Avenir Roman" panose="02000503020000020003" pitchFamily="2" charset="0"/>
+                          <a:latin typeface="Avenir" panose="02000503020000020003" pitchFamily="2" charset="0"/>
                         </a:rPr>
                         <a:t>Non-Event</a:t>
                       </a:r>
@@ -7332,25 +7357,25 @@
                       <a:pPr algn="ctr"/>
                       <a:r>
                         <a:rPr lang="ro-RO" dirty="0">
-                          <a:latin typeface="Avenir Roman" panose="02000503020000020003" pitchFamily="2" charset="0"/>
+                          <a:latin typeface="Avenir" panose="02000503020000020003" pitchFamily="2" charset="0"/>
                         </a:rPr>
                         <a:t>False </a:t>
                       </a:r>
                       <a:r>
                         <a:rPr lang="ro-RO" dirty="0" err="1">
-                          <a:latin typeface="Avenir Roman" panose="02000503020000020003" pitchFamily="2" charset="0"/>
+                          <a:latin typeface="Avenir" panose="02000503020000020003" pitchFamily="2" charset="0"/>
                         </a:rPr>
                         <a:t>Negatives</a:t>
                       </a:r>
                       <a:endParaRPr lang="ro-RO" dirty="0">
-                        <a:latin typeface="Avenir Roman" panose="02000503020000020003" pitchFamily="2" charset="0"/>
+                        <a:latin typeface="Avenir" panose="02000503020000020003" pitchFamily="2" charset="0"/>
                       </a:endParaRPr>
                     </a:p>
                     <a:p>
                       <a:pPr algn="ctr"/>
                       <a:r>
                         <a:rPr lang="ro-RO" dirty="0">
-                          <a:latin typeface="Avenir Roman" panose="02000503020000020003" pitchFamily="2" charset="0"/>
+                          <a:latin typeface="Avenir" panose="02000503020000020003" pitchFamily="2" charset="0"/>
                         </a:rPr>
                         <a:t>(FP)</a:t>
                       </a:r>
@@ -7396,25 +7421,25 @@
                       <a:pPr algn="ctr"/>
                       <a:r>
                         <a:rPr lang="ro-RO" dirty="0" err="1">
-                          <a:latin typeface="Avenir Roman" panose="02000503020000020003" pitchFamily="2" charset="0"/>
+                          <a:latin typeface="Avenir" panose="02000503020000020003" pitchFamily="2" charset="0"/>
                         </a:rPr>
                         <a:t>True</a:t>
                       </a:r>
                       <a:r>
                         <a:rPr lang="ro-RO" dirty="0">
-                          <a:latin typeface="Avenir Roman" panose="02000503020000020003" pitchFamily="2" charset="0"/>
+                          <a:latin typeface="Avenir" panose="02000503020000020003" pitchFamily="2" charset="0"/>
                         </a:rPr>
                         <a:t> </a:t>
                       </a:r>
                       <a:r>
                         <a:rPr lang="ro-RO" dirty="0" err="1">
-                          <a:latin typeface="Avenir Roman" panose="02000503020000020003" pitchFamily="2" charset="0"/>
+                          <a:latin typeface="Avenir" panose="02000503020000020003" pitchFamily="2" charset="0"/>
                         </a:rPr>
                         <a:t>Negatives</a:t>
                       </a:r>
                       <a:r>
                         <a:rPr lang="ro-RO" dirty="0">
-                          <a:latin typeface="Avenir Roman" panose="02000503020000020003" pitchFamily="2" charset="0"/>
+                          <a:latin typeface="Avenir" panose="02000503020000020003" pitchFamily="2" charset="0"/>
                         </a:rPr>
                         <a:t> (TN)</a:t>
                       </a:r>
@@ -7500,7 +7525,7 @@
                     <a:lumMod val="75000"/>
                   </a:schemeClr>
                 </a:solidFill>
-                <a:latin typeface="Avenir Roman" panose="02000503020000020003" pitchFamily="2" charset="0"/>
+                <a:latin typeface="Avenir" panose="02000503020000020003" pitchFamily="2" charset="0"/>
               </a:rPr>
               <a:t>Observed</a:t>
             </a:r>
@@ -7510,7 +7535,7 @@
                   <a:lumMod val="75000"/>
                 </a:schemeClr>
               </a:solidFill>
-              <a:latin typeface="Avenir Roman" panose="02000503020000020003" pitchFamily="2" charset="0"/>
+              <a:latin typeface="Avenir" panose="02000503020000020003" pitchFamily="2" charset="0"/>
             </a:endParaRPr>
           </a:p>
         </p:txBody>
@@ -7551,7 +7576,7 @@
                 <a:solidFill>
                   <a:schemeClr val="accent4"/>
                 </a:solidFill>
-                <a:latin typeface="Avenir Roman" panose="02000503020000020003" pitchFamily="2" charset="0"/>
+                <a:latin typeface="Avenir" panose="02000503020000020003" pitchFamily="2" charset="0"/>
               </a:rPr>
               <a:t>Predicted</a:t>
             </a:r>
@@ -7559,7 +7584,7 @@
               <a:solidFill>
                 <a:schemeClr val="accent4"/>
               </a:solidFill>
-              <a:latin typeface="Avenir Roman" panose="02000503020000020003" pitchFamily="2" charset="0"/>
+              <a:latin typeface="Avenir" panose="02000503020000020003" pitchFamily="2" charset="0"/>
             </a:endParaRPr>
           </a:p>
         </p:txBody>
@@ -7728,7 +7753,7 @@
                       <a:pPr algn="ctr"/>
                       <a:r>
                         <a:rPr lang="en-US" sz="1800" dirty="0">
-                          <a:latin typeface="Avenir Roman" panose="02000503020000020003" pitchFamily="2" charset="0"/>
+                          <a:latin typeface="Avenir" panose="02000503020000020003" pitchFamily="2" charset="0"/>
                         </a:rPr>
                         <a:t>Measure</a:t>
                       </a:r>
@@ -7780,7 +7805,7 @@
                     <a:p>
                       <a:r>
                         <a:rPr lang="en-US" sz="1800" dirty="0">
-                          <a:latin typeface="Avenir Roman" panose="02000503020000020003" pitchFamily="2" charset="0"/>
+                          <a:latin typeface="Avenir" panose="02000503020000020003" pitchFamily="2" charset="0"/>
                         </a:rPr>
                         <a:t>Accuracy - what fraction of the time the classifier is correct</a:t>
                       </a:r>
@@ -7815,7 +7840,7 @@
                           <a:solidFill>
                             <a:schemeClr val="dk1"/>
                           </a:solidFill>
-                          <a:latin typeface="Avenir Roman" panose="02000503020000020003" pitchFamily="2" charset="0"/>
+                          <a:latin typeface="Avenir" panose="02000503020000020003" pitchFamily="2" charset="0"/>
                           <a:ea typeface="+mn-ea"/>
                           <a:cs typeface="+mn-cs"/>
                         </a:rPr>
@@ -7852,7 +7877,7 @@
                           <a:solidFill>
                             <a:schemeClr val="dk1"/>
                           </a:solidFill>
-                          <a:latin typeface="Avenir Roman" panose="02000503020000020003" pitchFamily="2" charset="0"/>
+                          <a:latin typeface="Avenir" panose="02000503020000020003" pitchFamily="2" charset="0"/>
                           <a:ea typeface="+mn-ea"/>
                           <a:cs typeface="+mn-cs"/>
                         </a:rPr>
@@ -7889,7 +7914,7 @@
                           <a:solidFill>
                             <a:schemeClr val="dk1"/>
                           </a:solidFill>
-                          <a:latin typeface="Avenir Roman" panose="02000503020000020003" pitchFamily="2" charset="0"/>
+                          <a:latin typeface="Avenir" panose="02000503020000020003" pitchFamily="2" charset="0"/>
                           <a:ea typeface="+mn-ea"/>
                           <a:cs typeface="+mn-cs"/>
                         </a:rPr>
@@ -7900,7 +7925,7 @@
                           <a:solidFill>
                             <a:schemeClr val="dk1"/>
                           </a:solidFill>
-                          <a:latin typeface="Avenir Roman" panose="02000503020000020003" pitchFamily="2" charset="0"/>
+                          <a:latin typeface="Avenir" panose="02000503020000020003" pitchFamily="2" charset="0"/>
                           <a:ea typeface="+mn-ea"/>
                           <a:cs typeface="+mn-cs"/>
                         </a:rPr>
@@ -7911,7 +7936,7 @@
                           <a:solidFill>
                             <a:schemeClr val="dk1"/>
                           </a:solidFill>
-                          <a:latin typeface="Avenir Roman" panose="02000503020000020003" pitchFamily="2" charset="0"/>
+                          <a:latin typeface="Avenir" panose="02000503020000020003" pitchFamily="2" charset="0"/>
                           <a:ea typeface="+mn-ea"/>
                           <a:cs typeface="+mn-cs"/>
                         </a:rPr>
@@ -7948,7 +7973,7 @@
                           <a:solidFill>
                             <a:schemeClr val="dk1"/>
                           </a:solidFill>
-                          <a:latin typeface="Avenir Roman" panose="02000503020000020003" pitchFamily="2" charset="0"/>
+                          <a:latin typeface="Avenir" panose="02000503020000020003" pitchFamily="2" charset="0"/>
                           <a:ea typeface="+mn-ea"/>
                           <a:cs typeface="+mn-cs"/>
                         </a:rPr>
@@ -7959,7 +7984,7 @@
                           <a:solidFill>
                             <a:schemeClr val="dk1"/>
                           </a:solidFill>
-                          <a:latin typeface="Avenir Roman" panose="02000503020000020003" pitchFamily="2" charset="0"/>
+                          <a:latin typeface="Avenir" panose="02000503020000020003" pitchFamily="2" charset="0"/>
                           <a:ea typeface="+mn-ea"/>
                           <a:cs typeface="+mn-cs"/>
                         </a:rPr>
@@ -7970,7 +7995,7 @@
                           <a:solidFill>
                             <a:schemeClr val="dk1"/>
                           </a:solidFill>
-                          <a:latin typeface="Avenir Roman" panose="02000503020000020003" pitchFamily="2" charset="0"/>
+                          <a:latin typeface="Avenir" panose="02000503020000020003" pitchFamily="2" charset="0"/>
                           <a:ea typeface="+mn-ea"/>
                           <a:cs typeface="+mn-cs"/>
                         </a:rPr>
@@ -8022,12 +8047,12 @@
           <a:graphicData uri="http://schemas.openxmlformats.org/presentationml/2006/ole">
             <mc:AlternateContent xmlns:mc="http://schemas.openxmlformats.org/markup-compatibility/2006">
               <mc:Choice xmlns:v="urn:schemas-microsoft-com:vml" Requires="v">
-                <p:oleObj spid="_x0000_s1100" name="Equation" r:id="rId3" imgW="1041400" imgH="342900" progId="Equation.3">
+                <p:oleObj name="Equation" r:id="rId2" imgW="1041400" imgH="342900" progId="Equation.3">
                   <p:embed/>
                 </p:oleObj>
               </mc:Choice>
               <mc:Fallback>
-                <p:oleObj name="Equation" r:id="rId3" imgW="1041400" imgH="342900" progId="Equation.3">
+                <p:oleObj name="Equation" r:id="rId2" imgW="1041400" imgH="342900" progId="Equation.3">
                   <p:embed/>
                   <p:pic>
                     <p:nvPicPr>
@@ -8036,7 +8061,7 @@
                       <p:nvPr/>
                     </p:nvPicPr>
                     <p:blipFill>
-                      <a:blip r:embed="rId4"/>
+                      <a:blip r:embed="rId3"/>
                       <a:stretch>
                         <a:fillRect/>
                       </a:stretch>
@@ -8079,12 +8104,12 @@
           <a:graphicData uri="http://schemas.openxmlformats.org/presentationml/2006/ole">
             <mc:AlternateContent xmlns:mc="http://schemas.openxmlformats.org/markup-compatibility/2006">
               <mc:Choice xmlns:v="urn:schemas-microsoft-com:vml" Requires="v">
-                <p:oleObj spid="_x0000_s1101" name="Equation" r:id="rId5" imgW="482600" imgH="330200" progId="Equation.3">
+                <p:oleObj name="Equation" r:id="rId4" imgW="482600" imgH="330200" progId="Equation.3">
                   <p:embed/>
                 </p:oleObj>
               </mc:Choice>
               <mc:Fallback>
-                <p:oleObj name="Equation" r:id="rId5" imgW="482600" imgH="330200" progId="Equation.3">
+                <p:oleObj name="Equation" r:id="rId4" imgW="482600" imgH="330200" progId="Equation.3">
                   <p:embed/>
                   <p:pic>
                     <p:nvPicPr>
@@ -8093,7 +8118,7 @@
                       <p:nvPr/>
                     </p:nvPicPr>
                     <p:blipFill>
-                      <a:blip r:embed="rId6"/>
+                      <a:blip r:embed="rId5"/>
                       <a:stretch>
                         <a:fillRect/>
                       </a:stretch>
@@ -8136,12 +8161,12 @@
           <a:graphicData uri="http://schemas.openxmlformats.org/presentationml/2006/ole">
             <mc:AlternateContent xmlns:mc="http://schemas.openxmlformats.org/markup-compatibility/2006">
               <mc:Choice xmlns:v="urn:schemas-microsoft-com:vml" Requires="v">
-                <p:oleObj spid="_x0000_s1102" name="Equation" r:id="rId7" imgW="495300" imgH="342900" progId="Equation.3">
+                <p:oleObj name="Equation" r:id="rId6" imgW="495300" imgH="342900" progId="Equation.3">
                   <p:embed/>
                 </p:oleObj>
               </mc:Choice>
               <mc:Fallback>
-                <p:oleObj name="Equation" r:id="rId7" imgW="495300" imgH="342900" progId="Equation.3">
+                <p:oleObj name="Equation" r:id="rId6" imgW="495300" imgH="342900" progId="Equation.3">
                   <p:embed/>
                   <p:pic>
                     <p:nvPicPr>
@@ -8150,7 +8175,7 @@
                       <p:nvPr/>
                     </p:nvPicPr>
                     <p:blipFill>
-                      <a:blip r:embed="rId8"/>
+                      <a:blip r:embed="rId7"/>
                       <a:stretch>
                         <a:fillRect/>
                       </a:stretch>
@@ -8193,12 +8218,12 @@
           <a:graphicData uri="http://schemas.openxmlformats.org/presentationml/2006/ole">
             <mc:AlternateContent xmlns:mc="http://schemas.openxmlformats.org/markup-compatibility/2006">
               <mc:Choice xmlns:v="urn:schemas-microsoft-com:vml" Requires="v">
-                <p:oleObj spid="_x0000_s1103" name="Equation" r:id="rId9" imgW="495300" imgH="342900" progId="Equation.3">
+                <p:oleObj name="Equation" r:id="rId8" imgW="495300" imgH="342900" progId="Equation.3">
                   <p:embed/>
                 </p:oleObj>
               </mc:Choice>
               <mc:Fallback>
-                <p:oleObj name="Equation" r:id="rId9" imgW="495300" imgH="342900" progId="Equation.3">
+                <p:oleObj name="Equation" r:id="rId8" imgW="495300" imgH="342900" progId="Equation.3">
                   <p:embed/>
                   <p:pic>
                     <p:nvPicPr>
@@ -8207,7 +8232,7 @@
                       <p:nvPr/>
                     </p:nvPicPr>
                     <p:blipFill>
-                      <a:blip r:embed="rId8"/>
+                      <a:blip r:embed="rId7"/>
                       <a:stretch>
                         <a:fillRect/>
                       </a:stretch>
@@ -8250,12 +8275,12 @@
           <a:graphicData uri="http://schemas.openxmlformats.org/presentationml/2006/ole">
             <mc:AlternateContent xmlns:mc="http://schemas.openxmlformats.org/markup-compatibility/2006">
               <mc:Choice xmlns:v="urn:schemas-microsoft-com:vml" Requires="v">
-                <p:oleObj spid="_x0000_s1104" name="Equation" r:id="rId10" imgW="495300" imgH="342900" progId="Equation.3">
+                <p:oleObj name="Equation" r:id="rId9" imgW="495300" imgH="342900" progId="Equation.3">
                   <p:embed/>
                 </p:oleObj>
               </mc:Choice>
               <mc:Fallback>
-                <p:oleObj name="Equation" r:id="rId10" imgW="495300" imgH="342900" progId="Equation.3">
+                <p:oleObj name="Equation" r:id="rId9" imgW="495300" imgH="342900" progId="Equation.3">
                   <p:embed/>
                   <p:pic>
                     <p:nvPicPr>
@@ -8264,7 +8289,7 @@
                       <p:nvPr/>
                     </p:nvPicPr>
                     <p:blipFill>
-                      <a:blip r:embed="rId11"/>
+                      <a:blip r:embed="rId10"/>
                       <a:stretch>
                         <a:fillRect/>
                       </a:stretch>
@@ -8371,7 +8396,7 @@
         </p:spPr>
         <p:txBody>
           <a:bodyPr>
-            <a:normAutofit fontScale="70000" lnSpcReduction="20000"/>
+            <a:normAutofit fontScale="77500" lnSpcReduction="20000"/>
           </a:bodyPr>
           <a:lstStyle>
             <a:lvl1pPr marL="365760" indent="-283464" algn="l" eaLnBrk="1" latinLnBrk="0" hangingPunct="1">
@@ -8586,7 +8611,47 @@
                 <a:ea typeface="Avenir Book" charset="0"/>
                 <a:cs typeface="Avenir Book" charset="0"/>
               </a:rPr>
-              <a:t>Machine Learning Fundamentals: The Confusion Matrix</a:t>
+              <a:t>Machine Learning Fundamentals: The Confusion Matrix (</a:t>
+            </a:r>
+            <a:r>
+              <a:rPr lang="en-GB" dirty="0" err="1">
+                <a:latin typeface="Avenir Book" charset="0"/>
+                <a:ea typeface="Avenir Book" charset="0"/>
+                <a:cs typeface="Avenir Book" charset="0"/>
+              </a:rPr>
+              <a:t>StatQuest</a:t>
+            </a:r>
+            <a:r>
+              <a:rPr lang="en-GB" dirty="0">
+                <a:latin typeface="Avenir Book" charset="0"/>
+                <a:ea typeface="Avenir Book" charset="0"/>
+                <a:cs typeface="Avenir Book" charset="0"/>
+              </a:rPr>
+              <a:t> with Josh </a:t>
+            </a:r>
+            <a:r>
+              <a:rPr lang="en-GB" dirty="0" err="1">
+                <a:latin typeface="Avenir Book" charset="0"/>
+                <a:ea typeface="Avenir Book" charset="0"/>
+                <a:cs typeface="Avenir Book" charset="0"/>
+              </a:rPr>
+              <a:t>Starmer</a:t>
+            </a:r>
+            <a:r>
+              <a:rPr lang="en-GB" dirty="0">
+                <a:latin typeface="Avenir Book" charset="0"/>
+                <a:ea typeface="Avenir Book" charset="0"/>
+                <a:cs typeface="Avenir Book" charset="0"/>
+              </a:rPr>
+              <a:t>, 2018</a:t>
+            </a:r>
+            <a:r>
+              <a:rPr lang="en" dirty="0">
+                <a:latin typeface="Avenir Book" charset="0"/>
+                <a:ea typeface="Avenir Book" charset="0"/>
+                <a:cs typeface="Avenir Book" charset="0"/>
+              </a:rPr>
+              <a:t>)</a:t>
             </a:r>
           </a:p>
           <a:p>
@@ -8635,7 +8700,47 @@
                 <a:ea typeface="Avenir Book" charset="0"/>
                 <a:cs typeface="Avenir Book" charset="0"/>
               </a:rPr>
-              <a:t>Machine Learning Fundamentals: Cross Validation</a:t>
+              <a:t>Machine Learning Fundamentals: Cross Validation (</a:t>
+            </a:r>
+            <a:r>
+              <a:rPr lang="en-GB" dirty="0" err="1">
+                <a:latin typeface="Avenir Book" charset="0"/>
+                <a:ea typeface="Avenir Book" charset="0"/>
+                <a:cs typeface="Avenir Book" charset="0"/>
+              </a:rPr>
+              <a:t>StatQuest</a:t>
+            </a:r>
+            <a:r>
+              <a:rPr lang="en-GB" dirty="0">
+                <a:latin typeface="Avenir Book" charset="0"/>
+                <a:ea typeface="Avenir Book" charset="0"/>
+                <a:cs typeface="Avenir Book" charset="0"/>
+              </a:rPr>
+              <a:t> with Josh </a:t>
+            </a:r>
+            <a:r>
+              <a:rPr lang="en-GB" dirty="0" err="1">
+                <a:latin typeface="Avenir Book" charset="0"/>
+                <a:ea typeface="Avenir Book" charset="0"/>
+                <a:cs typeface="Avenir Book" charset="0"/>
+              </a:rPr>
+              <a:t>Starmer</a:t>
+            </a:r>
+            <a:r>
+              <a:rPr lang="en-GB" dirty="0">
+                <a:latin typeface="Avenir Book" charset="0"/>
+                <a:ea typeface="Avenir Book" charset="0"/>
+                <a:cs typeface="Avenir Book" charset="0"/>
+              </a:rPr>
+              <a:t>, 2018</a:t>
+            </a:r>
+            <a:r>
+              <a:rPr lang="en" dirty="0">
+                <a:latin typeface="Avenir Book" charset="0"/>
+                <a:ea typeface="Avenir Book" charset="0"/>
+                <a:cs typeface="Avenir Book" charset="0"/>
+              </a:rPr>
+              <a:t>)</a:t>
             </a:r>
           </a:p>
           <a:p>
@@ -8667,64 +8772,6 @@
               </a:lnSpc>
             </a:pPr>
             <a:endParaRPr lang="en-US" dirty="0">
-              <a:latin typeface="Avenir Book" charset="0"/>
-              <a:ea typeface="Avenir Book" charset="0"/>
-              <a:cs typeface="Avenir Book" charset="0"/>
-            </a:endParaRPr>
-          </a:p>
-          <a:p>
-            <a:pPr>
-              <a:lnSpc>
-                <a:spcPct val="120000"/>
-              </a:lnSpc>
-            </a:pPr>
-            <a:r>
-              <a:rPr lang="en-US" dirty="0" err="1">
-                <a:latin typeface="Avenir Book" charset="0"/>
-                <a:ea typeface="Avenir Book" charset="0"/>
-                <a:cs typeface="Avenir Book" charset="0"/>
-              </a:rPr>
-              <a:t>StatsLearning</a:t>
-            </a:r>
-            <a:r>
-              <a:rPr lang="en-US" dirty="0">
-                <a:latin typeface="Avenir Book" charset="0"/>
-                <a:ea typeface="Avenir Book" charset="0"/>
-                <a:cs typeface="Avenir Book" charset="0"/>
-              </a:rPr>
-              <a:t> Lect7b 110613 </a:t>
-            </a:r>
-          </a:p>
-          <a:p>
-            <a:pPr marL="82296" indent="0">
-              <a:lnSpc>
-                <a:spcPct val="120000"/>
-              </a:lnSpc>
-              <a:buNone/>
-            </a:pPr>
-            <a:r>
-              <a:rPr lang="en-US" sz="3200" dirty="0">
-                <a:latin typeface="Avenir Book" charset="0"/>
-                <a:ea typeface="Avenir Book" charset="0"/>
-                <a:cs typeface="Avenir Book" charset="0"/>
-                <a:hlinkClick r:id="rId5"/>
-              </a:rPr>
-              <a:t>https://www.youtube.com/watch?v=nZAM5OXrktY</a:t>
-            </a:r>
-            <a:endParaRPr lang="en-US" sz="3200" dirty="0">
-              <a:latin typeface="Avenir Book" charset="0"/>
-              <a:ea typeface="Avenir Book" charset="0"/>
-              <a:cs typeface="Avenir Book" charset="0"/>
-            </a:endParaRPr>
-          </a:p>
-          <a:p>
-            <a:pPr marL="82296" indent="0">
-              <a:lnSpc>
-                <a:spcPct val="120000"/>
-              </a:lnSpc>
-              <a:buNone/>
-            </a:pPr>
-            <a:endParaRPr lang="en-US" sz="3200" dirty="0">
               <a:latin typeface="Avenir Book" charset="0"/>
               <a:ea typeface="Avenir Book" charset="0"/>
               <a:cs typeface="Avenir Book" charset="0"/>
@@ -8846,7 +8893,7 @@
         </p:spPr>
         <p:txBody>
           <a:bodyPr anchor="ctr">
-            <a:normAutofit fontScale="90000"/>
+            <a:normAutofit/>
           </a:bodyPr>
           <a:lstStyle/>
           <a:p>
@@ -8857,7 +8904,23 @@
                 <a:ea typeface="Arial Unicode MS" panose="020B0604020202020204" pitchFamily="34" charset="-128"/>
                 <a:cs typeface="Arial Unicode MS" panose="020B0604020202020204" pitchFamily="34" charset="-128"/>
               </a:rPr>
-              <a:t>Resources on the `caret` package (including cross-validation for linear and logistic regression)</a:t>
+              <a:t>Resources on `</a:t>
+            </a:r>
+            <a:r>
+              <a:rPr lang="en-US" sz="3600" b="1" dirty="0" err="1">
+                <a:latin typeface="Arial Unicode MS" panose="020B0604020202020204" pitchFamily="34" charset="-128"/>
+                <a:ea typeface="Arial Unicode MS" panose="020B0604020202020204" pitchFamily="34" charset="-128"/>
+                <a:cs typeface="Arial Unicode MS" panose="020B0604020202020204" pitchFamily="34" charset="-128"/>
+              </a:rPr>
+              <a:t>tidymodels</a:t>
+            </a:r>
+            <a:r>
+              <a:rPr lang="en-US" sz="3600" b="1" dirty="0">
+                <a:latin typeface="Arial Unicode MS" panose="020B0604020202020204" pitchFamily="34" charset="-128"/>
+                <a:ea typeface="Arial Unicode MS" panose="020B0604020202020204" pitchFamily="34" charset="-128"/>
+                <a:cs typeface="Arial Unicode MS" panose="020B0604020202020204" pitchFamily="34" charset="-128"/>
+              </a:rPr>
+              <a:t>` packages</a:t>
             </a:r>
           </a:p>
         </p:txBody>
@@ -8881,7 +8944,7 @@
         </p:spPr>
         <p:txBody>
           <a:bodyPr>
-            <a:normAutofit fontScale="62500" lnSpcReduction="20000"/>
+            <a:normAutofit fontScale="85000" lnSpcReduction="20000"/>
           </a:bodyPr>
           <a:lstStyle>
             <a:lvl1pPr marL="365760" indent="-283464" algn="l" eaLnBrk="1" latinLnBrk="0" hangingPunct="1">
@@ -9025,45 +9088,268 @@
           <a:p>
             <a:pPr>
               <a:lnSpc>
-                <a:spcPct val="120000"/>
+                <a:spcPct val="130000"/>
+              </a:lnSpc>
+            </a:pPr>
+            <a:r>
+              <a:rPr lang="en" dirty="0">
+                <a:latin typeface="Avenir Book" charset="0"/>
+              </a:rPr>
+              <a:t>Resources on `</a:t>
+            </a:r>
+            <a:r>
+              <a:rPr lang="en" dirty="0" err="1">
+                <a:latin typeface="Avenir Book" charset="0"/>
+              </a:rPr>
+              <a:t>rsamples</a:t>
+            </a:r>
+            <a:r>
+              <a:rPr lang="en" dirty="0">
+                <a:latin typeface="Avenir Book" charset="0"/>
+              </a:rPr>
+              <a:t>` package</a:t>
+            </a:r>
+          </a:p>
+          <a:p>
+            <a:pPr lvl="1">
+              <a:lnSpc>
+                <a:spcPct val="130000"/>
               </a:lnSpc>
             </a:pPr>
             <a:r>
               <a:rPr lang="ro-RO" dirty="0">
                 <a:latin typeface="Avenir Book" charset="0"/>
-                <a:ea typeface="Avenir Book" charset="0"/>
-                <a:cs typeface="Avenir Book" charset="0"/>
-              </a:rPr>
-              <a:t>Cross-</a:t>
+                <a:hlinkClick r:id="rId2"/>
+              </a:rPr>
+              <a:t>https://tidymodels.github.io/rsample/</a:t>
+            </a:r>
+            <a:endParaRPr lang="ro-RO" dirty="0">
+              <a:latin typeface="Avenir Book" charset="0"/>
+            </a:endParaRPr>
+          </a:p>
+          <a:p>
+            <a:pPr lvl="1">
+              <a:lnSpc>
+                <a:spcPct val="130000"/>
+              </a:lnSpc>
+            </a:pPr>
+            <a:r>
+              <a:rPr lang="en" dirty="0">
+                <a:latin typeface="Avenir Book" charset="0"/>
+              </a:rPr>
+              <a:t>In an R /R Studio session, type/launch: `</a:t>
+            </a:r>
+            <a:r>
+              <a:rPr lang="en" dirty="0" err="1">
+                <a:latin typeface="Avenir Book" charset="0"/>
+              </a:rPr>
+              <a:t>browseVignettes</a:t>
+            </a:r>
+            <a:r>
+              <a:rPr lang="en" dirty="0">
+                <a:latin typeface="Avenir Book" charset="0"/>
+              </a:rPr>
+              <a:t>("</a:t>
+            </a:r>
+            <a:r>
+              <a:rPr lang="en" dirty="0" err="1">
+                <a:latin typeface="Avenir Book" charset="0"/>
+              </a:rPr>
+              <a:t>rsample</a:t>
+            </a:r>
+            <a:r>
+              <a:rPr lang="en" dirty="0">
+                <a:latin typeface="Avenir Book" charset="0"/>
+              </a:rPr>
+              <a:t>")`</a:t>
+            </a:r>
+          </a:p>
+          <a:p>
+            <a:pPr>
+              <a:lnSpc>
+                <a:spcPct val="130000"/>
+              </a:lnSpc>
+            </a:pPr>
+            <a:r>
+              <a:rPr lang="en" dirty="0">
+                <a:latin typeface="Avenir Book" charset="0"/>
+              </a:rPr>
+              <a:t>Resources on `recipes` package</a:t>
+            </a:r>
+          </a:p>
+          <a:p>
+            <a:pPr lvl="1">
+              <a:lnSpc>
+                <a:spcPct val="130000"/>
+              </a:lnSpc>
+            </a:pPr>
+            <a:r>
+              <a:rPr lang="en" dirty="0">
+                <a:latin typeface="Avenir Book" charset="0"/>
+              </a:rPr>
+              <a:t>see vignettes at </a:t>
+            </a:r>
+            <a:r>
+              <a:rPr lang="ro-RO" dirty="0">
+                <a:latin typeface="Avenir Book" charset="0"/>
+                <a:hlinkClick r:id="rId3"/>
+              </a:rPr>
+              <a:t>https://cran.r-project.org/web/packages/recipes/index.html</a:t>
+            </a:r>
+            <a:endParaRPr lang="ro-RO" dirty="0">
+              <a:latin typeface="Avenir Book" charset="0"/>
+            </a:endParaRPr>
+          </a:p>
+          <a:p>
+            <a:pPr lvl="1">
+              <a:lnSpc>
+                <a:spcPct val="130000"/>
+              </a:lnSpc>
+            </a:pPr>
+            <a:r>
+              <a:rPr lang="en" dirty="0">
+                <a:latin typeface="Avenir Book" charset="0"/>
+              </a:rPr>
+              <a:t>Introduction to Recipes (R Package) | </a:t>
+            </a:r>
+            <a:r>
+              <a:rPr lang="en" dirty="0" err="1">
+                <a:latin typeface="Avenir Book" charset="0"/>
+              </a:rPr>
+              <a:t>RStudio</a:t>
+            </a:r>
+            <a:r>
+              <a:rPr lang="en" dirty="0">
+                <a:latin typeface="Avenir Book" charset="0"/>
+              </a:rPr>
+              <a:t> Webinar - 2017</a:t>
+            </a:r>
+          </a:p>
+          <a:p>
+            <a:pPr marL="402336" lvl="1" indent="0">
+              <a:lnSpc>
+                <a:spcPct val="130000"/>
+              </a:lnSpc>
+              <a:buNone/>
+            </a:pPr>
+            <a:r>
+              <a:rPr lang="ro-RO" sz="2200" dirty="0">
+                <a:latin typeface="Avenir Book" charset="0"/>
+                <a:hlinkClick r:id="rId4"/>
+              </a:rPr>
+              <a:t>https://www.rstudio.com/resources/webinars/creating-and-preprocessing-a-design-matrix-with-recipes/</a:t>
+            </a:r>
+            <a:r>
+              <a:rPr lang="ro-RO" sz="2200" dirty="0">
+                <a:latin typeface="Avenir Book" charset="0"/>
+              </a:rPr>
+              <a:t>   </a:t>
+            </a:r>
+            <a:r>
+              <a:rPr lang="en" sz="2400" dirty="0">
+                <a:latin typeface="Avenir Book" charset="0"/>
+              </a:rPr>
+              <a:t>or</a:t>
+            </a:r>
+            <a:endParaRPr lang="ro-RO" sz="2200" dirty="0">
+              <a:latin typeface="Avenir Book" charset="0"/>
+            </a:endParaRPr>
+          </a:p>
+          <a:p>
+            <a:pPr marL="402336" lvl="1" indent="0">
+              <a:lnSpc>
+                <a:spcPct val="130000"/>
+              </a:lnSpc>
+              <a:buNone/>
+            </a:pPr>
+            <a:r>
+              <a:rPr lang="ro-RO" sz="2200" dirty="0">
+                <a:latin typeface="Avenir Book" charset="0"/>
+                <a:hlinkClick r:id="rId5"/>
+              </a:rPr>
+              <a:t>https://www.youtube.com/watch?v=v6pS061sUlw</a:t>
+            </a:r>
+            <a:endParaRPr lang="ro-RO" sz="2200" dirty="0">
+              <a:latin typeface="Avenir Book" charset="0"/>
+            </a:endParaRPr>
+          </a:p>
+          <a:p>
+            <a:pPr lvl="1">
+              <a:lnSpc>
+                <a:spcPct val="130000"/>
+              </a:lnSpc>
+            </a:pPr>
+            <a:r>
+              <a:rPr lang="ro-RO" dirty="0">
+                <a:latin typeface="Avenir Book" charset="0"/>
+              </a:rPr>
+              <a:t>Edwin </a:t>
             </a:r>
             <a:r>
               <a:rPr lang="ro-RO" dirty="0" err="1">
                 <a:latin typeface="Avenir Book" charset="0"/>
-                <a:ea typeface="Avenir Book" charset="0"/>
-                <a:cs typeface="Avenir Book" charset="0"/>
-              </a:rPr>
-              <a:t>validation</a:t>
+              </a:rPr>
+              <a:t>Thoen</a:t>
             </a:r>
             <a:r>
               <a:rPr lang="ro-RO" dirty="0">
                 <a:latin typeface="Avenir Book" charset="0"/>
-                <a:ea typeface="Avenir Book" charset="0"/>
-                <a:cs typeface="Avenir Book" charset="0"/>
-              </a:rPr>
-              <a:t> </a:t>
+              </a:rPr>
+              <a:t> - A </a:t>
             </a:r>
             <a:r>
               <a:rPr lang="ro-RO" dirty="0" err="1">
                 <a:latin typeface="Avenir Book" charset="0"/>
-                <a:ea typeface="Avenir Book" charset="0"/>
-                <a:cs typeface="Avenir Book" charset="0"/>
-              </a:rPr>
-              <a:t>Tutorial</a:t>
-            </a:r>
+              </a:rPr>
+              <a:t>recipe</a:t>
+            </a:r>
+            <a:r>
+              <a:rPr lang="ro-RO" dirty="0">
+                <a:latin typeface="Avenir Book" charset="0"/>
+              </a:rPr>
+              <a:t> for </a:t>
+            </a:r>
+            <a:r>
+              <a:rPr lang="ro-RO" dirty="0" err="1">
+                <a:latin typeface="Avenir Book" charset="0"/>
+              </a:rPr>
+              <a:t>recipes</a:t>
+            </a:r>
+            <a:r>
+              <a:rPr lang="ro-RO" dirty="0">
+                <a:latin typeface="Avenir Book" charset="0"/>
+              </a:rPr>
+              <a:t>: </a:t>
+            </a:r>
+            <a:r>
+              <a:rPr lang="ro-RO" dirty="0">
+                <a:latin typeface="Avenir Book" charset="0"/>
+                <a:hlinkClick r:id="rId6"/>
+              </a:rPr>
+              <a:t>https://edwinth.github.io/blog/recipes_blog/</a:t>
+            </a:r>
+            <a:endParaRPr lang="ro-RO" dirty="0">
+              <a:latin typeface="Avenir Book" charset="0"/>
+            </a:endParaRPr>
+          </a:p>
+          <a:p>
+            <a:pPr lvl="1">
+              <a:lnSpc>
+                <a:spcPct val="130000"/>
+              </a:lnSpc>
+            </a:pPr>
+            <a:endParaRPr lang="ro-RO" dirty="0">
+              <a:latin typeface="Avenir Book" charset="0"/>
+            </a:endParaRPr>
+          </a:p>
+          <a:p>
+            <a:pPr>
+              <a:lnSpc>
+                <a:spcPct val="130000"/>
+              </a:lnSpc>
+            </a:pPr>
             <a:endParaRPr lang="en" dirty="0">
               <a:latin typeface="Avenir Book" charset="0"/>
-              <a:ea typeface="Avenir Book" charset="0"/>
-              <a:cs typeface="Avenir Book" charset="0"/>
             </a:endParaRPr>
           </a:p>
           <a:p>
@@ -9073,60 +9359,6 @@
               </a:lnSpc>
               <a:buNone/>
             </a:pPr>
-            <a:r>
-              <a:rPr lang="ro-RO" dirty="0">
-                <a:latin typeface="Avenir Book" charset="0"/>
-                <a:ea typeface="Avenir Book" charset="0"/>
-                <a:cs typeface="Avenir Book" charset="0"/>
-                <a:hlinkClick r:id="rId2"/>
-              </a:rPr>
-              <a:t>https://quantdev.ssri.psu.edu/tutorials/cross-validation-tutorial</a:t>
-            </a:r>
-            <a:endParaRPr lang="en" dirty="0">
-              <a:latin typeface="Avenir Book" charset="0"/>
-              <a:ea typeface="Avenir Book" charset="0"/>
-              <a:cs typeface="Avenir Book" charset="0"/>
-            </a:endParaRPr>
-          </a:p>
-          <a:p>
-            <a:pPr>
-              <a:lnSpc>
-                <a:spcPct val="120000"/>
-              </a:lnSpc>
-            </a:pPr>
-            <a:r>
-              <a:rPr lang="en" dirty="0">
-                <a:latin typeface="Avenir Book" charset="0"/>
-                <a:ea typeface="Avenir Book" charset="0"/>
-                <a:cs typeface="Avenir Book" charset="0"/>
-              </a:rPr>
-              <a:t>Predictive modeling and machine learning in R with the caret package</a:t>
-            </a:r>
-            <a:r>
-              <a:rPr lang="en-US" dirty="0">
-                <a:latin typeface="Avenir Book" charset="0"/>
-                <a:ea typeface="Avenir Book" charset="0"/>
-                <a:cs typeface="Avenir Book" charset="0"/>
-              </a:rPr>
-              <a:t> </a:t>
-            </a:r>
-          </a:p>
-          <a:p>
-            <a:pPr marL="82296" indent="0">
-              <a:lnSpc>
-                <a:spcPct val="120000"/>
-              </a:lnSpc>
-              <a:buNone/>
-            </a:pPr>
-            <a:r>
-              <a:rPr lang="en-US" sz="2300" dirty="0">
-                <a:latin typeface="Avenir Book" charset="0"/>
-                <a:ea typeface="Avenir Book" charset="0"/>
-                <a:cs typeface="Avenir Book" charset="0"/>
-                <a:hlinkClick r:id="rId3"/>
-              </a:rPr>
-              <a:t>https://www.zevross.com/blog/2017/09/19/predictive-modeling-and-machine-learning-in-r-with-the-caret-package/</a:t>
-            </a:r>
             <a:endParaRPr lang="en-US" sz="2300" dirty="0">
               <a:latin typeface="Avenir Book" charset="0"/>
               <a:ea typeface="Avenir Book" charset="0"/>
@@ -9134,67 +9366,12 @@
             </a:endParaRPr>
           </a:p>
           <a:p>
-            <a:pPr>
+            <a:pPr marL="82296" indent="0">
               <a:lnSpc>
                 <a:spcPct val="120000"/>
               </a:lnSpc>
-            </a:pPr>
-            <a:r>
-              <a:rPr lang="ro-RO" dirty="0">
-                <a:latin typeface="Avenir Book" charset="0"/>
-              </a:rPr>
-              <a:t>Igor Hut - </a:t>
-            </a:r>
-            <a:r>
-              <a:rPr lang="ro-RO" dirty="0" err="1">
-                <a:latin typeface="Avenir Book" charset="0"/>
-              </a:rPr>
-              <a:t>Exploring</a:t>
-            </a:r>
-            <a:r>
-              <a:rPr lang="ro-RO" dirty="0">
-                <a:latin typeface="Avenir Book" charset="0"/>
-              </a:rPr>
-              <a:t> </a:t>
-            </a:r>
-            <a:r>
-              <a:rPr lang="ro-RO" dirty="0" err="1">
-                <a:latin typeface="Avenir Book" charset="0"/>
-              </a:rPr>
-              <a:t>the</a:t>
-            </a:r>
-            <a:r>
-              <a:rPr lang="ro-RO" dirty="0">
-                <a:latin typeface="Avenir Book" charset="0"/>
-              </a:rPr>
-              <a:t> caret </a:t>
-            </a:r>
-            <a:r>
-              <a:rPr lang="ro-RO" dirty="0" err="1">
-                <a:latin typeface="Avenir Book" charset="0"/>
-              </a:rPr>
-              <a:t>package</a:t>
-            </a:r>
-            <a:endParaRPr lang="en" dirty="0">
-              <a:latin typeface="Avenir Book" charset="0"/>
-            </a:endParaRPr>
-          </a:p>
-          <a:p>
-            <a:pPr marL="82296" indent="0">
-              <a:lnSpc>
-                <a:spcPct val="120000"/>
-              </a:lnSpc>
               <a:buNone/>
             </a:pPr>
-            <a:r>
-              <a:rPr lang="en-US" sz="2300" dirty="0">
-                <a:latin typeface="Avenir Book" charset="0"/>
-                <a:ea typeface="Avenir Book" charset="0"/>
-                <a:cs typeface="Avenir Book" charset="0"/>
-                <a:hlinkClick r:id="rId4"/>
-              </a:rPr>
-              <a:t>http://rstudio-pubs-static.s3.amazonaws.com/251240_12a8ecea8e144fada41120ddcf52b116.html</a:t>
-            </a:r>
             <a:endParaRPr lang="en-US" sz="2300" dirty="0">
               <a:latin typeface="Avenir Book" charset="0"/>
               <a:ea typeface="Avenir Book" charset="0"/>
@@ -9202,37 +9379,12 @@
             </a:endParaRPr>
           </a:p>
           <a:p>
-            <a:pPr>
+            <a:pPr marL="82296" indent="0">
               <a:lnSpc>
                 <a:spcPct val="120000"/>
               </a:lnSpc>
-            </a:pPr>
-            <a:r>
-              <a:rPr lang="en" dirty="0">
-                <a:latin typeface="Avenir Book" charset="0"/>
-              </a:rPr>
-              <a:t>Caret Package – A Practical Guide to Machine Learning in R</a:t>
-            </a:r>
-            <a:endParaRPr lang="en-US" dirty="0">
-              <a:latin typeface="Avenir Book" charset="0"/>
-            </a:endParaRPr>
-          </a:p>
-          <a:p>
-            <a:pPr marL="82296" indent="0">
-              <a:lnSpc>
-                <a:spcPct val="120000"/>
-              </a:lnSpc>
               <a:buNone/>
             </a:pPr>
-            <a:r>
-              <a:rPr lang="en-US" sz="2300" dirty="0">
-                <a:latin typeface="Avenir Book" charset="0"/>
-                <a:ea typeface="Avenir Book" charset="0"/>
-                <a:cs typeface="Avenir Book" charset="0"/>
-                <a:hlinkClick r:id="rId5"/>
-              </a:rPr>
-              <a:t>https://www.machinelearningplus.com/machine-learning/caret-package/</a:t>
-            </a:r>
             <a:endParaRPr lang="en-US" sz="2300" dirty="0">
               <a:latin typeface="Avenir Book" charset="0"/>
               <a:ea typeface="Avenir Book" charset="0"/>
@@ -9240,97 +9392,15 @@
             </a:endParaRPr>
           </a:p>
           <a:p>
-            <a:pPr>
+            <a:pPr marL="82296" indent="0">
               <a:lnSpc>
                 <a:spcPct val="120000"/>
               </a:lnSpc>
-            </a:pPr>
-            <a:r>
-              <a:rPr lang="en" dirty="0">
-                <a:latin typeface="Avenir Book" charset="0"/>
-              </a:rPr>
-              <a:t>Out of sample predictions from OLS regressions: a K-folds tutorial in R</a:t>
-            </a:r>
-          </a:p>
-          <a:p>
-            <a:pPr marL="82296" indent="0">
-              <a:lnSpc>
-                <a:spcPct val="120000"/>
-              </a:lnSpc>
               <a:buNone/>
             </a:pPr>
-            <a:r>
-              <a:rPr lang="ro-RO" dirty="0">
-                <a:latin typeface="Avenir Book" charset="0"/>
-                <a:hlinkClick r:id="rId6"/>
-              </a:rPr>
-              <a:t>https://janzilinsky.com/cross-validation-ols-k-folds-out-of-sample-predictions-in-r/</a:t>
-            </a:r>
-            <a:endParaRPr lang="en" dirty="0">
-              <a:latin typeface="Avenir Book" charset="0"/>
-            </a:endParaRPr>
-          </a:p>
-          <a:p>
-            <a:pPr>
-              <a:lnSpc>
-                <a:spcPct val="120000"/>
-              </a:lnSpc>
-            </a:pPr>
-            <a:r>
-              <a:rPr lang="en" dirty="0">
-                <a:latin typeface="Avenir Book" charset="0"/>
-              </a:rPr>
-              <a:t>A comprehensive Machine Learning workflow with multiple modelling using caret and </a:t>
-            </a:r>
-            <a:r>
-              <a:rPr lang="en" dirty="0" err="1">
-                <a:latin typeface="Avenir Book" charset="0"/>
-              </a:rPr>
-              <a:t>caretEnsemble</a:t>
-            </a:r>
-            <a:r>
-              <a:rPr lang="en" dirty="0">
-                <a:latin typeface="Avenir Book" charset="0"/>
-              </a:rPr>
-              <a:t> in R</a:t>
-            </a:r>
             <a:endParaRPr lang="en-US" dirty="0">
-              <a:latin typeface="Avenir Book" charset="0"/>
-            </a:endParaRPr>
-          </a:p>
-          <a:p>
-            <a:pPr marL="82296" indent="0">
-              <a:lnSpc>
-                <a:spcPct val="120000"/>
-              </a:lnSpc>
-              <a:buNone/>
-            </a:pPr>
-            <a:r>
-              <a:rPr lang="en-US" sz="2300" dirty="0">
-                <a:latin typeface="Avenir Book" charset="0"/>
-                <a:ea typeface="Avenir Book" charset="0"/>
-                <a:cs typeface="Avenir Book" charset="0"/>
-                <a:hlinkClick r:id="rId7"/>
-              </a:rPr>
-              <a:t>https://towardsdatascience.com/a-comprehensive-machine-learning-workflow-with-multiple-modelling-using-caret-and-caretensemble-in-fcbf6d80b5f2</a:t>
-            </a:r>
-            <a:endParaRPr lang="en-US" sz="2300" dirty="0">
-              <a:latin typeface="Avenir Book" charset="0"/>
-              <a:ea typeface="Avenir Book" charset="0"/>
-              <a:cs typeface="Avenir Book" charset="0"/>
-            </a:endParaRPr>
-          </a:p>
-          <a:p>
-            <a:pPr marL="82296" indent="0">
-              <a:lnSpc>
-                <a:spcPct val="120000"/>
-              </a:lnSpc>
-              <a:buNone/>
-            </a:pPr>
-            <a:endParaRPr lang="en-US" sz="2300" dirty="0">
-              <a:latin typeface="Avenir Book" charset="0"/>
-              <a:ea typeface="Avenir Book" charset="0"/>
-              <a:cs typeface="Avenir Book" charset="0"/>
+              <a:latin typeface="Avenir Medium"/>
+              <a:cs typeface="Avenir Medium"/>
             </a:endParaRPr>
           </a:p>
         </p:txBody>
@@ -9338,7 +9408,7 @@
     </p:spTree>
     <p:extLst>
       <p:ext uri="{BB962C8B-B14F-4D97-AF65-F5344CB8AC3E}">
-        <p14:creationId xmlns:p14="http://schemas.microsoft.com/office/powerpoint/2010/main" val="3227307705"/>
+        <p14:creationId xmlns:p14="http://schemas.microsoft.com/office/powerpoint/2010/main" val="3235619147"/>
       </p:ext>
     </p:extLst>
   </p:cSld>
@@ -9405,7 +9475,7 @@
                 <a:ea typeface="Arial Unicode MS" panose="020B0604020202020204" pitchFamily="34" charset="-128"/>
                 <a:cs typeface="Arial Unicode MS" panose="020B0604020202020204" pitchFamily="34" charset="-128"/>
               </a:rPr>
-              <a:t>modelr</a:t>
+              <a:t>tidymodels</a:t>
             </a:r>
             <a:r>
               <a:rPr lang="en-US" sz="3600" b="1" dirty="0">
@@ -9413,7 +9483,7 @@
                 <a:ea typeface="Arial Unicode MS" panose="020B0604020202020204" pitchFamily="34" charset="-128"/>
                 <a:cs typeface="Arial Unicode MS" panose="020B0604020202020204" pitchFamily="34" charset="-128"/>
               </a:rPr>
-              <a:t>`</a:t>
+              <a:t>` framework</a:t>
             </a:r>
           </a:p>
         </p:txBody>
@@ -9437,7 +9507,7 @@
         </p:spPr>
         <p:txBody>
           <a:bodyPr>
-            <a:normAutofit fontScale="70000" lnSpcReduction="20000"/>
+            <a:normAutofit fontScale="55000" lnSpcReduction="20000"/>
           </a:bodyPr>
           <a:lstStyle>
             <a:lvl1pPr marL="365760" indent="-283464" algn="l" eaLnBrk="1" latinLnBrk="0" hangingPunct="1">
@@ -9581,46 +9651,669 @@
           <a:p>
             <a:pPr>
               <a:lnSpc>
-                <a:spcPct val="120000"/>
-              </a:lnSpc>
-            </a:pPr>
+                <a:spcPct val="130000"/>
+              </a:lnSpc>
+            </a:pPr>
+            <a:r>
+              <a:rPr lang="ro-RO" dirty="0" err="1">
+                <a:latin typeface="Avenir Book" charset="0"/>
+              </a:rPr>
+              <a:t>Three</a:t>
+            </a:r>
             <a:r>
               <a:rPr lang="ro-RO" dirty="0">
                 <a:latin typeface="Avenir Book" charset="0"/>
               </a:rPr>
-              <a:t>David Robinson - </a:t>
-            </a:r>
-            <a:r>
-              <a:rPr lang="en" dirty="0">
-                <a:latin typeface="Avenir Book" charset="0"/>
-              </a:rPr>
-              <a:t>Cross validation of linear regression with </a:t>
-            </a:r>
-            <a:r>
-              <a:rPr lang="en" dirty="0" err="1">
-                <a:latin typeface="Avenir Book" charset="0"/>
-              </a:rPr>
-              <a:t>modelr</a:t>
-            </a:r>
-            <a:endParaRPr lang="en-US" dirty="0">
+              <a:t> </a:t>
+            </a:r>
+            <a:r>
+              <a:rPr lang="ro-RO" dirty="0" err="1">
+                <a:latin typeface="Avenir Book" charset="0"/>
+              </a:rPr>
+              <a:t>reasons</a:t>
+            </a:r>
+            <a:r>
+              <a:rPr lang="ro-RO" dirty="0">
+                <a:latin typeface="Avenir Book" charset="0"/>
+              </a:rPr>
+              <a:t> </a:t>
+            </a:r>
+            <a:r>
+              <a:rPr lang="ro-RO" dirty="0" err="1">
+                <a:latin typeface="Avenir Book" charset="0"/>
+              </a:rPr>
+              <a:t>to</a:t>
+            </a:r>
+            <a:r>
+              <a:rPr lang="ro-RO" dirty="0">
+                <a:latin typeface="Avenir Book" charset="0"/>
+              </a:rPr>
+              <a:t> </a:t>
+            </a:r>
+            <a:r>
+              <a:rPr lang="ro-RO" dirty="0" err="1">
+                <a:latin typeface="Avenir Book" charset="0"/>
+              </a:rPr>
+              <a:t>use</a:t>
+            </a:r>
+            <a:r>
+              <a:rPr lang="ro-RO" dirty="0">
+                <a:latin typeface="Avenir Book" charset="0"/>
+              </a:rPr>
+              <a:t> </a:t>
+            </a:r>
+            <a:r>
+              <a:rPr lang="ro-RO" dirty="0" err="1">
+                <a:latin typeface="Avenir Book" charset="0"/>
+              </a:rPr>
+              <a:t>Tidymodels</a:t>
+            </a:r>
+            <a:r>
+              <a:rPr lang="ro-RO" dirty="0">
+                <a:latin typeface="Avenir Book" charset="0"/>
+              </a:rPr>
+              <a:t> — Julia </a:t>
+            </a:r>
+            <a:r>
+              <a:rPr lang="ro-RO" dirty="0" err="1">
+                <a:latin typeface="Avenir Book" charset="0"/>
+              </a:rPr>
+              <a:t>Silge</a:t>
+            </a:r>
+            <a:r>
+              <a:rPr lang="ro-RO" dirty="0">
+                <a:latin typeface="Avenir Book" charset="0"/>
+              </a:rPr>
+              <a:t> — R-</a:t>
+            </a:r>
+            <a:r>
+              <a:rPr lang="ro-RO" dirty="0" err="1">
+                <a:latin typeface="Avenir Book" charset="0"/>
+              </a:rPr>
+              <a:t>Ladies</a:t>
+            </a:r>
+            <a:r>
+              <a:rPr lang="ro-RO" dirty="0">
+                <a:latin typeface="Avenir Book" charset="0"/>
+              </a:rPr>
+              <a:t> </a:t>
+            </a:r>
+            <a:r>
+              <a:rPr lang="ro-RO" dirty="0" err="1">
+                <a:latin typeface="Avenir Book" charset="0"/>
+              </a:rPr>
+              <a:t>East</a:t>
+            </a:r>
+            <a:r>
+              <a:rPr lang="ro-RO" dirty="0">
+                <a:latin typeface="Avenir Book" charset="0"/>
+              </a:rPr>
+              <a:t> </a:t>
+            </a:r>
+            <a:r>
+              <a:rPr lang="ro-RO" dirty="0" err="1">
+                <a:latin typeface="Avenir Book" charset="0"/>
+              </a:rPr>
+              <a:t>Lansing</a:t>
+            </a:r>
+            <a:r>
+              <a:rPr lang="ro-RO" dirty="0">
+                <a:latin typeface="Avenir Book" charset="0"/>
+              </a:rPr>
+              <a:t> (English) (2022)</a:t>
+            </a:r>
+          </a:p>
+          <a:p>
+            <a:pPr marL="82296" indent="0">
+              <a:lnSpc>
+                <a:spcPct val="130000"/>
+              </a:lnSpc>
+              <a:buNone/>
+            </a:pPr>
+            <a:r>
+              <a:rPr lang="ro-RO" sz="2800" dirty="0">
+                <a:latin typeface="Avenir Book" charset="0"/>
+                <a:hlinkClick r:id="rId2"/>
+              </a:rPr>
+              <a:t>https://www.youtube.com/watch?v=86KaMXHuzK4</a:t>
+            </a:r>
+            <a:endParaRPr lang="ro-RO" dirty="0">
               <a:latin typeface="Avenir Book" charset="0"/>
             </a:endParaRPr>
           </a:p>
           <a:p>
+            <a:pPr>
+              <a:lnSpc>
+                <a:spcPct val="130000"/>
+              </a:lnSpc>
+            </a:pPr>
+            <a:r>
+              <a:rPr lang="ro-RO" dirty="0" err="1">
+                <a:latin typeface="Avenir Book" charset="0"/>
+              </a:rPr>
+              <a:t>Introduction</a:t>
+            </a:r>
+            <a:r>
+              <a:rPr lang="ro-RO" dirty="0">
+                <a:latin typeface="Avenir Book" charset="0"/>
+              </a:rPr>
+              <a:t> </a:t>
+            </a:r>
+            <a:r>
+              <a:rPr lang="ro-RO" dirty="0" err="1">
+                <a:latin typeface="Avenir Book" charset="0"/>
+              </a:rPr>
+              <a:t>to</a:t>
+            </a:r>
+            <a:r>
+              <a:rPr lang="ro-RO" dirty="0">
+                <a:latin typeface="Avenir Book" charset="0"/>
+              </a:rPr>
+              <a:t> </a:t>
+            </a:r>
+            <a:r>
+              <a:rPr lang="ro-RO" dirty="0" err="1">
+                <a:latin typeface="Avenir Book" charset="0"/>
+              </a:rPr>
+              <a:t>Machine</a:t>
+            </a:r>
+            <a:r>
+              <a:rPr lang="ro-RO" dirty="0">
+                <a:latin typeface="Avenir Book" charset="0"/>
+              </a:rPr>
+              <a:t> </a:t>
+            </a:r>
+            <a:r>
+              <a:rPr lang="ro-RO" dirty="0" err="1">
+                <a:latin typeface="Avenir Book" charset="0"/>
+              </a:rPr>
+              <a:t>Learning</a:t>
+            </a:r>
+            <a:r>
+              <a:rPr lang="ro-RO" dirty="0">
+                <a:latin typeface="Avenir Book" charset="0"/>
+              </a:rPr>
+              <a:t> </a:t>
+            </a:r>
+            <a:r>
+              <a:rPr lang="ro-RO" dirty="0" err="1">
+                <a:latin typeface="Avenir Book" charset="0"/>
+              </a:rPr>
+              <a:t>with</a:t>
+            </a:r>
+            <a:r>
+              <a:rPr lang="ro-RO" dirty="0">
+                <a:latin typeface="Avenir Book" charset="0"/>
+              </a:rPr>
+              <a:t> </a:t>
+            </a:r>
+            <a:r>
+              <a:rPr lang="ro-RO" dirty="0" err="1">
+                <a:latin typeface="Avenir Book" charset="0"/>
+              </a:rPr>
+              <a:t>the</a:t>
+            </a:r>
+            <a:r>
+              <a:rPr lang="ro-RO" dirty="0">
+                <a:latin typeface="Avenir Book" charset="0"/>
+              </a:rPr>
+              <a:t> </a:t>
+            </a:r>
+            <a:r>
+              <a:rPr lang="ro-RO" dirty="0" err="1">
+                <a:latin typeface="Avenir Book" charset="0"/>
+              </a:rPr>
+              <a:t>Tidyverse</a:t>
+            </a:r>
+            <a:r>
+              <a:rPr lang="ro-RO" dirty="0">
+                <a:latin typeface="Avenir Book" charset="0"/>
+              </a:rPr>
+              <a:t> (</a:t>
+            </a:r>
+            <a:r>
+              <a:rPr lang="ro-RO" dirty="0" err="1">
+                <a:latin typeface="Avenir Book" charset="0"/>
+              </a:rPr>
+              <a:t>Alison</a:t>
+            </a:r>
+            <a:r>
+              <a:rPr lang="ro-RO" dirty="0">
+                <a:latin typeface="Avenir Book" charset="0"/>
+              </a:rPr>
+              <a:t> Hill, 2020)</a:t>
+            </a:r>
+          </a:p>
+          <a:p>
             <a:pPr marL="82296" indent="0">
               <a:lnSpc>
-                <a:spcPct val="120000"/>
+                <a:spcPct val="130000"/>
               </a:lnSpc>
               <a:buNone/>
             </a:pPr>
             <a:r>
-              <a:rPr lang="en-US" sz="2300" dirty="0">
-                <a:latin typeface="Avenir Book" charset="0"/>
-                <a:ea typeface="Avenir Book" charset="0"/>
-                <a:cs typeface="Avenir Book" charset="0"/>
-                <a:hlinkClick r:id="rId2"/>
-              </a:rPr>
-              <a:t>http://rpubs.com/dgrtwo/cv-modelr</a:t>
+              <a:rPr lang="ro-RO" sz="2100" dirty="0">
+                <a:latin typeface="Avenir Book" charset="0"/>
+                <a:hlinkClick r:id="rId3"/>
+              </a:rPr>
+              <a:t>https://education.rstudio.com/blog/2020/02/conf20-intro-ml/</a:t>
+            </a:r>
+            <a:endParaRPr lang="ro-RO" sz="2100" dirty="0">
+              <a:latin typeface="Avenir Book" charset="0"/>
+            </a:endParaRPr>
+          </a:p>
+          <a:p>
+            <a:pPr marL="82296" indent="0">
+              <a:lnSpc>
+                <a:spcPct val="130000"/>
+              </a:lnSpc>
+              <a:buNone/>
+            </a:pPr>
+            <a:endParaRPr lang="ro-RO" sz="1100" dirty="0">
+              <a:latin typeface="Avenir Book" charset="0"/>
+            </a:endParaRPr>
+          </a:p>
+          <a:p>
+            <a:pPr>
+              <a:lnSpc>
+                <a:spcPct val="130000"/>
+              </a:lnSpc>
+            </a:pPr>
+            <a:r>
+              <a:rPr lang="ro-RO" dirty="0">
+                <a:latin typeface="Avenir Book" charset="0"/>
+              </a:rPr>
+              <a:t>[2020-11-04] </a:t>
+            </a:r>
+            <a:r>
+              <a:rPr lang="ro-RO" dirty="0" err="1">
+                <a:latin typeface="Avenir Book" charset="0"/>
+              </a:rPr>
+              <a:t>Tidy</a:t>
+            </a:r>
+            <a:r>
+              <a:rPr lang="ro-RO" dirty="0">
+                <a:latin typeface="Avenir Book" charset="0"/>
+              </a:rPr>
+              <a:t> </a:t>
+            </a:r>
+            <a:r>
+              <a:rPr lang="ro-RO" dirty="0" err="1">
+                <a:latin typeface="Avenir Book" charset="0"/>
+              </a:rPr>
+              <a:t>Modeling</a:t>
+            </a:r>
+            <a:r>
+              <a:rPr lang="ro-RO" dirty="0">
+                <a:latin typeface="Avenir Book" charset="0"/>
+              </a:rPr>
+              <a:t> </a:t>
+            </a:r>
+            <a:r>
+              <a:rPr lang="ro-RO" dirty="0" err="1">
+                <a:latin typeface="Avenir Book" charset="0"/>
+              </a:rPr>
+              <a:t>with</a:t>
+            </a:r>
+            <a:r>
+              <a:rPr lang="ro-RO" dirty="0">
+                <a:latin typeface="Avenir Book" charset="0"/>
+              </a:rPr>
+              <a:t> R</a:t>
+            </a:r>
+          </a:p>
+          <a:p>
+            <a:pPr marL="82296" indent="0">
+              <a:lnSpc>
+                <a:spcPct val="130000"/>
+              </a:lnSpc>
+              <a:buNone/>
+            </a:pPr>
+            <a:r>
+              <a:rPr lang="ro-RO" sz="2600" dirty="0">
+                <a:latin typeface="Avenir Book" charset="0"/>
+                <a:hlinkClick r:id="rId4"/>
+              </a:rPr>
+              <a:t>https://www.youtube.com/watch?v=SwVpUrSbyYs</a:t>
+            </a:r>
+            <a:endParaRPr lang="ro-RO" sz="2600" dirty="0">
+              <a:latin typeface="Avenir Book" charset="0"/>
+            </a:endParaRPr>
+          </a:p>
+          <a:p>
+            <a:pPr marL="82296" indent="0">
+              <a:lnSpc>
+                <a:spcPct val="130000"/>
+              </a:lnSpc>
+              <a:buNone/>
+            </a:pPr>
+            <a:endParaRPr lang="ro-RO" sz="1100" dirty="0">
+              <a:latin typeface="Avenir Book" charset="0"/>
+            </a:endParaRPr>
+          </a:p>
+          <a:p>
+            <a:pPr>
+              <a:lnSpc>
+                <a:spcPct val="130000"/>
+              </a:lnSpc>
+            </a:pPr>
+            <a:r>
+              <a:rPr lang="ro-RO" dirty="0" err="1">
+                <a:latin typeface="Avenir Book" charset="0"/>
+              </a:rPr>
+              <a:t>TidyX</a:t>
+            </a:r>
+            <a:r>
+              <a:rPr lang="ro-RO" dirty="0">
+                <a:latin typeface="Avenir Book" charset="0"/>
+              </a:rPr>
+              <a:t> </a:t>
+            </a:r>
+            <a:r>
+              <a:rPr lang="ro-RO" dirty="0" err="1">
+                <a:latin typeface="Avenir Book" charset="0"/>
+              </a:rPr>
+              <a:t>Tidymodels</a:t>
+            </a:r>
+            <a:r>
+              <a:rPr lang="ro-RO" dirty="0">
+                <a:latin typeface="Avenir Book" charset="0"/>
+              </a:rPr>
+              <a:t> </a:t>
+            </a:r>
+            <a:r>
+              <a:rPr lang="ro-RO" sz="2500" dirty="0">
+                <a:latin typeface="Avenir Book" charset="0"/>
+              </a:rPr>
+              <a:t>(</a:t>
+            </a:r>
+            <a:r>
+              <a:rPr lang="ro-RO" sz="2500" dirty="0" err="1">
+                <a:latin typeface="Avenir Book" charset="0"/>
+              </a:rPr>
+              <a:t>https</a:t>
+            </a:r>
+            <a:r>
+              <a:rPr lang="ro-RO" sz="2500" dirty="0">
+                <a:latin typeface="Avenir Book" charset="0"/>
+              </a:rPr>
+              <a:t>://</a:t>
+            </a:r>
+            <a:r>
+              <a:rPr lang="ro-RO" sz="2500" dirty="0" err="1">
+                <a:latin typeface="Avenir Book" charset="0"/>
+              </a:rPr>
+              <a:t>www.youtube.com</a:t>
+            </a:r>
+            <a:r>
+              <a:rPr lang="ro-RO" sz="2500" dirty="0">
+                <a:latin typeface="Avenir Book" charset="0"/>
+              </a:rPr>
+              <a:t>/</a:t>
+            </a:r>
+            <a:r>
+              <a:rPr lang="ro-RO" sz="2500" dirty="0" err="1">
+                <a:latin typeface="Avenir Book" charset="0"/>
+              </a:rPr>
+              <a:t>playlist?list</a:t>
+            </a:r>
+            <a:r>
+              <a:rPr lang="ro-RO" sz="2500" dirty="0">
+                <a:latin typeface="Avenir Book" charset="0"/>
+              </a:rPr>
+              <a:t>=PLdb0LTjA9iQyCgTd8MmRS38vYrRIzdx2j)</a:t>
+            </a:r>
+          </a:p>
+          <a:p>
+            <a:pPr lvl="1">
+              <a:lnSpc>
+                <a:spcPct val="130000"/>
+              </a:lnSpc>
+            </a:pPr>
+            <a:r>
+              <a:rPr lang="ro-RO" dirty="0" err="1">
+                <a:latin typeface="Avenir Book" charset="0"/>
+              </a:rPr>
+              <a:t>TidyX</a:t>
+            </a:r>
+            <a:r>
+              <a:rPr lang="ro-RO" dirty="0">
+                <a:latin typeface="Avenir Book" charset="0"/>
+              </a:rPr>
+              <a:t> </a:t>
+            </a:r>
+            <a:r>
+              <a:rPr lang="ro-RO" dirty="0" err="1">
+                <a:latin typeface="Avenir Book" charset="0"/>
+              </a:rPr>
+              <a:t>Episode</a:t>
+            </a:r>
+            <a:r>
+              <a:rPr lang="ro-RO" dirty="0">
+                <a:latin typeface="Avenir Book" charset="0"/>
+              </a:rPr>
+              <a:t> 77 | </a:t>
+            </a:r>
+            <a:r>
+              <a:rPr lang="ro-RO" dirty="0" err="1">
+                <a:latin typeface="Avenir Book" charset="0"/>
+              </a:rPr>
+              <a:t>Tidymodels</a:t>
+            </a:r>
+            <a:r>
+              <a:rPr lang="ro-RO" dirty="0">
+                <a:latin typeface="Avenir Book" charset="0"/>
+              </a:rPr>
+              <a:t> – LM (2021)</a:t>
+            </a:r>
+          </a:p>
+          <a:p>
+            <a:pPr marL="402336" lvl="1" indent="0">
+              <a:lnSpc>
+                <a:spcPct val="130000"/>
+              </a:lnSpc>
+              <a:buNone/>
+            </a:pPr>
+            <a:r>
+              <a:rPr lang="ro-RO" dirty="0">
+                <a:latin typeface="Avenir Book" charset="0"/>
+                <a:hlinkClick r:id="rId5"/>
+              </a:rPr>
+              <a:t>https://www.youtube.com/watch?v=_yPsbxoeRUk&amp;list=PLdb0LTjA9iQyCgTd8MmRS38vYrRIzdx2j</a:t>
+            </a:r>
+            <a:endParaRPr lang="ro-RO" dirty="0">
+              <a:latin typeface="Avenir Book" charset="0"/>
+            </a:endParaRPr>
+          </a:p>
+          <a:p>
+            <a:pPr lvl="1">
+              <a:lnSpc>
+                <a:spcPct val="130000"/>
+              </a:lnSpc>
+            </a:pPr>
+            <a:r>
+              <a:rPr lang="ro-RO" dirty="0" err="1">
+                <a:latin typeface="Avenir Book" charset="0"/>
+              </a:rPr>
+              <a:t>TidyX</a:t>
+            </a:r>
+            <a:r>
+              <a:rPr lang="ro-RO" dirty="0">
+                <a:latin typeface="Avenir Book" charset="0"/>
+              </a:rPr>
+              <a:t> </a:t>
+            </a:r>
+            <a:r>
+              <a:rPr lang="ro-RO" dirty="0" err="1">
+                <a:latin typeface="Avenir Book" charset="0"/>
+              </a:rPr>
+              <a:t>Episode</a:t>
+            </a:r>
+            <a:r>
+              <a:rPr lang="ro-RO" dirty="0">
+                <a:latin typeface="Avenir Book" charset="0"/>
+              </a:rPr>
+              <a:t> 78 | </a:t>
+            </a:r>
+            <a:r>
+              <a:rPr lang="ro-RO" dirty="0" err="1">
+                <a:latin typeface="Avenir Book" charset="0"/>
+              </a:rPr>
+              <a:t>Tidymodels</a:t>
+            </a:r>
+            <a:r>
+              <a:rPr lang="ro-RO" dirty="0">
+                <a:latin typeface="Avenir Book" charset="0"/>
+              </a:rPr>
+              <a:t> - </a:t>
+            </a:r>
+            <a:r>
+              <a:rPr lang="ro-RO" dirty="0" err="1">
+                <a:latin typeface="Avenir Book" charset="0"/>
+              </a:rPr>
+              <a:t>Splits</a:t>
+            </a:r>
+            <a:r>
+              <a:rPr lang="ro-RO" dirty="0">
+                <a:latin typeface="Avenir Book" charset="0"/>
+              </a:rPr>
+              <a:t> </a:t>
+            </a:r>
+            <a:r>
+              <a:rPr lang="ro-RO" dirty="0" err="1">
+                <a:latin typeface="Avenir Book" charset="0"/>
+              </a:rPr>
+              <a:t>and</a:t>
+            </a:r>
+            <a:r>
+              <a:rPr lang="ro-RO" dirty="0">
+                <a:latin typeface="Avenir Book" charset="0"/>
+              </a:rPr>
+              <a:t> </a:t>
+            </a:r>
+            <a:r>
+              <a:rPr lang="ro-RO" dirty="0" err="1">
+                <a:latin typeface="Avenir Book" charset="0"/>
+              </a:rPr>
+              <a:t>Recipes</a:t>
+            </a:r>
+            <a:r>
+              <a:rPr lang="ro-RO" dirty="0">
+                <a:latin typeface="Avenir Book" charset="0"/>
+              </a:rPr>
+              <a:t> (2021)</a:t>
+            </a:r>
+          </a:p>
+          <a:p>
+            <a:pPr marL="402336" lvl="1" indent="0">
+              <a:lnSpc>
+                <a:spcPct val="130000"/>
+              </a:lnSpc>
+              <a:buNone/>
+            </a:pPr>
+            <a:r>
+              <a:rPr lang="ro-RO" dirty="0">
+                <a:latin typeface="Avenir Book" charset="0"/>
+                <a:hlinkClick r:id="rId6"/>
+              </a:rPr>
+              <a:t>https://www.youtube.com/watch?v=oRq_ktTvda4&amp;list=PLdb0LTjA9iQyCgTd8MmRS38vYrRIzdx2j&amp;index=2</a:t>
+            </a:r>
+            <a:endParaRPr lang="ro-RO" dirty="0">
+              <a:latin typeface="Avenir Book" charset="0"/>
+            </a:endParaRPr>
+          </a:p>
+          <a:p>
+            <a:pPr lvl="1">
+              <a:lnSpc>
+                <a:spcPct val="130000"/>
+              </a:lnSpc>
+            </a:pPr>
+            <a:r>
+              <a:rPr lang="ro-RO" dirty="0" err="1">
+                <a:latin typeface="Avenir Book" charset="0"/>
+              </a:rPr>
+              <a:t>idyX</a:t>
+            </a:r>
+            <a:r>
+              <a:rPr lang="ro-RO" dirty="0">
+                <a:latin typeface="Avenir Book" charset="0"/>
+              </a:rPr>
+              <a:t> </a:t>
+            </a:r>
+            <a:r>
+              <a:rPr lang="ro-RO" dirty="0" err="1">
+                <a:latin typeface="Avenir Book" charset="0"/>
+              </a:rPr>
+              <a:t>Episode</a:t>
+            </a:r>
+            <a:r>
+              <a:rPr lang="ro-RO" dirty="0">
+                <a:latin typeface="Avenir Book" charset="0"/>
+              </a:rPr>
+              <a:t> 79 | </a:t>
+            </a:r>
+            <a:r>
+              <a:rPr lang="ro-RO" dirty="0" err="1">
+                <a:latin typeface="Avenir Book" charset="0"/>
+              </a:rPr>
+              <a:t>Tidymodels</a:t>
+            </a:r>
+            <a:r>
+              <a:rPr lang="ro-RO" dirty="0">
+                <a:latin typeface="Avenir Book" charset="0"/>
+              </a:rPr>
+              <a:t> - Cross-</a:t>
+            </a:r>
+            <a:r>
+              <a:rPr lang="ro-RO" dirty="0" err="1">
+                <a:latin typeface="Avenir Book" charset="0"/>
+              </a:rPr>
+              <a:t>Validation</a:t>
+            </a:r>
+            <a:r>
+              <a:rPr lang="ro-RO" dirty="0">
+                <a:latin typeface="Avenir Book" charset="0"/>
+              </a:rPr>
+              <a:t> </a:t>
+            </a:r>
+            <a:r>
+              <a:rPr lang="ro-RO" dirty="0" err="1">
+                <a:latin typeface="Avenir Book" charset="0"/>
+              </a:rPr>
+              <a:t>and</a:t>
+            </a:r>
+            <a:r>
+              <a:rPr lang="ro-RO" dirty="0">
+                <a:latin typeface="Avenir Book" charset="0"/>
+              </a:rPr>
+              <a:t> </a:t>
+            </a:r>
+            <a:r>
+              <a:rPr lang="ro-RO" dirty="0" err="1">
+                <a:latin typeface="Avenir Book" charset="0"/>
+              </a:rPr>
+              <a:t>Metrics</a:t>
+            </a:r>
+            <a:r>
+              <a:rPr lang="ro-RO" dirty="0">
+                <a:latin typeface="Avenir Book" charset="0"/>
+              </a:rPr>
+              <a:t> (2021)</a:t>
+            </a:r>
+          </a:p>
+          <a:p>
+            <a:pPr marL="402336" lvl="1" indent="0">
+              <a:lnSpc>
+                <a:spcPct val="130000"/>
+              </a:lnSpc>
+              <a:buNone/>
+            </a:pPr>
+            <a:r>
+              <a:rPr lang="ro-RO" dirty="0">
+                <a:latin typeface="Avenir Book" charset="0"/>
+                <a:hlinkClick r:id="rId7"/>
+              </a:rPr>
+              <a:t>https://www.youtube.com/watch?v=TU3XAWk1tHI&amp;list=PLdb0LTjA9iQyCgTd8MmRS38vYrRIzdx2j&amp;index=3</a:t>
             </a:r>
             <a:endParaRPr lang="en-US" sz="2300" dirty="0">
               <a:latin typeface="Avenir Book" charset="0"/>
@@ -9629,319 +10322,6 @@
             </a:endParaRPr>
           </a:p>
           <a:p>
-            <a:pPr>
-              <a:lnSpc>
-                <a:spcPct val="120000"/>
-              </a:lnSpc>
-            </a:pPr>
-            <a:r>
-              <a:rPr lang="en" dirty="0">
-                <a:latin typeface="Avenir Book" charset="0"/>
-                <a:ea typeface="Avenir Book" charset="0"/>
-                <a:cs typeface="Avenir Book" charset="0"/>
-              </a:rPr>
-              <a:t>k-fold cross validation with </a:t>
-            </a:r>
-            <a:r>
-              <a:rPr lang="en" dirty="0" err="1">
-                <a:latin typeface="Avenir Book" charset="0"/>
-                <a:ea typeface="Avenir Book" charset="0"/>
-                <a:cs typeface="Avenir Book" charset="0"/>
-              </a:rPr>
-              <a:t>modelr</a:t>
-            </a:r>
-            <a:r>
-              <a:rPr lang="en" dirty="0">
-                <a:latin typeface="Avenir Book" charset="0"/>
-                <a:ea typeface="Avenir Book" charset="0"/>
-                <a:cs typeface="Avenir Book" charset="0"/>
-              </a:rPr>
-              <a:t> and broom</a:t>
-            </a:r>
-            <a:endParaRPr lang="en-US" dirty="0">
-              <a:latin typeface="Avenir Book" charset="0"/>
-              <a:ea typeface="Avenir Book" charset="0"/>
-              <a:cs typeface="Avenir Book" charset="0"/>
-            </a:endParaRPr>
-          </a:p>
-          <a:p>
-            <a:pPr marL="82296" indent="0">
-              <a:lnSpc>
-                <a:spcPct val="120000"/>
-              </a:lnSpc>
-              <a:buNone/>
-            </a:pPr>
-            <a:r>
-              <a:rPr lang="en-US" sz="2300" dirty="0">
-                <a:latin typeface="Avenir Book" charset="0"/>
-                <a:ea typeface="Avenir Book" charset="0"/>
-                <a:cs typeface="Avenir Book" charset="0"/>
-                <a:hlinkClick r:id="rId3"/>
-              </a:rPr>
-              <a:t>https://drsimonj.svbtle.com/k-fold-cross-validation-with-modelr-and-broom</a:t>
-            </a:r>
-            <a:endParaRPr lang="en-US" sz="2300" dirty="0">
-              <a:latin typeface="Avenir Book" charset="0"/>
-              <a:ea typeface="Avenir Book" charset="0"/>
-              <a:cs typeface="Avenir Book" charset="0"/>
-            </a:endParaRPr>
-          </a:p>
-          <a:p>
-            <a:pPr>
-              <a:lnSpc>
-                <a:spcPct val="120000"/>
-              </a:lnSpc>
-            </a:pPr>
-            <a:r>
-              <a:rPr lang="ro-RO" dirty="0" err="1">
-                <a:latin typeface="Avenir Book" charset="0"/>
-              </a:rPr>
-              <a:t>Stephanie</a:t>
-            </a:r>
-            <a:r>
-              <a:rPr lang="ro-RO" dirty="0">
-                <a:latin typeface="Avenir Book" charset="0"/>
-              </a:rPr>
-              <a:t> J. </a:t>
-            </a:r>
-            <a:r>
-              <a:rPr lang="ro-RO" dirty="0" err="1">
-                <a:latin typeface="Avenir Book" charset="0"/>
-              </a:rPr>
-              <a:t>Spielman</a:t>
-            </a:r>
-            <a:r>
-              <a:rPr lang="ro-RO" dirty="0">
-                <a:latin typeface="Avenir Book" charset="0"/>
-              </a:rPr>
-              <a:t> - </a:t>
-            </a:r>
-            <a:r>
-              <a:rPr lang="en" dirty="0">
-                <a:latin typeface="Avenir Book" charset="0"/>
-              </a:rPr>
-              <a:t>K-fold cross validation in the </a:t>
-            </a:r>
-            <a:r>
-              <a:rPr lang="en" dirty="0" err="1">
-                <a:latin typeface="Avenir Book" charset="0"/>
-              </a:rPr>
-              <a:t>Tidyverse</a:t>
-            </a:r>
-            <a:endParaRPr lang="en" dirty="0">
-              <a:latin typeface="Avenir Book" charset="0"/>
-            </a:endParaRPr>
-          </a:p>
-          <a:p>
-            <a:pPr marL="82296" indent="0">
-              <a:lnSpc>
-                <a:spcPct val="120000"/>
-              </a:lnSpc>
-              <a:buNone/>
-            </a:pPr>
-            <a:r>
-              <a:rPr lang="en-US" sz="2300" dirty="0">
-                <a:latin typeface="Avenir Book" charset="0"/>
-                <a:ea typeface="Avenir Book" charset="0"/>
-                <a:cs typeface="Avenir Book" charset="0"/>
-                <a:hlinkClick r:id="rId4"/>
-              </a:rPr>
-              <a:t>http://sjspielman.org/bio5312_fall2017/files/kfold_supplement.pdf</a:t>
-            </a:r>
-            <a:endParaRPr lang="en-US" sz="2300" dirty="0">
-              <a:latin typeface="Avenir Book" charset="0"/>
-              <a:ea typeface="Avenir Book" charset="0"/>
-              <a:cs typeface="Avenir Book" charset="0"/>
-            </a:endParaRPr>
-          </a:p>
-          <a:p>
-            <a:pPr>
-              <a:lnSpc>
-                <a:spcPct val="120000"/>
-              </a:lnSpc>
-            </a:pPr>
-            <a:r>
-              <a:rPr lang="en-US" dirty="0">
-                <a:latin typeface="Avenir Book" charset="0"/>
-              </a:rPr>
-              <a:t>Model-selection using cross-validation</a:t>
-            </a:r>
-          </a:p>
-          <a:p>
-            <a:pPr marL="82296" indent="0">
-              <a:lnSpc>
-                <a:spcPct val="120000"/>
-              </a:lnSpc>
-              <a:buNone/>
-            </a:pPr>
-            <a:r>
-              <a:rPr lang="en-US" sz="2300" dirty="0">
-                <a:latin typeface="Avenir Book" charset="0"/>
-                <a:ea typeface="Avenir Book" charset="0"/>
-                <a:cs typeface="Avenir Book" charset="0"/>
-                <a:hlinkClick r:id="rId5"/>
-              </a:rPr>
-              <a:t>https://ijlyttle.github.io/model_cv_selection.html#</a:t>
-            </a:r>
-            <a:endParaRPr lang="en-US" sz="2300" dirty="0">
-              <a:latin typeface="Avenir Book" charset="0"/>
-              <a:ea typeface="Avenir Book" charset="0"/>
-              <a:cs typeface="Avenir Book" charset="0"/>
-            </a:endParaRPr>
-          </a:p>
-          <a:p>
-            <a:pPr>
-              <a:lnSpc>
-                <a:spcPct val="120000"/>
-              </a:lnSpc>
-            </a:pPr>
-            <a:r>
-              <a:rPr lang="en" dirty="0">
-                <a:latin typeface="Avenir Book" charset="0"/>
-              </a:rPr>
-              <a:t>Out of sample predictions from OLS regressions: a K-folds tutorial in R</a:t>
-            </a:r>
-          </a:p>
-          <a:p>
-            <a:pPr marL="82296" indent="0">
-              <a:lnSpc>
-                <a:spcPct val="120000"/>
-              </a:lnSpc>
-              <a:buNone/>
-            </a:pPr>
-            <a:r>
-              <a:rPr lang="ro-RO" sz="2400" dirty="0">
-                <a:latin typeface="Avenir Book" charset="0"/>
-                <a:hlinkClick r:id="rId6"/>
-              </a:rPr>
-              <a:t>https://janzilinsky.com/cross-validation-ols-k-folds-out-of-sample-predictions-in-r/</a:t>
-            </a:r>
-            <a:endParaRPr lang="ro-RO" sz="2400" dirty="0">
-              <a:latin typeface="Avenir Book" charset="0"/>
-            </a:endParaRPr>
-          </a:p>
-          <a:p>
-            <a:pPr>
-              <a:lnSpc>
-                <a:spcPct val="120000"/>
-              </a:lnSpc>
-            </a:pPr>
-            <a:r>
-              <a:rPr lang="en-US" dirty="0">
-                <a:latin typeface="Avenir Book" charset="0"/>
-              </a:rPr>
-              <a:t>Package ‘</a:t>
-            </a:r>
-            <a:r>
-              <a:rPr lang="en-US" dirty="0" err="1">
-                <a:latin typeface="Avenir Book" charset="0"/>
-              </a:rPr>
-              <a:t>modelr</a:t>
-            </a:r>
-            <a:r>
-              <a:rPr lang="en-US" dirty="0">
-                <a:latin typeface="Avenir Book" charset="0"/>
-              </a:rPr>
-              <a:t>’</a:t>
-            </a:r>
-          </a:p>
-          <a:p>
-            <a:pPr marL="82296" indent="0">
-              <a:lnSpc>
-                <a:spcPct val="120000"/>
-              </a:lnSpc>
-              <a:buNone/>
-            </a:pPr>
-            <a:r>
-              <a:rPr lang="en-US" sz="2300" dirty="0">
-                <a:latin typeface="Avenir Book" charset="0"/>
-                <a:ea typeface="Avenir Book" charset="0"/>
-                <a:cs typeface="Avenir Book" charset="0"/>
-                <a:hlinkClick r:id="rId7"/>
-              </a:rPr>
-              <a:t>https://cran.r-project.org/web/packages/modelr/modelr.pdf</a:t>
-            </a:r>
-            <a:endParaRPr lang="en-US" sz="2300" dirty="0">
-              <a:latin typeface="Avenir Book" charset="0"/>
-              <a:ea typeface="Avenir Book" charset="0"/>
-              <a:cs typeface="Avenir Book" charset="0"/>
-            </a:endParaRPr>
-          </a:p>
-          <a:p>
-            <a:pPr>
-              <a:lnSpc>
-                <a:spcPct val="120000"/>
-              </a:lnSpc>
-            </a:pPr>
-            <a:r>
-              <a:rPr lang="en-US" dirty="0">
-                <a:latin typeface="Avenir Book" charset="0"/>
-              </a:rPr>
-              <a:t>Logistic Regression</a:t>
-            </a:r>
-          </a:p>
-          <a:p>
-            <a:pPr marL="82296" indent="0">
-              <a:lnSpc>
-                <a:spcPct val="120000"/>
-              </a:lnSpc>
-              <a:buNone/>
-            </a:pPr>
-            <a:r>
-              <a:rPr lang="en-US" sz="2300" dirty="0">
-                <a:latin typeface="Avenir Book" charset="0"/>
-                <a:ea typeface="Avenir Book" charset="0"/>
-                <a:cs typeface="Avenir Book" charset="0"/>
-                <a:hlinkClick r:id="rId8"/>
-              </a:rPr>
-              <a:t>http://uc-r.github.io/logistic_regression</a:t>
-            </a:r>
-            <a:endParaRPr lang="en-US" sz="2300" dirty="0">
-              <a:latin typeface="Avenir Book" charset="0"/>
-              <a:ea typeface="Avenir Book" charset="0"/>
-              <a:cs typeface="Avenir Book" charset="0"/>
-            </a:endParaRPr>
-          </a:p>
-          <a:p>
-            <a:pPr marL="82296" indent="0">
-              <a:lnSpc>
-                <a:spcPct val="120000"/>
-              </a:lnSpc>
-              <a:buNone/>
-            </a:pPr>
-            <a:endParaRPr lang="en-US" sz="2300" dirty="0">
-              <a:latin typeface="Avenir Book" charset="0"/>
-              <a:ea typeface="Avenir Book" charset="0"/>
-              <a:cs typeface="Avenir Book" charset="0"/>
-            </a:endParaRPr>
-          </a:p>
-          <a:p>
-            <a:pPr marL="82296" indent="0">
-              <a:lnSpc>
-                <a:spcPct val="120000"/>
-              </a:lnSpc>
-              <a:buNone/>
-            </a:pPr>
-            <a:endParaRPr lang="en-US" sz="2300" dirty="0">
-              <a:latin typeface="Avenir Book" charset="0"/>
-              <a:ea typeface="Avenir Book" charset="0"/>
-              <a:cs typeface="Avenir Book" charset="0"/>
-            </a:endParaRPr>
-          </a:p>
-          <a:p>
-            <a:pPr marL="82296" indent="0">
-              <a:lnSpc>
-                <a:spcPct val="120000"/>
-              </a:lnSpc>
-              <a:buNone/>
-            </a:pPr>
-            <a:endParaRPr lang="en-US" sz="2300" dirty="0">
-              <a:latin typeface="Avenir Book" charset="0"/>
-              <a:ea typeface="Avenir Book" charset="0"/>
-              <a:cs typeface="Avenir Book" charset="0"/>
-            </a:endParaRPr>
-          </a:p>
-          <a:p>
             <a:pPr marL="82296" indent="0">
               <a:lnSpc>
                 <a:spcPct val="120000"/>
@@ -9958,7 +10338,7 @@
     </p:spTree>
     <p:extLst>
       <p:ext uri="{BB962C8B-B14F-4D97-AF65-F5344CB8AC3E}">
-        <p14:creationId xmlns:p14="http://schemas.microsoft.com/office/powerpoint/2010/main" val="261329913"/>
+        <p14:creationId xmlns:p14="http://schemas.microsoft.com/office/powerpoint/2010/main" val="3793287598"/>
       </p:ext>
     </p:extLst>
   </p:cSld>
@@ -10006,7 +10386,7 @@
         </p:spPr>
         <p:txBody>
           <a:bodyPr anchor="ctr">
-            <a:normAutofit/>
+            <a:normAutofit fontScale="90000"/>
           </a:bodyPr>
           <a:lstStyle/>
           <a:p>
@@ -10033,7 +10413,7 @@
                 <a:ea typeface="Arial Unicode MS" panose="020B0604020202020204" pitchFamily="34" charset="-128"/>
                 <a:cs typeface="Arial Unicode MS" panose="020B0604020202020204" pitchFamily="34" charset="-128"/>
               </a:rPr>
-              <a:t>` packages</a:t>
+              <a:t>` framework (cont.)</a:t>
             </a:r>
           </a:p>
         </p:txBody>
@@ -10048,8 +10428,8 @@
         </p:nvSpPr>
         <p:spPr>
           <a:xfrm>
-            <a:off x="685800" y="1219200"/>
-            <a:ext cx="8458200" cy="5638800"/>
+            <a:off x="685800" y="1828800"/>
+            <a:ext cx="8458200" cy="5029200"/>
           </a:xfrm>
           <a:prstGeom prst="rect">
             <a:avLst/>
@@ -10057,7 +10437,7 @@
         </p:spPr>
         <p:txBody>
           <a:bodyPr>
-            <a:normAutofit fontScale="85000" lnSpcReduction="20000"/>
+            <a:normAutofit fontScale="62500" lnSpcReduction="20000"/>
           </a:bodyPr>
           <a:lstStyle>
             <a:lvl1pPr marL="365760" indent="-283464" algn="l" eaLnBrk="1" latinLnBrk="0" hangingPunct="1">
@@ -10205,323 +10585,444 @@
               </a:lnSpc>
             </a:pPr>
             <a:r>
-              <a:rPr lang="en" dirty="0">
-                <a:latin typeface="Avenir Book" charset="0"/>
-              </a:rPr>
-              <a:t>Resources on `</a:t>
-            </a:r>
-            <a:r>
-              <a:rPr lang="en" dirty="0" err="1">
-                <a:latin typeface="Avenir Book" charset="0"/>
-              </a:rPr>
-              <a:t>rsamples</a:t>
-            </a:r>
-            <a:r>
-              <a:rPr lang="en" dirty="0">
-                <a:latin typeface="Avenir Book" charset="0"/>
-              </a:rPr>
-              <a:t>` package</a:t>
-            </a:r>
-          </a:p>
-          <a:p>
-            <a:pPr lvl="1">
+              <a:rPr lang="ro-RO" sz="3200" dirty="0" err="1">
+                <a:latin typeface="Avenir Book" charset="0"/>
+              </a:rPr>
+              <a:t>Modeling</a:t>
+            </a:r>
+            <a:r>
+              <a:rPr lang="ro-RO" sz="3200" dirty="0">
+                <a:latin typeface="Avenir Book" charset="0"/>
+              </a:rPr>
+              <a:t> hotel </a:t>
+            </a:r>
+            <a:r>
+              <a:rPr lang="ro-RO" sz="3200" dirty="0" err="1">
+                <a:latin typeface="Avenir Book" charset="0"/>
+              </a:rPr>
+              <a:t>bookings</a:t>
+            </a:r>
+            <a:r>
+              <a:rPr lang="ro-RO" sz="3200" dirty="0">
+                <a:latin typeface="Avenir Book" charset="0"/>
+              </a:rPr>
+              <a:t> in R </a:t>
+            </a:r>
+            <a:r>
+              <a:rPr lang="ro-RO" sz="3200" dirty="0" err="1">
+                <a:latin typeface="Avenir Book" charset="0"/>
+              </a:rPr>
+              <a:t>using</a:t>
+            </a:r>
+            <a:r>
+              <a:rPr lang="ro-RO" sz="3200" dirty="0">
+                <a:latin typeface="Avenir Book" charset="0"/>
+              </a:rPr>
+              <a:t> </a:t>
+            </a:r>
+            <a:r>
+              <a:rPr lang="ro-RO" sz="3200" dirty="0" err="1">
+                <a:latin typeface="Avenir Book" charset="0"/>
+              </a:rPr>
+              <a:t>tidymodels</a:t>
+            </a:r>
+            <a:r>
+              <a:rPr lang="ro-RO" sz="3200" dirty="0">
+                <a:latin typeface="Avenir Book" charset="0"/>
+              </a:rPr>
+              <a:t> </a:t>
+            </a:r>
+            <a:r>
+              <a:rPr lang="ro-RO" sz="3200" dirty="0" err="1">
+                <a:latin typeface="Avenir Book" charset="0"/>
+              </a:rPr>
+              <a:t>and</a:t>
+            </a:r>
+            <a:r>
+              <a:rPr lang="ro-RO" sz="3200" dirty="0">
+                <a:latin typeface="Avenir Book" charset="0"/>
+              </a:rPr>
+              <a:t> </a:t>
+            </a:r>
+            <a:r>
+              <a:rPr lang="ro-RO" sz="3200" dirty="0" err="1">
+                <a:latin typeface="Avenir Book" charset="0"/>
+              </a:rPr>
+              <a:t>recipes</a:t>
+            </a:r>
+            <a:r>
+              <a:rPr lang="ro-RO" sz="3200" dirty="0">
+                <a:latin typeface="Avenir Book" charset="0"/>
+              </a:rPr>
+              <a:t> (2020)</a:t>
+            </a:r>
+          </a:p>
+          <a:p>
+            <a:pPr marL="82296" indent="0">
               <a:lnSpc>
                 <a:spcPct val="130000"/>
               </a:lnSpc>
-            </a:pPr>
-            <a:r>
-              <a:rPr lang="ro-RO" dirty="0">
+              <a:buNone/>
+            </a:pPr>
+            <a:r>
+              <a:rPr lang="ro-RO" sz="2600" dirty="0">
                 <a:latin typeface="Avenir Book" charset="0"/>
                 <a:hlinkClick r:id="rId2"/>
               </a:rPr>
-              <a:t>https://tidymodels.github.io/rsample/</a:t>
-            </a:r>
-            <a:endParaRPr lang="ro-RO" dirty="0">
+              <a:t>https://www.youtube.com/watch?v=dbXDkEEuvCU</a:t>
+            </a:r>
+            <a:endParaRPr lang="ro-RO" sz="2600" dirty="0">
               <a:latin typeface="Avenir Book" charset="0"/>
             </a:endParaRPr>
           </a:p>
           <a:p>
-            <a:pPr lvl="1">
+            <a:pPr>
               <a:lnSpc>
                 <a:spcPct val="130000"/>
               </a:lnSpc>
             </a:pPr>
             <a:r>
-              <a:rPr lang="en" dirty="0">
-                <a:latin typeface="Avenir Book" charset="0"/>
-              </a:rPr>
-              <a:t>In an R /R Studio session, type/launch: `</a:t>
-            </a:r>
-            <a:r>
-              <a:rPr lang="en" dirty="0" err="1">
-                <a:latin typeface="Avenir Book" charset="0"/>
-              </a:rPr>
-              <a:t>browseVignettes</a:t>
-            </a:r>
-            <a:r>
-              <a:rPr lang="en" dirty="0">
-                <a:latin typeface="Avenir Book" charset="0"/>
-              </a:rPr>
-              <a:t>("</a:t>
-            </a:r>
-            <a:r>
-              <a:rPr lang="en" dirty="0" err="1">
-                <a:latin typeface="Avenir Book" charset="0"/>
-              </a:rPr>
-              <a:t>rsample</a:t>
-            </a:r>
-            <a:r>
-              <a:rPr lang="en" dirty="0">
-                <a:latin typeface="Avenir Book" charset="0"/>
-              </a:rPr>
-              <a:t>")`</a:t>
-            </a:r>
-          </a:p>
-          <a:p>
-            <a:pPr>
+              <a:rPr lang="ro-RO" sz="3400" dirty="0" err="1">
+                <a:latin typeface="Avenir Book" charset="0"/>
+              </a:rPr>
+              <a:t>Cooking</a:t>
+            </a:r>
+            <a:r>
+              <a:rPr lang="ro-RO" sz="3400" dirty="0">
+                <a:latin typeface="Avenir Book" charset="0"/>
+              </a:rPr>
+              <a:t> </a:t>
+            </a:r>
+            <a:r>
+              <a:rPr lang="ro-RO" sz="3400" dirty="0" err="1">
+                <a:latin typeface="Avenir Book" charset="0"/>
+              </a:rPr>
+              <a:t>Your</a:t>
+            </a:r>
+            <a:r>
+              <a:rPr lang="ro-RO" sz="3400" dirty="0">
+                <a:latin typeface="Avenir Book" charset="0"/>
+              </a:rPr>
+              <a:t> Data </a:t>
+            </a:r>
+            <a:r>
+              <a:rPr lang="ro-RO" sz="3400" dirty="0" err="1">
+                <a:latin typeface="Avenir Book" charset="0"/>
+              </a:rPr>
+              <a:t>with</a:t>
+            </a:r>
+            <a:r>
+              <a:rPr lang="ro-RO" sz="3400" dirty="0">
+                <a:latin typeface="Avenir Book" charset="0"/>
+              </a:rPr>
+              <a:t> </a:t>
+            </a:r>
+            <a:r>
+              <a:rPr lang="ro-RO" sz="3400" dirty="0" err="1">
+                <a:latin typeface="Avenir Book" charset="0"/>
+              </a:rPr>
+              <a:t>Recipes</a:t>
+            </a:r>
+            <a:r>
+              <a:rPr lang="ro-RO" sz="3400" dirty="0">
+                <a:latin typeface="Avenir Book" charset="0"/>
+              </a:rPr>
+              <a:t> in R </a:t>
+            </a:r>
+            <a:r>
+              <a:rPr lang="ro-RO" sz="3400" dirty="0" err="1">
+                <a:latin typeface="Avenir Book" charset="0"/>
+              </a:rPr>
+              <a:t>with</a:t>
+            </a:r>
+            <a:r>
+              <a:rPr lang="ro-RO" sz="3400" dirty="0">
+                <a:latin typeface="Avenir Book" charset="0"/>
+              </a:rPr>
+              <a:t> Max </a:t>
+            </a:r>
+            <a:r>
+              <a:rPr lang="ro-RO" sz="3400" dirty="0" err="1">
+                <a:latin typeface="Avenir Book" charset="0"/>
+              </a:rPr>
+              <a:t>Kuhn</a:t>
+            </a:r>
+            <a:r>
+              <a:rPr lang="ro-RO" sz="3400" dirty="0">
+                <a:latin typeface="Avenir Book" charset="0"/>
+              </a:rPr>
+              <a:t> (2021)</a:t>
+            </a:r>
+          </a:p>
+          <a:p>
+            <a:pPr marL="82296" indent="0">
               <a:lnSpc>
                 <a:spcPct val="130000"/>
               </a:lnSpc>
-            </a:pPr>
-            <a:r>
-              <a:rPr lang="en" dirty="0">
-                <a:latin typeface="Avenir Book" charset="0"/>
-              </a:rPr>
-              <a:t>Resources on `recipes` package</a:t>
-            </a:r>
-          </a:p>
-          <a:p>
-            <a:pPr lvl="1">
-              <a:lnSpc>
-                <a:spcPct val="130000"/>
-              </a:lnSpc>
-            </a:pPr>
-            <a:r>
-              <a:rPr lang="en" dirty="0">
-                <a:latin typeface="Avenir Book" charset="0"/>
-              </a:rPr>
-              <a:t>see vignettes at </a:t>
-            </a:r>
-            <a:r>
-              <a:rPr lang="ro-RO" dirty="0">
+              <a:buNone/>
+            </a:pPr>
+            <a:r>
+              <a:rPr lang="ro-RO" sz="3400" dirty="0">
                 <a:latin typeface="Avenir Book" charset="0"/>
                 <a:hlinkClick r:id="rId3"/>
               </a:rPr>
-              <a:t>https://cran.r-project.org/web/packages/recipes/index.html</a:t>
-            </a:r>
-            <a:endParaRPr lang="ro-RO" dirty="0">
+              <a:t>https://www.youtube.com/watch?v=GdR_S8bYaag&amp;t=376s</a:t>
+            </a:r>
+            <a:endParaRPr lang="ro-RO" sz="3400" dirty="0">
               <a:latin typeface="Avenir Book" charset="0"/>
             </a:endParaRPr>
           </a:p>
           <a:p>
-            <a:pPr lvl="1">
+            <a:pPr>
               <a:lnSpc>
                 <a:spcPct val="130000"/>
               </a:lnSpc>
             </a:pPr>
             <a:r>
-              <a:rPr lang="en" dirty="0">
-                <a:latin typeface="Avenir Book" charset="0"/>
-              </a:rPr>
-              <a:t>Introduction to Recipes (R Package) | </a:t>
-            </a:r>
-            <a:r>
-              <a:rPr lang="en" dirty="0" err="1">
-                <a:latin typeface="Avenir Book" charset="0"/>
-              </a:rPr>
-              <a:t>RStudio</a:t>
-            </a:r>
-            <a:r>
-              <a:rPr lang="en" dirty="0">
-                <a:latin typeface="Avenir Book" charset="0"/>
-              </a:rPr>
-              <a:t> Webinar - 2017</a:t>
-            </a:r>
-          </a:p>
-          <a:p>
-            <a:pPr marL="402336" lvl="1" indent="0">
+              <a:rPr lang="ro-RO" sz="3400" dirty="0" err="1">
+                <a:latin typeface="Avenir Book" charset="0"/>
+              </a:rPr>
+              <a:t>Creating</a:t>
+            </a:r>
+            <a:r>
+              <a:rPr lang="ro-RO" sz="3400" dirty="0">
+                <a:latin typeface="Avenir Book" charset="0"/>
+              </a:rPr>
+              <a:t> ML </a:t>
+            </a:r>
+            <a:r>
+              <a:rPr lang="ro-RO" sz="3400" dirty="0" err="1">
+                <a:latin typeface="Avenir Book" charset="0"/>
+              </a:rPr>
+              <a:t>Classification</a:t>
+            </a:r>
+            <a:r>
+              <a:rPr lang="ro-RO" sz="3400" dirty="0">
+                <a:latin typeface="Avenir Book" charset="0"/>
+              </a:rPr>
+              <a:t> Model </a:t>
+            </a:r>
+            <a:r>
+              <a:rPr lang="ro-RO" sz="3400" dirty="0" err="1">
+                <a:latin typeface="Avenir Book" charset="0"/>
+              </a:rPr>
+              <a:t>with</a:t>
+            </a:r>
+            <a:r>
+              <a:rPr lang="ro-RO" sz="3400" dirty="0">
+                <a:latin typeface="Avenir Book" charset="0"/>
+              </a:rPr>
+              <a:t> </a:t>
+            </a:r>
+            <a:r>
+              <a:rPr lang="ro-RO" sz="3400" dirty="0" err="1">
+                <a:latin typeface="Avenir Book" charset="0"/>
+              </a:rPr>
+              <a:t>TidyModels</a:t>
+            </a:r>
+            <a:r>
+              <a:rPr lang="ro-RO" sz="3400" dirty="0">
+                <a:latin typeface="Avenir Book" charset="0"/>
+              </a:rPr>
+              <a:t> </a:t>
+            </a:r>
+            <a:r>
+              <a:rPr lang="ro-RO" sz="3400" dirty="0" err="1">
+                <a:latin typeface="Avenir Book" charset="0"/>
+              </a:rPr>
+              <a:t>from</a:t>
+            </a:r>
+            <a:r>
+              <a:rPr lang="ro-RO" sz="3400" dirty="0">
+                <a:latin typeface="Avenir Book" charset="0"/>
+              </a:rPr>
+              <a:t> </a:t>
+            </a:r>
+            <a:r>
+              <a:rPr lang="ro-RO" sz="3400" dirty="0" err="1">
+                <a:latin typeface="Avenir Book" charset="0"/>
+              </a:rPr>
+              <a:t>scratch</a:t>
+            </a:r>
+            <a:r>
+              <a:rPr lang="ro-RO" sz="3400" dirty="0">
+                <a:latin typeface="Avenir Book" charset="0"/>
+              </a:rPr>
+              <a:t> - Part </a:t>
+            </a:r>
+            <a:r>
+              <a:rPr lang="ro-RO" sz="3400" dirty="0" err="1">
+                <a:latin typeface="Avenir Book" charset="0"/>
+              </a:rPr>
+              <a:t>One</a:t>
+            </a:r>
+            <a:r>
+              <a:rPr lang="ro-RO" sz="3400" dirty="0">
+                <a:latin typeface="Avenir Book" charset="0"/>
+              </a:rPr>
+              <a:t> (2021)</a:t>
+            </a:r>
+          </a:p>
+          <a:p>
+            <a:pPr marL="82296" indent="0">
               <a:lnSpc>
                 <a:spcPct val="130000"/>
               </a:lnSpc>
               <a:buNone/>
             </a:pPr>
             <a:r>
-              <a:rPr lang="ro-RO" sz="2200" dirty="0">
+              <a:rPr lang="ro-RO" sz="3400" dirty="0">
                 <a:latin typeface="Avenir Book" charset="0"/>
                 <a:hlinkClick r:id="rId4"/>
               </a:rPr>
-              <a:t>https://www.rstudio.com/resources/webinars/creating-and-preprocessing-a-design-matrix-with-recipes/</a:t>
-            </a:r>
-            <a:r>
-              <a:rPr lang="ro-RO" sz="2200" dirty="0">
-                <a:latin typeface="Avenir Book" charset="0"/>
-              </a:rPr>
-              <a:t>   </a:t>
-            </a:r>
-            <a:r>
-              <a:rPr lang="en" sz="2400" dirty="0">
-                <a:latin typeface="Avenir Book" charset="0"/>
-              </a:rPr>
-              <a:t>or</a:t>
-            </a:r>
-            <a:endParaRPr lang="ro-RO" sz="2200" dirty="0">
+              <a:t>https://www.youtube.com/watch?v=PtD5hgHM-DY</a:t>
+            </a:r>
+            <a:endParaRPr lang="ro-RO" sz="3400" dirty="0">
               <a:latin typeface="Avenir Book" charset="0"/>
             </a:endParaRPr>
           </a:p>
           <a:p>
-            <a:pPr marL="402336" lvl="1" indent="0">
+            <a:pPr>
               <a:lnSpc>
                 <a:spcPct val="130000"/>
               </a:lnSpc>
+            </a:pPr>
+            <a:r>
+              <a:rPr lang="ro-RO" sz="3400" dirty="0">
+                <a:latin typeface="Avenir Book" charset="0"/>
+              </a:rPr>
+              <a:t>Model student </a:t>
+            </a:r>
+            <a:r>
+              <a:rPr lang="ro-RO" sz="3400" dirty="0" err="1">
+                <a:latin typeface="Avenir Book" charset="0"/>
+              </a:rPr>
+              <a:t>debt</a:t>
+            </a:r>
+            <a:r>
+              <a:rPr lang="ro-RO" sz="3400" dirty="0">
+                <a:latin typeface="Avenir Book" charset="0"/>
+              </a:rPr>
+              <a:t> </a:t>
+            </a:r>
+            <a:r>
+              <a:rPr lang="ro-RO" sz="3400" dirty="0" err="1">
+                <a:latin typeface="Avenir Book" charset="0"/>
+              </a:rPr>
+              <a:t>inequality</a:t>
+            </a:r>
+            <a:r>
+              <a:rPr lang="ro-RO" sz="3400" dirty="0">
+                <a:latin typeface="Avenir Book" charset="0"/>
+              </a:rPr>
+              <a:t> </a:t>
+            </a:r>
+            <a:r>
+              <a:rPr lang="ro-RO" sz="3400" dirty="0" err="1">
+                <a:latin typeface="Avenir Book" charset="0"/>
+              </a:rPr>
+              <a:t>with</a:t>
+            </a:r>
+            <a:r>
+              <a:rPr lang="ro-RO" sz="3400" dirty="0">
+                <a:latin typeface="Avenir Book" charset="0"/>
+              </a:rPr>
+              <a:t> </a:t>
+            </a:r>
+            <a:r>
+              <a:rPr lang="ro-RO" sz="3400" dirty="0" err="1">
+                <a:latin typeface="Avenir Book" charset="0"/>
+              </a:rPr>
+              <a:t>tidymodels</a:t>
+            </a:r>
+            <a:r>
+              <a:rPr lang="ro-RO" sz="3400" dirty="0">
+                <a:latin typeface="Avenir Book" charset="0"/>
+              </a:rPr>
+              <a:t> (Julia </a:t>
+            </a:r>
+            <a:r>
+              <a:rPr lang="ro-RO" sz="3400" dirty="0" err="1">
+                <a:latin typeface="Avenir Book" charset="0"/>
+              </a:rPr>
+              <a:t>Silge</a:t>
+            </a:r>
+            <a:r>
+              <a:rPr lang="ro-RO" sz="3400" dirty="0">
+                <a:latin typeface="Avenir Book" charset="0"/>
+              </a:rPr>
+              <a:t>, 2021)</a:t>
+            </a:r>
+          </a:p>
+          <a:p>
+            <a:pPr marL="82296" indent="0">
+              <a:lnSpc>
+                <a:spcPct val="130000"/>
+              </a:lnSpc>
               <a:buNone/>
             </a:pPr>
             <a:r>
-              <a:rPr lang="ro-RO" sz="2200" dirty="0">
+              <a:rPr lang="ro-RO" sz="3400" dirty="0">
                 <a:latin typeface="Avenir Book" charset="0"/>
                 <a:hlinkClick r:id="rId5"/>
               </a:rPr>
-              <a:t>https://www.youtube.com/watch?v=v6pS061sUlw</a:t>
-            </a:r>
-            <a:endParaRPr lang="ro-RO" sz="2200" dirty="0">
+              <a:t>https://www.youtube.com/watch?v=4ayOjlRv8bA</a:t>
+            </a:r>
+            <a:endParaRPr lang="ro-RO" sz="3400" dirty="0">
               <a:latin typeface="Avenir Book" charset="0"/>
             </a:endParaRPr>
           </a:p>
           <a:p>
-            <a:pPr lvl="1">
-              <a:lnSpc>
-                <a:spcPct val="130000"/>
-              </a:lnSpc>
-            </a:pPr>
-            <a:r>
-              <a:rPr lang="ro-RO" dirty="0">
-                <a:latin typeface="Avenir Book" charset="0"/>
-              </a:rPr>
-              <a:t>Edwin </a:t>
-            </a:r>
-            <a:r>
-              <a:rPr lang="ro-RO" dirty="0" err="1">
-                <a:latin typeface="Avenir Book" charset="0"/>
-              </a:rPr>
-              <a:t>Thoen</a:t>
-            </a:r>
-            <a:r>
-              <a:rPr lang="ro-RO" dirty="0">
-                <a:latin typeface="Avenir Book" charset="0"/>
-              </a:rPr>
-              <a:t> - A </a:t>
-            </a:r>
-            <a:r>
-              <a:rPr lang="ro-RO" dirty="0" err="1">
-                <a:latin typeface="Avenir Book" charset="0"/>
-              </a:rPr>
-              <a:t>recipe</a:t>
-            </a:r>
-            <a:r>
-              <a:rPr lang="ro-RO" dirty="0">
-                <a:latin typeface="Avenir Book" charset="0"/>
-              </a:rPr>
-              <a:t> for </a:t>
-            </a:r>
-            <a:r>
-              <a:rPr lang="ro-RO" dirty="0" err="1">
-                <a:latin typeface="Avenir Book" charset="0"/>
-              </a:rPr>
-              <a:t>recipes</a:t>
-            </a:r>
-            <a:r>
-              <a:rPr lang="ro-RO" dirty="0">
-                <a:latin typeface="Avenir Book" charset="0"/>
-              </a:rPr>
-              <a:t>: </a:t>
-            </a:r>
-            <a:r>
-              <a:rPr lang="ro-RO" dirty="0">
+            <a:pPr>
+              <a:lnSpc>
+                <a:spcPct val="120000"/>
+              </a:lnSpc>
+            </a:pPr>
+            <a:r>
+              <a:rPr lang="en-US" dirty="0">
+                <a:latin typeface="Avenir Book" charset="0"/>
+              </a:rPr>
+              <a:t>Machine Learning with </a:t>
+            </a:r>
+            <a:r>
+              <a:rPr lang="en-US" dirty="0" err="1">
+                <a:latin typeface="Avenir Book" charset="0"/>
+              </a:rPr>
+              <a:t>Tidymodels</a:t>
+            </a:r>
+            <a:r>
+              <a:rPr lang="en-US" dirty="0">
+                <a:latin typeface="Avenir Book" charset="0"/>
+              </a:rPr>
+              <a:t> (2021)</a:t>
+            </a:r>
+          </a:p>
+          <a:p>
+            <a:pPr marL="82296" indent="0">
+              <a:lnSpc>
+                <a:spcPct val="120000"/>
+              </a:lnSpc>
+              <a:buNone/>
+            </a:pPr>
+            <a:r>
+              <a:rPr lang="en-US" dirty="0">
                 <a:latin typeface="Avenir Book" charset="0"/>
                 <a:hlinkClick r:id="rId6"/>
               </a:rPr>
-              <a:t>https://edwinth.github.io/blog/recipes_blog/</a:t>
-            </a:r>
-            <a:endParaRPr lang="ro-RO" dirty="0">
-              <a:latin typeface="Avenir Book" charset="0"/>
-            </a:endParaRPr>
-          </a:p>
-          <a:p>
-            <a:pPr lvl="1">
-              <a:lnSpc>
-                <a:spcPct val="130000"/>
-              </a:lnSpc>
-            </a:pPr>
-            <a:endParaRPr lang="ro-RO" dirty="0">
-              <a:latin typeface="Avenir Book" charset="0"/>
-            </a:endParaRPr>
-          </a:p>
-          <a:p>
-            <a:pPr>
-              <a:lnSpc>
-                <a:spcPct val="130000"/>
-              </a:lnSpc>
-            </a:pPr>
-            <a:endParaRPr lang="en" dirty="0">
-              <a:latin typeface="Avenir Book" charset="0"/>
-            </a:endParaRPr>
-          </a:p>
-          <a:p>
-            <a:pPr marL="82296" indent="0">
-              <a:lnSpc>
-                <a:spcPct val="120000"/>
-              </a:lnSpc>
-              <a:buNone/>
-            </a:pPr>
+              <a:t>https://www.youtube.com/watch?v=vGTu1PyYb3I&amp;t=1416s</a:t>
+            </a:r>
             <a:endParaRPr lang="en-US" sz="2300" dirty="0">
               <a:latin typeface="Avenir Book" charset="0"/>
               <a:ea typeface="Avenir Book" charset="0"/>
               <a:cs typeface="Avenir Book" charset="0"/>
             </a:endParaRPr>
           </a:p>
-          <a:p>
-            <a:pPr marL="82296" indent="0">
-              <a:lnSpc>
-                <a:spcPct val="120000"/>
-              </a:lnSpc>
-              <a:buNone/>
-            </a:pPr>
-            <a:endParaRPr lang="en-US" sz="2300" dirty="0">
-              <a:latin typeface="Avenir Book" charset="0"/>
-              <a:ea typeface="Avenir Book" charset="0"/>
-              <a:cs typeface="Avenir Book" charset="0"/>
-            </a:endParaRPr>
-          </a:p>
-          <a:p>
-            <a:pPr marL="82296" indent="0">
-              <a:lnSpc>
-                <a:spcPct val="120000"/>
-              </a:lnSpc>
-              <a:buNone/>
-            </a:pPr>
-            <a:endParaRPr lang="en-US" sz="2300" dirty="0">
-              <a:latin typeface="Avenir Book" charset="0"/>
-              <a:ea typeface="Avenir Book" charset="0"/>
-              <a:cs typeface="Avenir Book" charset="0"/>
-            </a:endParaRPr>
-          </a:p>
-          <a:p>
-            <a:pPr marL="82296" indent="0">
-              <a:lnSpc>
-                <a:spcPct val="120000"/>
-              </a:lnSpc>
-              <a:buNone/>
-            </a:pPr>
-            <a:endParaRPr lang="en-US" dirty="0">
-              <a:latin typeface="Avenir Medium"/>
-              <a:cs typeface="Avenir Medium"/>
-            </a:endParaRPr>
-          </a:p>
         </p:txBody>
       </p:sp>
     </p:spTree>
     <p:extLst>
       <p:ext uri="{BB962C8B-B14F-4D97-AF65-F5344CB8AC3E}">
-        <p14:creationId xmlns:p14="http://schemas.microsoft.com/office/powerpoint/2010/main" val="3235619147"/>
+        <p14:creationId xmlns:p14="http://schemas.microsoft.com/office/powerpoint/2010/main" val="45923263"/>
       </p:ext>
     </p:extLst>
   </p:cSld>
@@ -10729,7 +11230,7 @@
               <a:rPr lang="en-US" sz="2000" dirty="0">
                 <a:latin typeface="Avenir Medium"/>
               </a:rPr>
-              <a:t>, Springer, 2013-2017, freely available at:</a:t>
+              <a:t>, Springer, 2013-2021, freely available at:</a:t>
             </a:r>
           </a:p>
           <a:p>
@@ -10741,7 +11242,7 @@
                 <a:latin typeface="Avenir Medium"/>
                 <a:hlinkClick r:id="rId2"/>
               </a:rPr>
-              <a:t>http://www-bcf.usc.edu/~gareth/ISL/index.html</a:t>
+              <a:t>https://hastie.su.domains/ISLR2/ISLRv2_website.pdf</a:t>
             </a:r>
             <a:r>
               <a:rPr lang="en-US" sz="1500" dirty="0">
@@ -11065,478 +11566,6 @@
     <p:extLst>
       <p:ext uri="{BB962C8B-B14F-4D97-AF65-F5344CB8AC3E}">
         <p14:creationId xmlns:p14="http://schemas.microsoft.com/office/powerpoint/2010/main" val="1291082945"/>
-      </p:ext>
-    </p:extLst>
-  </p:cSld>
-  <p:clrMapOvr>
-    <a:masterClrMapping/>
-  </p:clrMapOvr>
-  <p:transition>
-    <p:random/>
-  </p:transition>
-</p:sld>
-</file>
-
-<file path=ppt/slides/slide20.xml><?xml version="1.0" encoding="utf-8"?>
-<p:sld xmlns:a="http://schemas.openxmlformats.org/drawingml/2006/main" xmlns:r="http://schemas.openxmlformats.org/officeDocument/2006/relationships" xmlns:p="http://schemas.openxmlformats.org/presentationml/2006/main">
-  <p:cSld>
-    <p:spTree>
-      <p:nvGrpSpPr>
-        <p:cNvPr id="1" name=""/>
-        <p:cNvGrpSpPr/>
-        <p:nvPr/>
-      </p:nvGrpSpPr>
-      <p:grpSpPr>
-        <a:xfrm>
-          <a:off x="0" y="0"/>
-          <a:ext cx="0" cy="0"/>
-          <a:chOff x="0" y="0"/>
-          <a:chExt cx="0" cy="0"/>
-        </a:xfrm>
-      </p:grpSpPr>
-      <p:sp>
-        <p:nvSpPr>
-          <p:cNvPr id="2" name="Title 1"/>
-          <p:cNvSpPr>
-            <a:spLocks noGrp="1"/>
-          </p:cNvSpPr>
-          <p:nvPr>
-            <p:ph type="title"/>
-          </p:nvPr>
-        </p:nvSpPr>
-        <p:spPr>
-          <a:xfrm>
-            <a:off x="0" y="76200"/>
-            <a:ext cx="9144000" cy="1143000"/>
-          </a:xfrm>
-        </p:spPr>
-        <p:txBody>
-          <a:bodyPr anchor="ctr">
-            <a:normAutofit fontScale="90000"/>
-          </a:bodyPr>
-          <a:lstStyle/>
-          <a:p>
-            <a:pPr algn="ctr"/>
-            <a:r>
-              <a:rPr lang="en-US" sz="3600" b="1" dirty="0">
-                <a:latin typeface="Arial Unicode MS" panose="020B0604020202020204" pitchFamily="34" charset="-128"/>
-                <a:ea typeface="Arial Unicode MS" panose="020B0604020202020204" pitchFamily="34" charset="-128"/>
-                <a:cs typeface="Arial Unicode MS" panose="020B0604020202020204" pitchFamily="34" charset="-128"/>
-              </a:rPr>
-              <a:t>Resources on `</a:t>
-            </a:r>
-            <a:r>
-              <a:rPr lang="en-US" sz="3600" b="1" dirty="0" err="1">
-                <a:latin typeface="Arial Unicode MS" panose="020B0604020202020204" pitchFamily="34" charset="-128"/>
-                <a:ea typeface="Arial Unicode MS" panose="020B0604020202020204" pitchFamily="34" charset="-128"/>
-                <a:cs typeface="Arial Unicode MS" panose="020B0604020202020204" pitchFamily="34" charset="-128"/>
-              </a:rPr>
-              <a:t>tidymodels</a:t>
-            </a:r>
-            <a:r>
-              <a:rPr lang="en-US" sz="3600" b="1" dirty="0">
-                <a:latin typeface="Arial Unicode MS" panose="020B0604020202020204" pitchFamily="34" charset="-128"/>
-                <a:ea typeface="Arial Unicode MS" panose="020B0604020202020204" pitchFamily="34" charset="-128"/>
-                <a:cs typeface="Arial Unicode MS" panose="020B0604020202020204" pitchFamily="34" charset="-128"/>
-              </a:rPr>
-              <a:t>` modeling (all steps)</a:t>
-            </a:r>
-          </a:p>
-        </p:txBody>
-      </p:sp>
-      <p:sp>
-        <p:nvSpPr>
-          <p:cNvPr id="7" name="Text Placeholder 2"/>
-          <p:cNvSpPr txBox="1">
-            <a:spLocks/>
-          </p:cNvSpPr>
-          <p:nvPr/>
-        </p:nvSpPr>
-        <p:spPr>
-          <a:xfrm>
-            <a:off x="685800" y="1219200"/>
-            <a:ext cx="8458200" cy="5638800"/>
-          </a:xfrm>
-          <a:prstGeom prst="rect">
-            <a:avLst/>
-          </a:prstGeom>
-        </p:spPr>
-        <p:txBody>
-          <a:bodyPr>
-            <a:normAutofit/>
-          </a:bodyPr>
-          <a:lstStyle>
-            <a:lvl1pPr marL="365760" indent="-283464" algn="l" eaLnBrk="1" latinLnBrk="0" hangingPunct="1">
-              <a:lnSpc>
-                <a:spcPct val="100000"/>
-              </a:lnSpc>
-              <a:spcBef>
-                <a:spcPts val="600"/>
-              </a:spcBef>
-              <a:buClr>
-                <a:schemeClr val="accent1"/>
-              </a:buClr>
-              <a:buSzPct val="80000"/>
-              <a:buFont typeface="Wingdings 2"/>
-              <a:buChar char=""/>
-              <a:defRPr kumimoji="0" sz="3000">
-                <a:latin typeface="+mn-lt"/>
-              </a:defRPr>
-            </a:lvl1pPr>
-            <a:lvl2pPr marL="640080" lvl="1" indent="-237744" algn="l" eaLnBrk="1" latinLnBrk="0" hangingPunct="1">
-              <a:lnSpc>
-                <a:spcPct val="100000"/>
-              </a:lnSpc>
-              <a:spcBef>
-                <a:spcPts val="550"/>
-              </a:spcBef>
-              <a:buClr>
-                <a:schemeClr val="accent1"/>
-              </a:buClr>
-              <a:buFont typeface="Verdana"/>
-              <a:buChar char="◦"/>
-              <a:defRPr kumimoji="0" sz="2600">
-                <a:latin typeface="+mn-lt"/>
-              </a:defRPr>
-            </a:lvl2pPr>
-            <a:lvl3pPr marL="886968" indent="-228600" algn="l" eaLnBrk="1" latinLnBrk="0" hangingPunct="1">
-              <a:lnSpc>
-                <a:spcPct val="100000"/>
-              </a:lnSpc>
-              <a:buClr>
-                <a:schemeClr val="accent2"/>
-              </a:buClr>
-              <a:buFont typeface="Wingdings 2"/>
-              <a:buChar char=""/>
-              <a:defRPr kumimoji="0" sz="2400">
-                <a:latin typeface="+mn-lt"/>
-              </a:defRPr>
-            </a:lvl3pPr>
-            <a:lvl4pPr marL="1097280" indent="-173736" algn="l" eaLnBrk="1" latinLnBrk="0" hangingPunct="1">
-              <a:lnSpc>
-                <a:spcPct val="100000"/>
-              </a:lnSpc>
-              <a:buClr>
-                <a:schemeClr val="accent3"/>
-              </a:buClr>
-              <a:buFont typeface="Wingdings 2"/>
-              <a:buChar char=""/>
-              <a:defRPr kumimoji="0" sz="2000">
-                <a:latin typeface="+mn-lt"/>
-              </a:defRPr>
-            </a:lvl4pPr>
-            <a:lvl5pPr marL="1298448" indent="-182880" algn="l" eaLnBrk="1" latinLnBrk="0" hangingPunct="1">
-              <a:lnSpc>
-                <a:spcPct val="100000"/>
-              </a:lnSpc>
-              <a:buClr>
-                <a:schemeClr val="accent4"/>
-              </a:buClr>
-              <a:buFont typeface="Wingdings 2"/>
-              <a:buChar char=""/>
-              <a:defRPr kumimoji="0" sz="2000">
-                <a:latin typeface="+mn-lt"/>
-              </a:defRPr>
-            </a:lvl5pPr>
-            <a:lvl6pPr marL="1508760" indent="-182880">
-              <a:lnSpc>
-                <a:spcPct val="100000"/>
-              </a:lnSpc>
-              <a:spcBef>
-                <a:spcPct val="20000"/>
-              </a:spcBef>
-              <a:buClr>
-                <a:schemeClr val="accent5"/>
-              </a:buClr>
-              <a:buFont typeface="Wingdings 2"/>
-              <a:buChar char=""/>
-              <a:defRPr kumimoji="0" sz="2000">
-                <a:latin typeface="+mn-lt"/>
-              </a:defRPr>
-            </a:lvl6pPr>
-            <a:lvl7pPr marL="1719072" indent="-182880">
-              <a:lnSpc>
-                <a:spcPct val="100000"/>
-              </a:lnSpc>
-              <a:spcBef>
-                <a:spcPct val="20000"/>
-              </a:spcBef>
-              <a:buClr>
-                <a:schemeClr val="accent6"/>
-              </a:buClr>
-              <a:buFont typeface="Wingdings 2"/>
-              <a:buChar char=""/>
-              <a:defRPr kumimoji="0" sz="2000">
-                <a:latin typeface="+mn-lt"/>
-              </a:defRPr>
-            </a:lvl7pPr>
-            <a:lvl8pPr marL="1920240" indent="-182880">
-              <a:lnSpc>
-                <a:spcPct val="100000"/>
-              </a:lnSpc>
-              <a:spcBef>
-                <a:spcPct val="20000"/>
-              </a:spcBef>
-              <a:buClr>
-                <a:schemeClr val="accent6"/>
-              </a:buClr>
-              <a:buFont typeface="Wingdings 2"/>
-              <a:buChar char=""/>
-              <a:defRPr kumimoji="0" sz="2000">
-                <a:latin typeface="+mn-lt"/>
-              </a:defRPr>
-            </a:lvl8pPr>
-            <a:lvl9pPr marL="2130552" indent="-182880">
-              <a:lnSpc>
-                <a:spcPct val="100000"/>
-              </a:lnSpc>
-              <a:spcBef>
-                <a:spcPct val="20000"/>
-              </a:spcBef>
-              <a:buClr>
-                <a:schemeClr val="accent6"/>
-              </a:buClr>
-              <a:buFont typeface="Wingdings 2"/>
-              <a:buChar char=""/>
-              <a:defRPr kumimoji="0" sz="2000">
-                <a:latin typeface="+mn-lt"/>
-              </a:defRPr>
-            </a:lvl9pPr>
-            <a:extLst/>
-          </a:lstStyle>
-          <a:p>
-            <a:pPr>
-              <a:lnSpc>
-                <a:spcPct val="130000"/>
-              </a:lnSpc>
-            </a:pPr>
-            <a:r>
-              <a:rPr lang="ro-RO" dirty="0" err="1">
-                <a:latin typeface="Avenir Book" charset="0"/>
-              </a:rPr>
-              <a:t>Modeling</a:t>
-            </a:r>
-            <a:r>
-              <a:rPr lang="ro-RO" dirty="0">
-                <a:latin typeface="Avenir Book" charset="0"/>
-              </a:rPr>
-              <a:t> in </a:t>
-            </a:r>
-            <a:r>
-              <a:rPr lang="ro-RO" dirty="0" err="1">
-                <a:latin typeface="Avenir Book" charset="0"/>
-              </a:rPr>
-              <a:t>the</a:t>
-            </a:r>
-            <a:r>
-              <a:rPr lang="ro-RO" dirty="0">
-                <a:latin typeface="Avenir Book" charset="0"/>
-              </a:rPr>
-              <a:t> </a:t>
-            </a:r>
-            <a:r>
-              <a:rPr lang="ro-RO" dirty="0" err="1">
-                <a:latin typeface="Avenir Book" charset="0"/>
-              </a:rPr>
-              <a:t>Tidyverse</a:t>
-            </a:r>
-            <a:r>
-              <a:rPr lang="ro-RO" dirty="0">
-                <a:latin typeface="Avenir Book" charset="0"/>
-              </a:rPr>
-              <a:t> (Max </a:t>
-            </a:r>
-            <a:r>
-              <a:rPr lang="ro-RO" dirty="0" err="1">
-                <a:latin typeface="Avenir Book" charset="0"/>
-              </a:rPr>
-              <a:t>Kuhn</a:t>
-            </a:r>
-            <a:r>
-              <a:rPr lang="ro-RO" dirty="0">
-                <a:latin typeface="Avenir Book" charset="0"/>
-              </a:rPr>
-              <a:t>)</a:t>
-            </a:r>
-            <a:endParaRPr lang="en" dirty="0">
-              <a:latin typeface="Avenir Book" charset="0"/>
-            </a:endParaRPr>
-          </a:p>
-          <a:p>
-            <a:pPr marL="82296" indent="0">
-              <a:lnSpc>
-                <a:spcPct val="120000"/>
-              </a:lnSpc>
-              <a:buNone/>
-            </a:pPr>
-            <a:r>
-              <a:rPr lang="en-US" sz="2300" dirty="0">
-                <a:latin typeface="Avenir Book" charset="0"/>
-                <a:hlinkClick r:id="rId2">
-                  <a:extLst>
-                    <a:ext uri="{A12FA001-AC4F-418D-AE19-62706E023703}">
-                      <ahyp:hlinkClr xmlns:ahyp="http://schemas.microsoft.com/office/drawing/2018/hyperlinkcolor" val="tx"/>
-                    </a:ext>
-                  </a:extLst>
-                </a:hlinkClick>
-              </a:rPr>
-              <a:t>https://www.rstudio.com/resources/videos/modeling-in-the-tidyverse</a:t>
-            </a:r>
-            <a:r>
-              <a:rPr lang="en-US" sz="2300">
-                <a:latin typeface="Avenir Book" charset="0"/>
-                <a:hlinkClick r:id="rId2">
-                  <a:extLst>
-                    <a:ext uri="{A12FA001-AC4F-418D-AE19-62706E023703}">
-                      <ahyp:hlinkClr xmlns:ahyp="http://schemas.microsoft.com/office/drawing/2018/hyperlinkcolor" val="tx"/>
-                    </a:ext>
-                  </a:extLst>
-                </a:hlinkClick>
-              </a:rPr>
-              <a:t>/</a:t>
-            </a:r>
-            <a:endParaRPr lang="en" dirty="0">
-              <a:latin typeface="Avenir Book" charset="0"/>
-            </a:endParaRPr>
-          </a:p>
-          <a:p>
-            <a:pPr>
-              <a:lnSpc>
-                <a:spcPct val="130000"/>
-              </a:lnSpc>
-            </a:pPr>
-            <a:r>
-              <a:rPr lang="en" dirty="0">
-                <a:latin typeface="Avenir Book" charset="0"/>
-              </a:rPr>
-              <a:t>A tutorial on tidy cross-validation with R</a:t>
-            </a:r>
-            <a:endParaRPr lang="en-US" sz="2300" dirty="0">
-              <a:latin typeface="Avenir Book" charset="0"/>
-              <a:ea typeface="Avenir Book" charset="0"/>
-              <a:cs typeface="Avenir Book" charset="0"/>
-            </a:endParaRPr>
-          </a:p>
-          <a:p>
-            <a:pPr marL="82296" indent="0">
-              <a:lnSpc>
-                <a:spcPct val="120000"/>
-              </a:lnSpc>
-              <a:buNone/>
-            </a:pPr>
-            <a:r>
-              <a:rPr lang="en-US" sz="2300" dirty="0">
-                <a:latin typeface="Avenir Book" charset="0"/>
-                <a:ea typeface="Avenir Book" charset="0"/>
-                <a:cs typeface="Avenir Book" charset="0"/>
-                <a:hlinkClick r:id="rId3"/>
-              </a:rPr>
-              <a:t>https://www.brodrigues.co/blog/2018-11-25-tidy_cv/</a:t>
-            </a:r>
-            <a:endParaRPr lang="en-US" sz="2300" dirty="0">
-              <a:latin typeface="Avenir Book" charset="0"/>
-              <a:ea typeface="Avenir Book" charset="0"/>
-              <a:cs typeface="Avenir Book" charset="0"/>
-            </a:endParaRPr>
-          </a:p>
-          <a:p>
-            <a:pPr>
-              <a:lnSpc>
-                <a:spcPct val="120000"/>
-              </a:lnSpc>
-            </a:pPr>
-            <a:r>
-              <a:rPr lang="en-US" dirty="0" err="1">
-                <a:latin typeface="Avenir Book" charset="0"/>
-              </a:rPr>
-              <a:t>Tidymodeling</a:t>
-            </a:r>
-            <a:r>
-              <a:rPr lang="en-US" dirty="0">
-                <a:latin typeface="Avenir Book" charset="0"/>
-              </a:rPr>
-              <a:t> Titanic Tragedy</a:t>
-            </a:r>
-          </a:p>
-          <a:p>
-            <a:pPr marL="82296" indent="0">
-              <a:lnSpc>
-                <a:spcPct val="120000"/>
-              </a:lnSpc>
-              <a:buNone/>
-            </a:pPr>
-            <a:r>
-              <a:rPr lang="en-US" sz="2300" dirty="0">
-                <a:latin typeface="Avenir Book" charset="0"/>
-                <a:ea typeface="Avenir Book" charset="0"/>
-                <a:cs typeface="Avenir Book" charset="0"/>
-                <a:hlinkClick r:id="rId4"/>
-              </a:rPr>
-              <a:t>https://cdn.rawgit.com/ClaytonJY/tidymodels-talk/145e6574/slides.html#1</a:t>
-            </a:r>
-            <a:endParaRPr lang="en-US" sz="2300" dirty="0">
-              <a:latin typeface="Avenir Book" charset="0"/>
-              <a:ea typeface="Avenir Book" charset="0"/>
-              <a:cs typeface="Avenir Book" charset="0"/>
-            </a:endParaRPr>
-          </a:p>
-          <a:p>
-            <a:pPr marL="82296" indent="0">
-              <a:lnSpc>
-                <a:spcPct val="120000"/>
-              </a:lnSpc>
-              <a:buNone/>
-            </a:pPr>
-            <a:endParaRPr lang="en-US" sz="2300" dirty="0">
-              <a:latin typeface="Avenir Book" charset="0"/>
-              <a:ea typeface="Avenir Book" charset="0"/>
-              <a:cs typeface="Avenir Book" charset="0"/>
-            </a:endParaRPr>
-          </a:p>
-          <a:p>
-            <a:pPr marL="82296" indent="0">
-              <a:lnSpc>
-                <a:spcPct val="120000"/>
-              </a:lnSpc>
-              <a:buNone/>
-            </a:pPr>
-            <a:endParaRPr lang="en-US" sz="2300" dirty="0">
-              <a:latin typeface="Avenir Book" charset="0"/>
-              <a:ea typeface="Avenir Book" charset="0"/>
-              <a:cs typeface="Avenir Book" charset="0"/>
-            </a:endParaRPr>
-          </a:p>
-          <a:p>
-            <a:pPr marL="82296" indent="0">
-              <a:lnSpc>
-                <a:spcPct val="120000"/>
-              </a:lnSpc>
-              <a:buNone/>
-            </a:pPr>
-            <a:endParaRPr lang="en-US" sz="2300" dirty="0">
-              <a:latin typeface="Avenir Book" charset="0"/>
-              <a:ea typeface="Avenir Book" charset="0"/>
-              <a:cs typeface="Avenir Book" charset="0"/>
-            </a:endParaRPr>
-          </a:p>
-          <a:p>
-            <a:pPr marL="82296" indent="0">
-              <a:lnSpc>
-                <a:spcPct val="120000"/>
-              </a:lnSpc>
-              <a:buNone/>
-            </a:pPr>
-            <a:endParaRPr lang="en-US" dirty="0">
-              <a:latin typeface="Avenir Medium"/>
-              <a:cs typeface="Avenir Medium"/>
-            </a:endParaRPr>
-          </a:p>
-        </p:txBody>
-      </p:sp>
-    </p:spTree>
-    <p:extLst>
-      <p:ext uri="{BB962C8B-B14F-4D97-AF65-F5344CB8AC3E}">
-        <p14:creationId xmlns:p14="http://schemas.microsoft.com/office/powerpoint/2010/main" val="3793287598"/>
       </p:ext>
     </p:extLst>
   </p:cSld>
@@ -12212,8 +12241,8 @@
         </p:nvSpPr>
         <p:spPr>
           <a:xfrm>
-            <a:off x="451406" y="1066800"/>
-            <a:ext cx="8686800" cy="5638800"/>
+            <a:off x="451406" y="1905000"/>
+            <a:ext cx="8686800" cy="4800600"/>
           </a:xfrm>
           <a:prstGeom prst="rect">
             <a:avLst/>
@@ -12365,22 +12394,10 @@
           <a:p>
             <a:pPr lvl="1"/>
             <a:r>
-              <a:rPr lang="en" sz="2000" dirty="0">
+              <a:rPr lang="en-US" sz="2400" dirty="0">
                 <a:latin typeface="Avenir Medium"/>
               </a:rPr>
-              <a:t>Statistical Learning for Data Science (Ankit </a:t>
-            </a:r>
-            <a:r>
-              <a:rPr lang="en" sz="2000" dirty="0" err="1">
-                <a:latin typeface="Avenir Medium"/>
-              </a:rPr>
-              <a:t>Rathi</a:t>
-            </a:r>
-            <a:r>
-              <a:rPr lang="en" sz="2000" dirty="0">
-                <a:latin typeface="Avenir Medium"/>
-              </a:rPr>
-              <a:t>)</a:t>
+              <a:t>A Friendly Introduction to Machine Learning (2016)</a:t>
             </a:r>
           </a:p>
           <a:p>
@@ -12388,11 +12405,11 @@
               <a:buNone/>
             </a:pPr>
             <a:r>
-              <a:rPr lang="ro-RO" sz="2000" dirty="0">
+              <a:rPr lang="en-US" sz="2000" dirty="0">
                 <a:latin typeface="Avenir Medium"/>
                 <a:hlinkClick r:id="rId2"/>
               </a:rPr>
-              <a:t>https://towardsdatascience.com/statistical-learning-for-data-science-b61b263c1196</a:t>
+              <a:t>https://www.youtube.com/watch?v=IpGxLWOIZy4</a:t>
             </a:r>
             <a:endParaRPr lang="en-US" sz="2000" dirty="0">
               <a:latin typeface="Avenir Medium"/>
@@ -12400,140 +12417,82 @@
           </a:p>
           <a:p>
             <a:pPr lvl="1"/>
-            <a:r>
-              <a:rPr lang="en-US" sz="2000" dirty="0">
+            <a:endParaRPr lang="en-US" sz="2000" dirty="0">
+              <a:latin typeface="Avenir Medium"/>
+            </a:endParaRPr>
+          </a:p>
+          <a:p>
+            <a:pPr lvl="1"/>
+            <a:endParaRPr lang="en-US" sz="2000" dirty="0">
+              <a:latin typeface="Avenir Medium"/>
+            </a:endParaRPr>
+          </a:p>
+          <a:p>
+            <a:pPr lvl="1"/>
+            <a:r>
+              <a:rPr lang="en-US" sz="2400" dirty="0" err="1">
                 <a:latin typeface="Avenir Medium"/>
               </a:rPr>
-              <a:t>A Friendly Introduction to Machine Learning</a:t>
-            </a:r>
-          </a:p>
-          <a:p>
-            <a:pPr marL="402336" lvl="1" indent="0">
-              <a:buNone/>
-            </a:pPr>
+              <a:t>StatsLearning</a:t>
+            </a:r>
+            <a:r>
+              <a:rPr lang="en-US" sz="2400" dirty="0">
+                <a:latin typeface="Avenir Medium"/>
+              </a:rPr>
+              <a:t> Lecture 1 - part1 &amp; part 2 (Hastie and </a:t>
+            </a:r>
+            <a:r>
+              <a:rPr lang="en-US" sz="2400" dirty="0" err="1">
+                <a:latin typeface="Avenir Medium"/>
+              </a:rPr>
+              <a:t>Tibshirani</a:t>
+            </a:r>
+            <a:r>
+              <a:rPr lang="en-US" sz="2400" dirty="0">
+                <a:latin typeface="Avenir Medium"/>
+              </a:rPr>
+              <a:t>)</a:t>
+            </a:r>
+          </a:p>
+          <a:p>
+            <a:pPr lvl="2"/>
             <a:r>
               <a:rPr lang="en-US" sz="2000" dirty="0">
                 <a:latin typeface="Avenir Medium"/>
                 <a:hlinkClick r:id="rId3"/>
               </a:rPr>
-              <a:t>https://www.youtube.com/watch?v=IpGxLWOIZy4</a:t>
+              <a:t>https://www.youtube.com/watch?v=5N9V07EIfIg&amp;list=PL5-da3qGB5ICcUhueCyu25slvsGp8IDTa&amp;index=1</a:t>
             </a:r>
             <a:endParaRPr lang="en-US" sz="2000" dirty="0">
               <a:latin typeface="Avenir Medium"/>
             </a:endParaRPr>
           </a:p>
           <a:p>
-            <a:pPr lvl="1"/>
-            <a:r>
-              <a:rPr lang="en-US" sz="2000" dirty="0">
-                <a:latin typeface="Avenir Medium"/>
-              </a:rPr>
-              <a:t>Introduction to Data Analysis using Machine Learning</a:t>
-            </a:r>
-          </a:p>
-          <a:p>
-            <a:pPr marL="402336" lvl="1" indent="0">
-              <a:buNone/>
-            </a:pPr>
+            <a:pPr lvl="2"/>
             <a:r>
               <a:rPr lang="en-US" sz="2000" dirty="0">
                 <a:latin typeface="Avenir Medium"/>
                 <a:hlinkClick r:id="rId4"/>
               </a:rPr>
-              <a:t>https://www.youtube.com/watch?v=U4IYsLgNgoY</a:t>
+              <a:t>https://www.youtube.com/watch?v=Z0v9QMkA3dA&amp;list=PL5-da3qGB5ICcUhueCyu25slvsGp8IDTa&amp;index=2</a:t>
             </a:r>
             <a:endParaRPr lang="en-US" sz="2000" dirty="0">
               <a:latin typeface="Avenir Medium"/>
             </a:endParaRPr>
           </a:p>
           <a:p>
-            <a:pPr lvl="1"/>
-            <a:r>
-              <a:rPr lang="en-US" sz="2000" dirty="0">
-                <a:latin typeface="Avenir Medium"/>
-              </a:rPr>
-              <a:t>Architecting Predictive Algorithms for Machine Learning</a:t>
-            </a:r>
-          </a:p>
-          <a:p>
-            <a:pPr marL="402336" lvl="1" indent="0">
-              <a:buNone/>
-            </a:pPr>
-            <a:r>
-              <a:rPr lang="en-US" sz="2000" dirty="0">
-                <a:latin typeface="Avenir Medium"/>
-                <a:hlinkClick r:id="rId5"/>
-              </a:rPr>
-              <a:t>https://www.youtube.com/watch?v=KoQdAdxjnoU&amp;t=3521s</a:t>
-            </a:r>
+            <a:pPr lvl="2"/>
             <a:endParaRPr lang="en-US" sz="2000" dirty="0">
               <a:latin typeface="Avenir Medium"/>
             </a:endParaRPr>
           </a:p>
           <a:p>
-            <a:pPr lvl="1"/>
-            <a:r>
-              <a:rPr lang="en-US" sz="2000" dirty="0">
-                <a:latin typeface="Avenir Medium"/>
-              </a:rPr>
-              <a:t>Introduction to Statistical Learning (Hastie and </a:t>
-            </a:r>
-            <a:r>
-              <a:rPr lang="en-US" sz="2000" dirty="0" err="1">
-                <a:latin typeface="Avenir Medium"/>
-              </a:rPr>
-              <a:t>Tibshirani</a:t>
-            </a:r>
-            <a:r>
-              <a:rPr lang="en-US" sz="2000" dirty="0">
-                <a:latin typeface="Avenir Medium"/>
-              </a:rPr>
-              <a:t>)</a:t>
-            </a:r>
-          </a:p>
-          <a:p>
             <a:pPr marL="402336" lvl="1" indent="0">
               <a:buNone/>
             </a:pPr>
-            <a:r>
-              <a:rPr lang="en-US" sz="2000" dirty="0">
-                <a:latin typeface="Avenir Medium"/>
-                <a:hlinkClick r:id="rId6"/>
-              </a:rPr>
-              <a:t>https://www.youtube.com/watch?v=2wLfFB_6SKI&amp;list=PL5-da3qGB5ICcUhueCyu25slvsGp8IDTa</a:t>
-            </a:r>
             <a:endParaRPr lang="en-US" sz="2000" dirty="0">
               <a:latin typeface="Avenir Medium"/>
-            </a:endParaRPr>
-          </a:p>
-          <a:p>
-            <a:pPr marL="402336" lvl="1" indent="0">
-              <a:buNone/>
-            </a:pPr>
-            <a:r>
-              <a:rPr lang="en-US" sz="2000" dirty="0">
-                <a:latin typeface="Avenir Medium"/>
-                <a:hlinkClick r:id="rId7"/>
-              </a:rPr>
-              <a:t>https://lagunita.stanford.edu/c4x/HumanitiesScience/StatLearning/asset/introduction.pdf</a:t>
-            </a:r>
-            <a:endParaRPr lang="en-US" sz="2000" dirty="0">
-              <a:latin typeface="Avenir Medium"/>
-            </a:endParaRPr>
-          </a:p>
-          <a:p>
-            <a:pPr marL="402336" lvl="1" indent="0">
-              <a:buNone/>
-            </a:pPr>
-            <a:r>
-              <a:rPr lang="en-US" sz="2000" dirty="0">
-                <a:latin typeface="Avenir Medium"/>
-                <a:hlinkClick r:id="rId8"/>
-              </a:rPr>
-              <a:t>https://www.youtube.com/watch?v=LvaTokhYnDw&amp;list=PL5-da3qGB5ICcUhueCyu25slvsGp8IDTa</a:t>
-            </a:r>
-            <a:endParaRPr lang="en-US" sz="2000" dirty="0">
-              <a:latin typeface="Avenir Medium"/>
+              <a:hlinkClick r:id="rId5"/>
             </a:endParaRPr>
           </a:p>
           <a:p>
@@ -12717,7 +12676,7 @@
                 <a:ea typeface="Arial Unicode MS" panose="020B0604020202020204" pitchFamily="34" charset="-128"/>
                 <a:cs typeface="Arial Unicode MS" panose="020B0604020202020204" pitchFamily="34" charset="-128"/>
               </a:rPr>
-              <a:t>(More) Advanced Video/Web Courses</a:t>
+              <a:t>A (More) Advanced Video/Web Course</a:t>
             </a:r>
           </a:p>
         </p:txBody>
@@ -12732,8 +12691,8 @@
         </p:nvSpPr>
         <p:spPr>
           <a:xfrm>
-            <a:off x="603806" y="1219200"/>
-            <a:ext cx="8534400" cy="5638800"/>
+            <a:off x="603806" y="2133600"/>
+            <a:ext cx="8534400" cy="4724400"/>
           </a:xfrm>
           <a:prstGeom prst="rect">
             <a:avLst/>
@@ -12908,7 +12867,7 @@
               <a:buNone/>
             </a:pPr>
             <a:r>
-              <a:rPr lang="en-US" sz="2000">
+              <a:rPr lang="en-US" sz="2000" dirty="0">
                 <a:latin typeface="Avenir Medium"/>
                 <a:hlinkClick r:id="rId2"/>
               </a:rPr>
@@ -12989,88 +12948,31 @@
             </a:endParaRPr>
           </a:p>
           <a:p>
-            <a:pPr lvl="1"/>
-            <a:r>
-              <a:rPr lang="en-US" sz="2000" dirty="0">
-                <a:latin typeface="Avenir Medium"/>
-              </a:rPr>
-              <a:t>Abbass Al Sharif - DSO 530: Applied Modern Statistical Learning Techniques</a:t>
-            </a:r>
-          </a:p>
-          <a:p>
             <a:pPr marL="402336" lvl="1" indent="0">
               <a:buNone/>
             </a:pPr>
-            <a:r>
-              <a:rPr lang="en-US" sz="2000">
-                <a:latin typeface="Avenir Medium"/>
-                <a:hlinkClick r:id="rId3"/>
-              </a:rPr>
-              <a:t>https://www.alsharif.info/iom530</a:t>
-            </a:r>
             <a:endParaRPr lang="en-US" sz="1500" dirty="0">
               <a:latin typeface="Avenir Medium"/>
             </a:endParaRPr>
           </a:p>
           <a:p>
-            <a:pPr lvl="1">
-              <a:buFontTx/>
-              <a:buChar char="-"/>
-            </a:pPr>
-            <a:r>
-              <a:rPr lang="en-US" sz="1500" dirty="0">
-                <a:latin typeface="Avenir Medium"/>
-              </a:rPr>
-              <a:t>PDF documentation, PPT slides</a:t>
-            </a:r>
-          </a:p>
-          <a:p>
-            <a:pPr lvl="1">
-              <a:buFontTx/>
-              <a:buChar char="-"/>
-            </a:pPr>
-            <a:r>
-              <a:rPr lang="en-US" sz="1500" dirty="0">
-                <a:latin typeface="Avenir Medium"/>
-              </a:rPr>
-              <a:t>R code</a:t>
-            </a:r>
-          </a:p>
-          <a:p>
-            <a:pPr lvl="1">
-              <a:buFontTx/>
-              <a:buChar char="-"/>
-            </a:pPr>
-            <a:r>
-              <a:rPr lang="en-US" sz="1500" dirty="0">
-                <a:latin typeface="Avenir Medium"/>
-              </a:rPr>
-              <a:t>Projects</a:t>
-            </a:r>
-          </a:p>
-          <a:p>
-            <a:pPr lvl="1">
-              <a:buFontTx/>
-              <a:buChar char="-"/>
-            </a:pPr>
-            <a:r>
-              <a:rPr lang="en-US" sz="1500" dirty="0">
-                <a:latin typeface="Avenir Medium"/>
-              </a:rPr>
-              <a:t>Some video-lessons</a:t>
-            </a:r>
-          </a:p>
-          <a:p>
-            <a:pPr lvl="1">
-              <a:buFontTx/>
-              <a:buChar char="-"/>
+            <a:endParaRPr lang="en-US" sz="2800" dirty="0">
+              <a:latin typeface="Avenir Medium"/>
+            </a:endParaRPr>
+          </a:p>
+          <a:p>
+            <a:pPr marL="402336" lvl="1" indent="0">
+              <a:buNone/>
             </a:pPr>
             <a:endParaRPr lang="en-US" sz="1500" dirty="0">
               <a:latin typeface="Avenir Medium"/>
             </a:endParaRPr>
           </a:p>
           <a:p>
-            <a:endParaRPr lang="en-US" sz="2800" dirty="0">
+            <a:pPr marL="402336" lvl="1" indent="0">
+              <a:buNone/>
+            </a:pPr>
+            <a:endParaRPr lang="en-US" sz="1500" dirty="0">
               <a:latin typeface="Avenir Medium"/>
             </a:endParaRPr>
           </a:p>
@@ -13078,7 +12980,7 @@
             <a:pPr marL="402336" lvl="1" indent="0">
               <a:buNone/>
             </a:pPr>
-            <a:endParaRPr lang="en-US" sz="1500">
+            <a:endParaRPr lang="en-US" sz="1500" dirty="0">
               <a:latin typeface="Avenir Medium"/>
             </a:endParaRPr>
           </a:p>
@@ -13086,23 +12988,7 @@
             <a:pPr marL="402336" lvl="1" indent="0">
               <a:buNone/>
             </a:pPr>
-            <a:endParaRPr lang="en-US" sz="1500">
-              <a:latin typeface="Avenir Medium"/>
-            </a:endParaRPr>
-          </a:p>
-          <a:p>
-            <a:pPr marL="402336" lvl="1" indent="0">
-              <a:buNone/>
-            </a:pPr>
-            <a:endParaRPr lang="en-US" sz="1500">
-              <a:latin typeface="Avenir Medium"/>
-            </a:endParaRPr>
-          </a:p>
-          <a:p>
-            <a:pPr marL="402336" lvl="1" indent="0">
-              <a:buNone/>
-            </a:pPr>
-            <a:endParaRPr lang="en-US" sz="1500">
+            <a:endParaRPr lang="en-US" sz="1500" dirty="0">
               <a:latin typeface="Avenir Medium"/>
             </a:endParaRPr>
           </a:p>
@@ -13201,13 +13087,13 @@
         </p:nvSpPr>
         <p:spPr>
           <a:xfrm>
-            <a:off x="533400" y="990600"/>
-            <a:ext cx="8610600" cy="5943600"/>
+            <a:off x="609600" y="1295400"/>
+            <a:ext cx="8534400" cy="5562600"/>
           </a:xfrm>
         </p:spPr>
         <p:txBody>
           <a:bodyPr>
-            <a:normAutofit fontScale="70000" lnSpcReduction="20000"/>
+            <a:normAutofit/>
           </a:bodyPr>
           <a:lstStyle/>
           <a:p>
@@ -13261,357 +13147,79 @@
                 <a:ea typeface="Avenir Book" charset="0"/>
                 <a:cs typeface="Avenir Book" charset="0"/>
               </a:rPr>
-              <a:t>Main ML Techniques; performance evaluation of ML models</a:t>
-            </a:r>
-          </a:p>
-          <a:p>
+              <a:t>Main ML Techniques</a:t>
+            </a:r>
+          </a:p>
+          <a:p>
+            <a:pPr lvl="1"/>
             <a:r>
               <a:rPr lang="en-US" b="1" dirty="0">
                 <a:latin typeface="Avenir Book" charset="0"/>
                 <a:ea typeface="Avenir Book" charset="0"/>
                 <a:cs typeface="Avenir Book" charset="0"/>
               </a:rPr>
-              <a:t>Introduction to resampling: train-test split, cross-validation, bootstrapping</a:t>
-            </a:r>
-          </a:p>
-          <a:p>
-            <a:r>
-              <a:rPr lang="en-US" b="1" dirty="0">
-                <a:latin typeface="Avenir Book" charset="0"/>
-                <a:ea typeface="Avenir Book" charset="0"/>
-                <a:cs typeface="Avenir Book" charset="0"/>
-              </a:rPr>
-              <a:t>Four main types of dealing with ML Models in R</a:t>
-            </a:r>
-            <a:endParaRPr lang="en-US" sz="2800" b="1" dirty="0">
+              <a:t>Performance evaluation of ML models</a:t>
+            </a:r>
+          </a:p>
+          <a:p>
+            <a:pPr marL="82296" indent="0">
+              <a:buNone/>
+            </a:pPr>
+            <a:endParaRPr lang="en-US" b="1" dirty="0">
               <a:latin typeface="Avenir Book" charset="0"/>
               <a:ea typeface="Avenir Book" charset="0"/>
               <a:cs typeface="Avenir Book" charset="0"/>
             </a:endParaRPr>
           </a:p>
           <a:p>
-            <a:pPr lvl="1"/>
             <a:r>
               <a:rPr lang="en-US" b="1" dirty="0">
                 <a:latin typeface="Avenir Book" charset="0"/>
                 <a:ea typeface="Avenir Book" charset="0"/>
                 <a:cs typeface="Avenir Book" charset="0"/>
               </a:rPr>
-              <a:t>With specific base functions/packages (e.g. `</a:t>
-            </a:r>
-            <a:r>
-              <a:rPr lang="en-US" b="1" dirty="0" err="1">
+              <a:t>Introduction to resampling: </a:t>
+            </a:r>
+          </a:p>
+          <a:p>
+            <a:pPr lvl="1"/>
+            <a:r>
+              <a:rPr lang="en-US" b="1" dirty="0">
                 <a:latin typeface="Avenir Book" charset="0"/>
                 <a:ea typeface="Avenir Book" charset="0"/>
                 <a:cs typeface="Avenir Book" charset="0"/>
               </a:rPr>
-              <a:t>lm</a:t>
-            </a:r>
+              <a:t>Train-test split</a:t>
+            </a:r>
+          </a:p>
+          <a:p>
+            <a:pPr lvl="1"/>
             <a:r>
               <a:rPr lang="en-US" b="1" dirty="0">
                 <a:latin typeface="Avenir Book" charset="0"/>
                 <a:ea typeface="Avenir Book" charset="0"/>
                 <a:cs typeface="Avenir Book" charset="0"/>
               </a:rPr>
-              <a:t>()`, `</a:t>
-            </a:r>
-            <a:r>
-              <a:rPr lang="en-US" b="1" dirty="0" err="1">
+              <a:t>Cross-validation</a:t>
+            </a:r>
+          </a:p>
+          <a:p>
+            <a:pPr lvl="1"/>
+            <a:r>
+              <a:rPr lang="en-US" b="1" dirty="0">
                 <a:latin typeface="Avenir Book" charset="0"/>
                 <a:ea typeface="Avenir Book" charset="0"/>
                 <a:cs typeface="Avenir Book" charset="0"/>
               </a:rPr>
-              <a:t>rpart</a:t>
-            </a:r>
-            <a:r>
-              <a:rPr lang="en-US" b="1" dirty="0">
-                <a:latin typeface="Avenir Book" charset="0"/>
-                <a:ea typeface="Avenir Book" charset="0"/>
-                <a:cs typeface="Avenir Book" charset="0"/>
-              </a:rPr>
-              <a:t>::</a:t>
-            </a:r>
-            <a:r>
-              <a:rPr lang="en-US" b="1" dirty="0" err="1">
-                <a:latin typeface="Avenir Book" charset="0"/>
-                <a:ea typeface="Avenir Book" charset="0"/>
-                <a:cs typeface="Avenir Book" charset="0"/>
-              </a:rPr>
-              <a:t>rpart</a:t>
-            </a:r>
-            <a:r>
-              <a:rPr lang="en-US" b="1" dirty="0">
-                <a:latin typeface="Avenir Book" charset="0"/>
-                <a:ea typeface="Avenir Book" charset="0"/>
-                <a:cs typeface="Avenir Book" charset="0"/>
-              </a:rPr>
-              <a:t>()`, `</a:t>
-            </a:r>
-            <a:r>
-              <a:rPr lang="en-US" b="1" dirty="0" err="1">
-                <a:latin typeface="Avenir Book" charset="0"/>
-                <a:ea typeface="Avenir Book" charset="0"/>
-                <a:cs typeface="Avenir Book" charset="0"/>
-              </a:rPr>
-              <a:t>ipred</a:t>
-            </a:r>
-            <a:r>
-              <a:rPr lang="en-US" b="1" dirty="0">
-                <a:latin typeface="Avenir Book" charset="0"/>
-                <a:ea typeface="Avenir Book" charset="0"/>
-                <a:cs typeface="Avenir Book" charset="0"/>
-              </a:rPr>
-              <a:t>::bagging()`, etc.)</a:t>
-            </a:r>
-          </a:p>
-          <a:p>
-            <a:pPr lvl="2"/>
-            <a:r>
-              <a:rPr lang="en-US" b="1" dirty="0">
-                <a:latin typeface="Avenir Book" charset="0"/>
-                <a:ea typeface="Avenir Book" charset="0"/>
-                <a:cs typeface="Avenir Book" charset="0"/>
-              </a:rPr>
-              <a:t>require many steps for data preparation, model fitting, evaluations etc.</a:t>
-            </a:r>
-          </a:p>
-          <a:p>
-            <a:pPr lvl="2"/>
-            <a:r>
-              <a:rPr lang="en-US" b="1" dirty="0">
-                <a:latin typeface="Avenir Book" charset="0"/>
-                <a:ea typeface="Avenir Book" charset="0"/>
-                <a:cs typeface="Avenir Book" charset="0"/>
-              </a:rPr>
-              <a:t>require some other packages for data preparation and model assessment</a:t>
-            </a:r>
-          </a:p>
-          <a:p>
-            <a:pPr lvl="1"/>
-            <a:r>
-              <a:rPr lang="en-US" b="1" dirty="0">
-                <a:latin typeface="Avenir Book" charset="0"/>
-                <a:ea typeface="Avenir Book" charset="0"/>
-                <a:cs typeface="Avenir Book" charset="0"/>
-              </a:rPr>
-              <a:t>With the `caret` package </a:t>
-            </a:r>
-          </a:p>
-          <a:p>
-            <a:pPr lvl="2"/>
-            <a:r>
-              <a:rPr lang="en-US" b="1" dirty="0">
-                <a:latin typeface="Avenir Book" charset="0"/>
-                <a:ea typeface="Avenir Book" charset="0"/>
-                <a:cs typeface="Avenir Book" charset="0"/>
-              </a:rPr>
-              <a:t>`one-package-fits-all` modeling: `caret` integrates many techniques/algorithms, including data preparation and model assessment</a:t>
-            </a:r>
-          </a:p>
-          <a:p>
-            <a:pPr lvl="2"/>
-            <a:r>
-              <a:rPr lang="en-US" b="1" dirty="0">
-                <a:latin typeface="Avenir Book" charset="0"/>
-                <a:ea typeface="Avenir Book" charset="0"/>
-                <a:cs typeface="Avenir Book" charset="0"/>
-              </a:rPr>
-              <a:t>somehow `over-weighted`; does not integrate smoothly with the `</a:t>
-            </a:r>
-            <a:r>
-              <a:rPr lang="en-US" b="1" dirty="0" err="1">
-                <a:latin typeface="Avenir Book" charset="0"/>
-                <a:ea typeface="Avenir Book" charset="0"/>
-                <a:cs typeface="Avenir Book" charset="0"/>
-              </a:rPr>
-              <a:t>tidyverse</a:t>
-            </a:r>
-            <a:r>
-              <a:rPr lang="en-US" b="1" dirty="0">
-                <a:latin typeface="Avenir Book" charset="0"/>
-                <a:ea typeface="Avenir Book" charset="0"/>
-                <a:cs typeface="Avenir Book" charset="0"/>
-              </a:rPr>
-              <a:t>`</a:t>
-            </a:r>
-          </a:p>
-          <a:p>
-            <a:pPr lvl="1"/>
-            <a:r>
-              <a:rPr lang="en-US" b="1" dirty="0">
-                <a:latin typeface="Avenir Book" charset="0"/>
-                <a:ea typeface="Avenir Book" charset="0"/>
-                <a:cs typeface="Avenir Book" charset="0"/>
-              </a:rPr>
-              <a:t>Using (mainly) the `</a:t>
-            </a:r>
-            <a:r>
-              <a:rPr lang="en-US" b="1" dirty="0" err="1">
-                <a:latin typeface="Avenir Book" charset="0"/>
-                <a:ea typeface="Avenir Book" charset="0"/>
-                <a:cs typeface="Avenir Book" charset="0"/>
-              </a:rPr>
-              <a:t>modelr</a:t>
-            </a:r>
-            <a:r>
-              <a:rPr lang="en-US" b="1" dirty="0">
-                <a:latin typeface="Avenir Book" charset="0"/>
-                <a:ea typeface="Avenir Book" charset="0"/>
-                <a:cs typeface="Avenir Book" charset="0"/>
-              </a:rPr>
-              <a:t>` package </a:t>
-            </a:r>
-          </a:p>
-          <a:p>
-            <a:pPr lvl="2"/>
-            <a:r>
-              <a:rPr lang="en-US" b="1" dirty="0">
-                <a:latin typeface="Avenir Book" charset="0"/>
-                <a:ea typeface="Avenir Book" charset="0"/>
-                <a:cs typeface="Avenir Book" charset="0"/>
-              </a:rPr>
-              <a:t>One of the first attempts to apply the `</a:t>
-            </a:r>
-            <a:r>
-              <a:rPr lang="en-US" b="1" dirty="0" err="1">
-                <a:latin typeface="Avenir Book" charset="0"/>
-                <a:ea typeface="Avenir Book" charset="0"/>
-                <a:cs typeface="Avenir Book" charset="0"/>
-              </a:rPr>
-              <a:t>tidyverse</a:t>
-            </a:r>
-            <a:r>
-              <a:rPr lang="en-US" b="1" dirty="0">
-                <a:latin typeface="Avenir Book" charset="0"/>
-                <a:ea typeface="Avenir Book" charset="0"/>
-                <a:cs typeface="Avenir Book" charset="0"/>
-              </a:rPr>
-              <a:t>` approach to modeling</a:t>
-            </a:r>
-          </a:p>
-          <a:p>
-            <a:pPr lvl="2"/>
-            <a:r>
-              <a:rPr lang="en-US" b="1" dirty="0">
-                <a:latin typeface="Avenir Book" charset="0"/>
-                <a:ea typeface="Avenir Book" charset="0"/>
-                <a:cs typeface="Avenir Book" charset="0"/>
-              </a:rPr>
-              <a:t>Support for just a limited range of ML techniques </a:t>
-            </a:r>
-          </a:p>
-          <a:p>
-            <a:pPr lvl="1"/>
-            <a:r>
-              <a:rPr lang="en-US" b="1" dirty="0">
-                <a:latin typeface="Avenir Book" charset="0"/>
-                <a:ea typeface="Avenir Book" charset="0"/>
-                <a:cs typeface="Avenir Book" charset="0"/>
-              </a:rPr>
-              <a:t>With `</a:t>
-            </a:r>
-            <a:r>
-              <a:rPr lang="en-US" b="1" dirty="0" err="1">
-                <a:latin typeface="Avenir Book" charset="0"/>
-                <a:ea typeface="Avenir Book" charset="0"/>
-                <a:cs typeface="Avenir Book" charset="0"/>
-              </a:rPr>
-              <a:t>tidymodels</a:t>
-            </a:r>
-            <a:r>
-              <a:rPr lang="en-US" b="1" dirty="0">
-                <a:latin typeface="Avenir Book" charset="0"/>
-                <a:ea typeface="Avenir Book" charset="0"/>
-                <a:cs typeface="Avenir Book" charset="0"/>
-              </a:rPr>
-              <a:t>` ecosystem (</a:t>
-            </a:r>
-            <a:r>
-              <a:rPr lang="en-US" b="1" dirty="0" err="1">
-                <a:latin typeface="Avenir Book" charset="0"/>
-                <a:ea typeface="Avenir Book" charset="0"/>
-                <a:cs typeface="Avenir Book" charset="0"/>
-              </a:rPr>
-              <a:t>rsample</a:t>
-            </a:r>
-            <a:r>
-              <a:rPr lang="en-US" b="1" dirty="0">
-                <a:latin typeface="Avenir Book" charset="0"/>
-                <a:ea typeface="Avenir Book" charset="0"/>
-                <a:cs typeface="Avenir Book" charset="0"/>
-              </a:rPr>
-              <a:t>, recipes, </a:t>
-            </a:r>
-            <a:r>
-              <a:rPr lang="en-US" b="1" dirty="0" err="1">
-                <a:latin typeface="Avenir Book" charset="0"/>
-                <a:ea typeface="Avenir Book" charset="0"/>
-                <a:cs typeface="Avenir Book" charset="0"/>
-              </a:rPr>
-              <a:t>parnsnip</a:t>
-            </a:r>
-            <a:r>
-              <a:rPr lang="en-US" b="1" dirty="0">
-                <a:latin typeface="Avenir Book" charset="0"/>
-                <a:ea typeface="Avenir Book" charset="0"/>
-                <a:cs typeface="Avenir Book" charset="0"/>
-              </a:rPr>
-              <a:t>, yardstick </a:t>
-            </a:r>
-            <a:r>
-              <a:rPr lang="en-US" b="1" dirty="0" err="1">
-                <a:latin typeface="Avenir Book" charset="0"/>
-                <a:ea typeface="Avenir Book" charset="0"/>
-                <a:cs typeface="Avenir Book" charset="0"/>
-              </a:rPr>
-              <a:t>etc</a:t>
-            </a:r>
-            <a:r>
-              <a:rPr lang="en-US" b="1" dirty="0">
-                <a:latin typeface="Avenir Book" charset="0"/>
-                <a:ea typeface="Avenir Book" charset="0"/>
-                <a:cs typeface="Avenir Book" charset="0"/>
-              </a:rPr>
-              <a:t>)</a:t>
-            </a:r>
-          </a:p>
-          <a:p>
-            <a:pPr lvl="2"/>
-            <a:r>
-              <a:rPr lang="en-US" b="1" dirty="0">
-                <a:latin typeface="Avenir Book" charset="0"/>
-                <a:ea typeface="Avenir Book" charset="0"/>
-                <a:cs typeface="Avenir Book" charset="0"/>
-              </a:rPr>
-              <a:t>Loose package of packages for integrating all ML techniques within common framework, such `</a:t>
-            </a:r>
-            <a:r>
-              <a:rPr lang="en-US" b="1" dirty="0" err="1">
-                <a:latin typeface="Avenir Book" charset="0"/>
-                <a:ea typeface="Avenir Book" charset="0"/>
-                <a:cs typeface="Avenir Book" charset="0"/>
-              </a:rPr>
-              <a:t>tidyverse</a:t>
-            </a:r>
-            <a:r>
-              <a:rPr lang="en-US" b="1" dirty="0">
-                <a:latin typeface="Avenir Book" charset="0"/>
-                <a:ea typeface="Avenir Book" charset="0"/>
-                <a:cs typeface="Avenir Book" charset="0"/>
-              </a:rPr>
-              <a:t>` is for data processing</a:t>
-            </a:r>
-          </a:p>
-          <a:p>
-            <a:pPr lvl="2"/>
-            <a:r>
-              <a:rPr lang="en-US" b="1" dirty="0">
-                <a:latin typeface="Avenir Book" charset="0"/>
-                <a:ea typeface="Avenir Book" charset="0"/>
-                <a:cs typeface="Avenir Book" charset="0"/>
-              </a:rPr>
-              <a:t>Very dynamic and still poorly documented  (at least for now – December 2018)</a:t>
-            </a:r>
+              <a:t>Bootstrapping</a:t>
+            </a:r>
+          </a:p>
+          <a:p>
+            <a:endParaRPr lang="en-US" b="1" dirty="0">
+              <a:latin typeface="Avenir Book" charset="0"/>
+              <a:ea typeface="Avenir Book" charset="0"/>
+              <a:cs typeface="Avenir Book" charset="0"/>
+            </a:endParaRPr>
           </a:p>
         </p:txBody>
       </p:sp>
@@ -13700,98 +13308,17 @@
         </p:spPr>
         <p:txBody>
           <a:bodyPr>
-            <a:normAutofit fontScale="92500"/>
+            <a:normAutofit fontScale="92500" lnSpcReduction="20000"/>
           </a:bodyPr>
           <a:lstStyle/>
           <a:p>
             <a:r>
-              <a:rPr lang="en-US" sz="2800" b="1" dirty="0">
+              <a:rPr lang="en-US" b="1" dirty="0">
                 <a:latin typeface="Avenir Book" charset="0"/>
                 <a:ea typeface="Avenir Book" charset="0"/>
                 <a:cs typeface="Avenir Book" charset="0"/>
               </a:rPr>
-              <a:t>Cross-validating a single Ordinary Least Squ</a:t>
-            </a:r>
-            <a:r>
-              <a:rPr lang="en-US" b="1" dirty="0">
-                <a:latin typeface="Avenir Book" charset="0"/>
-                <a:ea typeface="Avenir Book" charset="0"/>
-                <a:cs typeface="Avenir Book" charset="0"/>
-              </a:rPr>
-              <a:t>ares(OLS)</a:t>
-            </a:r>
-            <a:r>
-              <a:rPr lang="en-US" sz="2800" b="1" dirty="0">
-                <a:latin typeface="Avenir Book" charset="0"/>
-                <a:ea typeface="Avenir Book" charset="0"/>
-                <a:cs typeface="Avenir Book" charset="0"/>
-              </a:rPr>
-              <a:t> model</a:t>
-            </a:r>
-          </a:p>
-          <a:p>
-            <a:pPr lvl="1"/>
-            <a:r>
-              <a:rPr lang="en-US" b="1" dirty="0">
-                <a:latin typeface="Avenir Book" charset="0"/>
-                <a:ea typeface="Avenir Book" charset="0"/>
-                <a:cs typeface="Avenir Book" charset="0"/>
-              </a:rPr>
-              <a:t>with `caret` package</a:t>
-            </a:r>
-          </a:p>
-          <a:p>
-            <a:pPr lvl="1"/>
-            <a:r>
-              <a:rPr lang="en-US" b="1" dirty="0">
-                <a:latin typeface="Avenir Book" charset="0"/>
-                <a:ea typeface="Avenir Book" charset="0"/>
-                <a:cs typeface="Avenir Book" charset="0"/>
-              </a:rPr>
-              <a:t>with `</a:t>
-            </a:r>
-            <a:r>
-              <a:rPr lang="en-US" b="1" dirty="0" err="1">
-                <a:latin typeface="Avenir Book" charset="0"/>
-                <a:ea typeface="Avenir Book" charset="0"/>
-                <a:cs typeface="Avenir Book" charset="0"/>
-              </a:rPr>
-              <a:t>modelr</a:t>
-            </a:r>
-            <a:r>
-              <a:rPr lang="en-US" b="1" dirty="0">
-                <a:latin typeface="Avenir Book" charset="0"/>
-                <a:ea typeface="Avenir Book" charset="0"/>
-                <a:cs typeface="Avenir Book" charset="0"/>
-              </a:rPr>
-              <a:t>` package</a:t>
-            </a:r>
-          </a:p>
-          <a:p>
-            <a:pPr lvl="1"/>
-            <a:r>
-              <a:rPr lang="en-US" b="1" dirty="0">
-                <a:latin typeface="Avenir Book" charset="0"/>
-                <a:ea typeface="Avenir Book" charset="0"/>
-                <a:cs typeface="Avenir Book" charset="0"/>
-              </a:rPr>
-              <a:t>with `</a:t>
-            </a:r>
-            <a:r>
-              <a:rPr lang="en-US" b="1" dirty="0" err="1">
-                <a:latin typeface="Avenir Book" charset="0"/>
-                <a:ea typeface="Avenir Book" charset="0"/>
-                <a:cs typeface="Avenir Book" charset="0"/>
-              </a:rPr>
-              <a:t>tidymodels</a:t>
-            </a:r>
-            <a:r>
-              <a:rPr lang="en-US" b="1" dirty="0">
-                <a:latin typeface="Avenir Book" charset="0"/>
-                <a:ea typeface="Avenir Book" charset="0"/>
-                <a:cs typeface="Avenir Book" charset="0"/>
-              </a:rPr>
-              <a:t>` ecosystem</a:t>
+              <a:t>Two main types of approaching ML Models in R</a:t>
             </a:r>
             <a:endParaRPr lang="en-US" sz="2800" b="1" dirty="0">
               <a:latin typeface="Avenir Book" charset="0"/>
@@ -13800,35 +13327,30 @@
             </a:endParaRPr>
           </a:p>
           <a:p>
+            <a:pPr lvl="1"/>
             <a:r>
               <a:rPr lang="en-US" b="1" dirty="0">
                 <a:latin typeface="Avenir Book" charset="0"/>
                 <a:ea typeface="Avenir Book" charset="0"/>
                 <a:cs typeface="Avenir Book" charset="0"/>
               </a:rPr>
-              <a:t>Cross-validating multiple OLS models</a:t>
-            </a:r>
-          </a:p>
-          <a:p>
-            <a:pPr lvl="1"/>
-            <a:r>
-              <a:rPr lang="en-US" b="1" dirty="0">
+              <a:t>With specific base functions/packages (e.g. `</a:t>
+            </a:r>
+            <a:r>
+              <a:rPr lang="en-US" b="1" dirty="0" err="1">
                 <a:latin typeface="Avenir Book" charset="0"/>
                 <a:ea typeface="Avenir Book" charset="0"/>
                 <a:cs typeface="Avenir Book" charset="0"/>
               </a:rPr>
-              <a:t>with `caret` package</a:t>
-            </a:r>
-          </a:p>
-          <a:p>
-            <a:pPr lvl="1"/>
+              <a:t>lm</a:t>
+            </a:r>
             <a:r>
               <a:rPr lang="en-US" b="1" dirty="0">
                 <a:latin typeface="Avenir Book" charset="0"/>
                 <a:ea typeface="Avenir Book" charset="0"/>
                 <a:cs typeface="Avenir Book" charset="0"/>
               </a:rPr>
-              <a:t>with `</a:t>
+              <a:t>()`, `</a:t>
             </a:r>
             <a:r>
               <a:rPr lang="en-US" b="1" dirty="0" err="1">
@@ -13836,7 +13358,7 @@
                 <a:ea typeface="Avenir Book" charset="0"/>
                 <a:cs typeface="Avenir Book" charset="0"/>
               </a:rPr>
-              <a:t>modelr</a:t>
+              <a:t>rpart</a:t>
             </a:r>
             <a:r>
               <a:rPr lang="en-US" b="1" dirty="0">
@@ -13844,93 +13366,88 @@
                 <a:ea typeface="Avenir Book" charset="0"/>
                 <a:cs typeface="Avenir Book" charset="0"/>
               </a:rPr>
-              <a:t>` package</a:t>
-            </a:r>
-          </a:p>
-          <a:p>
-            <a:pPr lvl="1"/>
-            <a:r>
-              <a:rPr lang="en-US" b="1" dirty="0">
+              <a:t>::</a:t>
+            </a:r>
+            <a:r>
+              <a:rPr lang="en-US" b="1" dirty="0" err="1">
                 <a:latin typeface="Avenir Book" charset="0"/>
                 <a:ea typeface="Avenir Book" charset="0"/>
                 <a:cs typeface="Avenir Book" charset="0"/>
               </a:rPr>
-              <a:t>with `</a:t>
-            </a:r>
-            <a:r>
-              <a:rPr lang="en-US" b="1" dirty="0" err="1">
+              <a:t>rpart</a:t>
+            </a:r>
+            <a:r>
+              <a:rPr lang="en-US" b="1" dirty="0">
                 <a:latin typeface="Avenir Book" charset="0"/>
                 <a:ea typeface="Avenir Book" charset="0"/>
                 <a:cs typeface="Avenir Book" charset="0"/>
               </a:rPr>
-              <a:t>tidymodels</a:t>
-            </a:r>
-            <a:r>
-              <a:rPr lang="en-US" b="1" dirty="0">
+              <a:t>()`, `</a:t>
+            </a:r>
+            <a:r>
+              <a:rPr lang="en-US" b="1" dirty="0" err="1">
                 <a:latin typeface="Avenir Book" charset="0"/>
                 <a:ea typeface="Avenir Book" charset="0"/>
                 <a:cs typeface="Avenir Book" charset="0"/>
               </a:rPr>
-              <a:t>` ecosystem</a:t>
-            </a:r>
-          </a:p>
-          <a:p>
+              <a:t>ipred</a:t>
+            </a:r>
             <a:r>
               <a:rPr lang="en-US" b="1" dirty="0">
                 <a:latin typeface="Avenir Book" charset="0"/>
                 <a:ea typeface="Avenir Book" charset="0"/>
                 <a:cs typeface="Avenir Book" charset="0"/>
               </a:rPr>
-              <a:t>Cross-validating a single Logistic Regression model</a:t>
-            </a:r>
-          </a:p>
-          <a:p>
-            <a:pPr lvl="1"/>
+              <a:t>::bagging()`, etc.)</a:t>
+            </a:r>
+          </a:p>
+          <a:p>
+            <a:pPr lvl="2"/>
             <a:r>
               <a:rPr lang="en-US" b="1" dirty="0">
                 <a:latin typeface="Avenir Book" charset="0"/>
                 <a:ea typeface="Avenir Book" charset="0"/>
                 <a:cs typeface="Avenir Book" charset="0"/>
               </a:rPr>
-              <a:t>with `caret` package</a:t>
-            </a:r>
-          </a:p>
-          <a:p>
-            <a:pPr lvl="1"/>
+              <a:t>require many steps for data preparation, model fitting, evaluations etc.</a:t>
+            </a:r>
+          </a:p>
+          <a:p>
+            <a:pPr lvl="2"/>
             <a:r>
               <a:rPr lang="en-US" b="1" dirty="0">
                 <a:latin typeface="Avenir Book" charset="0"/>
                 <a:ea typeface="Avenir Book" charset="0"/>
                 <a:cs typeface="Avenir Book" charset="0"/>
               </a:rPr>
-              <a:t>with `</a:t>
-            </a:r>
-            <a:r>
-              <a:rPr lang="en-US" b="1" dirty="0" err="1">
+              <a:t>require some other packages for data preparation and model assessment</a:t>
+            </a:r>
+          </a:p>
+          <a:p>
+            <a:pPr lvl="1"/>
+            <a:r>
+              <a:rPr lang="en-US" b="1" dirty="0">
                 <a:latin typeface="Avenir Book" charset="0"/>
                 <a:ea typeface="Avenir Book" charset="0"/>
                 <a:cs typeface="Avenir Book" charset="0"/>
               </a:rPr>
-              <a:t>modelr</a:t>
-            </a:r>
-            <a:r>
-              <a:rPr lang="en-US" b="1" dirty="0">
+              <a:t>With `</a:t>
+            </a:r>
+            <a:r>
+              <a:rPr lang="en-US" b="1" dirty="0" err="1">
                 <a:latin typeface="Avenir Book" charset="0"/>
                 <a:ea typeface="Avenir Book" charset="0"/>
                 <a:cs typeface="Avenir Book" charset="0"/>
               </a:rPr>
-              <a:t>` package</a:t>
-            </a:r>
-          </a:p>
-          <a:p>
-            <a:pPr lvl="1"/>
+              <a:t>tidymodels</a:t>
+            </a:r>
             <a:r>
               <a:rPr lang="en-US" b="1" dirty="0">
                 <a:latin typeface="Avenir Book" charset="0"/>
                 <a:ea typeface="Avenir Book" charset="0"/>
                 <a:cs typeface="Avenir Book" charset="0"/>
               </a:rPr>
-              <a:t>with `</a:t>
+              <a:t>` ecosystem (</a:t>
             </a:r>
             <a:r>
               <a:rPr lang="en-US" b="1" dirty="0" err="1">
@@ -13938,7 +13455,7 @@
                 <a:ea typeface="Avenir Book" charset="0"/>
                 <a:cs typeface="Avenir Book" charset="0"/>
               </a:rPr>
-              <a:t>tidymodels</a:t>
+              <a:t>rsample</a:t>
             </a:r>
             <a:r>
               <a:rPr lang="en-US" b="1" dirty="0">
@@ -13946,13 +13463,164 @@
                 <a:ea typeface="Avenir Book" charset="0"/>
                 <a:cs typeface="Avenir Book" charset="0"/>
               </a:rPr>
-              <a:t>` ecosystem</a:t>
+              <a:t>, recipes, </a:t>
+            </a:r>
+            <a:r>
+              <a:rPr lang="en-US" b="1" dirty="0" err="1">
+                <a:latin typeface="Avenir Book" charset="0"/>
+                <a:ea typeface="Avenir Book" charset="0"/>
+                <a:cs typeface="Avenir Book" charset="0"/>
+              </a:rPr>
+              <a:t>parnsnip</a:t>
+            </a:r>
+            <a:r>
+              <a:rPr lang="en-US" b="1" dirty="0">
+                <a:latin typeface="Avenir Book" charset="0"/>
+                <a:ea typeface="Avenir Book" charset="0"/>
+                <a:cs typeface="Avenir Book" charset="0"/>
+              </a:rPr>
+              <a:t>, yardstick </a:t>
+            </a:r>
+            <a:r>
+              <a:rPr lang="en-US" b="1" dirty="0" err="1">
+                <a:latin typeface="Avenir Book" charset="0"/>
+                <a:ea typeface="Avenir Book" charset="0"/>
+                <a:cs typeface="Avenir Book" charset="0"/>
+              </a:rPr>
+              <a:t>etc</a:t>
+            </a:r>
+            <a:r>
+              <a:rPr lang="en-US" b="1" dirty="0">
+                <a:latin typeface="Avenir Book" charset="0"/>
+                <a:ea typeface="Avenir Book" charset="0"/>
+                <a:cs typeface="Avenir Book" charset="0"/>
+              </a:rPr>
+              <a:t>)</a:t>
+            </a:r>
+          </a:p>
+          <a:p>
+            <a:pPr lvl="2"/>
+            <a:r>
+              <a:rPr lang="en-US" b="1" dirty="0">
+                <a:latin typeface="Avenir Book" charset="0"/>
+                <a:ea typeface="Avenir Book" charset="0"/>
+                <a:cs typeface="Avenir Book" charset="0"/>
+              </a:rPr>
+              <a:t>Loose package of packages for integrating all ML techniques within a common framework, such `</a:t>
+            </a:r>
+            <a:r>
+              <a:rPr lang="en-US" b="1" dirty="0" err="1">
+                <a:latin typeface="Avenir Book" charset="0"/>
+                <a:ea typeface="Avenir Book" charset="0"/>
+                <a:cs typeface="Avenir Book" charset="0"/>
+              </a:rPr>
+              <a:t>tidyverse</a:t>
+            </a:r>
+            <a:r>
+              <a:rPr lang="en-US" b="1" dirty="0">
+                <a:latin typeface="Avenir Book" charset="0"/>
+                <a:ea typeface="Avenir Book" charset="0"/>
+                <a:cs typeface="Avenir Book" charset="0"/>
+              </a:rPr>
+              <a:t>` is for data processing</a:t>
+            </a:r>
+          </a:p>
+          <a:p>
+            <a:pPr lvl="2"/>
+            <a:r>
+              <a:rPr lang="en-US" b="1" dirty="0">
+                <a:latin typeface="Avenir Book" charset="0"/>
+                <a:ea typeface="Avenir Book" charset="0"/>
+                <a:cs typeface="Avenir Book" charset="0"/>
+              </a:rPr>
+              <a:t>Very dynamic and fairly documented</a:t>
             </a:r>
             <a:endParaRPr lang="en-US" sz="2800" b="1" dirty="0">
               <a:latin typeface="Avenir Book" charset="0"/>
               <a:ea typeface="Avenir Book" charset="0"/>
               <a:cs typeface="Avenir Book" charset="0"/>
             </a:endParaRPr>
+          </a:p>
+          <a:p>
+            <a:r>
+              <a:rPr lang="en-US" sz="2800" b="1" dirty="0">
+                <a:latin typeface="Avenir Book" charset="0"/>
+                <a:ea typeface="Avenir Book" charset="0"/>
+                <a:cs typeface="Avenir Book" charset="0"/>
+              </a:rPr>
+              <a:t>Cross-validating a single Ordinary Least Squ</a:t>
+            </a:r>
+            <a:r>
+              <a:rPr lang="en-US" b="1" dirty="0">
+                <a:latin typeface="Avenir Book" charset="0"/>
+                <a:ea typeface="Avenir Book" charset="0"/>
+                <a:cs typeface="Avenir Book" charset="0"/>
+              </a:rPr>
+              <a:t>ares (OLS)</a:t>
+            </a:r>
+            <a:r>
+              <a:rPr lang="en-US" sz="2800" b="1" dirty="0">
+                <a:latin typeface="Avenir Book" charset="0"/>
+                <a:ea typeface="Avenir Book" charset="0"/>
+                <a:cs typeface="Avenir Book" charset="0"/>
+              </a:rPr>
+              <a:t> model </a:t>
+            </a:r>
+            <a:r>
+              <a:rPr lang="en-US" b="1" dirty="0">
+                <a:latin typeface="Avenir Book" charset="0"/>
+                <a:ea typeface="Avenir Book" charset="0"/>
+                <a:cs typeface="Avenir Book" charset="0"/>
+              </a:rPr>
+              <a:t>with `</a:t>
+            </a:r>
+            <a:r>
+              <a:rPr lang="en-US" b="1" dirty="0" err="1">
+                <a:latin typeface="Avenir Book" charset="0"/>
+                <a:ea typeface="Avenir Book" charset="0"/>
+                <a:cs typeface="Avenir Book" charset="0"/>
+              </a:rPr>
+              <a:t>tidymodels</a:t>
+            </a:r>
+            <a:r>
+              <a:rPr lang="en-US" b="1" dirty="0">
+                <a:latin typeface="Avenir Book" charset="0"/>
+                <a:ea typeface="Avenir Book" charset="0"/>
+                <a:cs typeface="Avenir Book" charset="0"/>
+              </a:rPr>
+              <a:t>` ecosystem</a:t>
+            </a:r>
+            <a:endParaRPr lang="en-US" sz="2800" b="1" dirty="0">
+              <a:latin typeface="Avenir Book" charset="0"/>
+              <a:ea typeface="Avenir Book" charset="0"/>
+              <a:cs typeface="Avenir Book" charset="0"/>
+            </a:endParaRPr>
+          </a:p>
+          <a:p>
+            <a:r>
+              <a:rPr lang="en-US" b="1" dirty="0">
+                <a:latin typeface="Avenir Book" charset="0"/>
+                <a:ea typeface="Avenir Book" charset="0"/>
+                <a:cs typeface="Avenir Book" charset="0"/>
+              </a:rPr>
+              <a:t>Cross-validating multiple OLS models with `</a:t>
+            </a:r>
+            <a:r>
+              <a:rPr lang="en-US" b="1" dirty="0" err="1">
+                <a:latin typeface="Avenir Book" charset="0"/>
+                <a:ea typeface="Avenir Book" charset="0"/>
+                <a:cs typeface="Avenir Book" charset="0"/>
+              </a:rPr>
+              <a:t>tidymodels</a:t>
+            </a:r>
+            <a:r>
+              <a:rPr lang="en-US" b="1" dirty="0">
+                <a:latin typeface="Avenir Book" charset="0"/>
+                <a:ea typeface="Avenir Book" charset="0"/>
+                <a:cs typeface="Avenir Book" charset="0"/>
+              </a:rPr>
+              <a:t>` ecosystem</a:t>
+            </a:r>
           </a:p>
           <a:p>
             <a:endParaRPr lang="en-US" sz="2800" b="1" dirty="0">
@@ -14158,7 +13826,7 @@
                 <a:cs typeface="Avenir Medium"/>
                 <a:hlinkClick r:id="rId2"/>
               </a:rPr>
-              <a:t>https://github.com/marinfotache/Data-Processing-Analysis-Science-with-R/tree/master/13%20Introduction%20to%20Machine%20Learning</a:t>
+              <a:t>https://github.com/marinfotache/Data-Processing-Analysis-Science-with-R/tree/master/13%20Introduction%20to%20Machine%20Learning%20and%20tidymodels%20ecosystem</a:t>
             </a:r>
             <a:endParaRPr lang="ro-RO" sz="2400" dirty="0">
               <a:cs typeface="Avenir Medium"/>
@@ -14168,183 +13836,8 @@
             <a:pPr marL="82296" indent="0">
               <a:buNone/>
             </a:pPr>
-            <a:endParaRPr lang="ro-RO" sz="2000" dirty="0">
-              <a:latin typeface="Avenir Medium"/>
+            <a:endParaRPr lang="ro-RO" sz="2400" dirty="0">
               <a:cs typeface="Avenir Medium"/>
-            </a:endParaRPr>
-          </a:p>
-          <a:p>
-            <a:r>
-              <a:rPr lang="ro-RO" sz="2400" dirty="0" err="1">
-                <a:latin typeface="Avenir Medium"/>
-                <a:cs typeface="Avenir Medium"/>
-              </a:rPr>
-              <a:t>Scripts</a:t>
-            </a:r>
-            <a:r>
-              <a:rPr lang="ro-RO" sz="2400" dirty="0">
-                <a:latin typeface="Avenir Medium"/>
-                <a:cs typeface="Avenir Medium"/>
-              </a:rPr>
-              <a:t> </a:t>
-            </a:r>
-            <a:r>
-              <a:rPr lang="ro-RO" sz="2400" dirty="0" err="1">
-                <a:latin typeface="Avenir Medium"/>
-                <a:cs typeface="Avenir Medium"/>
-              </a:rPr>
-              <a:t>related</a:t>
-            </a:r>
-            <a:r>
-              <a:rPr lang="ro-RO" sz="2400" dirty="0">
-                <a:latin typeface="Avenir Medium"/>
-                <a:cs typeface="Avenir Medium"/>
-              </a:rPr>
-              <a:t> </a:t>
-            </a:r>
-            <a:r>
-              <a:rPr lang="ro-RO" sz="2400" dirty="0" err="1">
-                <a:latin typeface="Avenir Medium"/>
-                <a:cs typeface="Avenir Medium"/>
-              </a:rPr>
-              <a:t>to</a:t>
-            </a:r>
-            <a:r>
-              <a:rPr lang="ro-RO" sz="2400" dirty="0">
-                <a:latin typeface="Avenir Medium"/>
-                <a:cs typeface="Avenir Medium"/>
-              </a:rPr>
-              <a:t> </a:t>
-            </a:r>
-            <a:r>
-              <a:rPr lang="ro-RO" sz="2400" dirty="0" err="1">
-                <a:latin typeface="Avenir Medium"/>
-                <a:cs typeface="Avenir Medium"/>
-              </a:rPr>
-              <a:t>this</a:t>
-            </a:r>
-            <a:r>
-              <a:rPr lang="ro-RO" sz="2400" dirty="0">
-                <a:latin typeface="Avenir Medium"/>
-                <a:cs typeface="Avenir Medium"/>
-              </a:rPr>
-              <a:t> </a:t>
-            </a:r>
-            <a:r>
-              <a:rPr lang="ro-RO" sz="2400" dirty="0" err="1">
-                <a:latin typeface="Avenir Medium"/>
-                <a:cs typeface="Avenir Medium"/>
-              </a:rPr>
-              <a:t>presentation</a:t>
-            </a:r>
-            <a:r>
-              <a:rPr lang="ro-RO" sz="2400" dirty="0">
-                <a:latin typeface="Avenir Medium"/>
-                <a:cs typeface="Avenir Medium"/>
-              </a:rPr>
-              <a:t>:</a:t>
-            </a:r>
-          </a:p>
-          <a:p>
-            <a:pPr lvl="1"/>
-            <a:r>
-              <a:rPr lang="en" sz="2000" dirty="0">
-                <a:latin typeface="Avenir Medium"/>
-              </a:rPr>
-              <a:t>13a KV of a scoring model with caret, </a:t>
-            </a:r>
-            <a:r>
-              <a:rPr lang="en" sz="2000" dirty="0" err="1">
-                <a:latin typeface="Avenir Medium"/>
-              </a:rPr>
-              <a:t>modelr</a:t>
-            </a:r>
-            <a:r>
-              <a:rPr lang="en" sz="2000" dirty="0">
-                <a:latin typeface="Avenir Medium"/>
-              </a:rPr>
-              <a:t> and </a:t>
-            </a:r>
-            <a:r>
-              <a:rPr lang="en" sz="2000" dirty="0" err="1">
-                <a:latin typeface="Avenir Medium"/>
-              </a:rPr>
-              <a:t>tidymodels.R</a:t>
-            </a:r>
-            <a:endParaRPr lang="ro-RO" sz="2000" dirty="0">
-              <a:latin typeface="Avenir Medium"/>
-            </a:endParaRPr>
-          </a:p>
-          <a:p>
-            <a:pPr lvl="1"/>
-            <a:r>
-              <a:rPr lang="en" sz="2000" dirty="0">
-                <a:latin typeface="Avenir Medium"/>
-              </a:rPr>
-              <a:t>13b KV of multiple scoring models with caret, </a:t>
-            </a:r>
-            <a:r>
-              <a:rPr lang="en" sz="2000" dirty="0" err="1">
-                <a:latin typeface="Avenir Medium"/>
-              </a:rPr>
-              <a:t>modelr</a:t>
-            </a:r>
-            <a:r>
-              <a:rPr lang="en" sz="2000" dirty="0">
-                <a:latin typeface="Avenir Medium"/>
-              </a:rPr>
-              <a:t> and </a:t>
-            </a:r>
-            <a:r>
-              <a:rPr lang="en" sz="2000" dirty="0" err="1">
-                <a:latin typeface="Avenir Medium"/>
-              </a:rPr>
-              <a:t>tidymodels.R</a:t>
-            </a:r>
-            <a:endParaRPr lang="ro-RO" sz="2000" dirty="0">
-              <a:latin typeface="Avenir Medium"/>
-            </a:endParaRPr>
-          </a:p>
-          <a:p>
-            <a:pPr lvl="1"/>
-            <a:r>
-              <a:rPr lang="en" sz="2000" dirty="0">
-                <a:latin typeface="Avenir Medium"/>
-              </a:rPr>
-              <a:t>13c KV of </a:t>
-            </a:r>
-            <a:r>
-              <a:rPr lang="en" sz="2000" dirty="0" err="1">
-                <a:latin typeface="Avenir Medium"/>
-              </a:rPr>
-              <a:t>classsification</a:t>
-            </a:r>
-            <a:r>
-              <a:rPr lang="en" sz="2000" dirty="0">
-                <a:latin typeface="Avenir Medium"/>
-              </a:rPr>
-              <a:t> models with caret, </a:t>
-            </a:r>
-            <a:r>
-              <a:rPr lang="en" sz="2000" dirty="0" err="1">
-                <a:latin typeface="Avenir Medium"/>
-              </a:rPr>
-              <a:t>modelr</a:t>
-            </a:r>
-            <a:r>
-              <a:rPr lang="en" sz="2000" dirty="0">
-                <a:latin typeface="Avenir Medium"/>
-              </a:rPr>
-              <a:t> and </a:t>
-            </a:r>
-            <a:r>
-              <a:rPr lang="en" sz="2000" dirty="0" err="1">
-                <a:latin typeface="Avenir Medium"/>
-              </a:rPr>
-              <a:t>tidymodels.R</a:t>
-            </a:r>
-            <a:endParaRPr lang="en" sz="2000" dirty="0">
-              <a:latin typeface="Avenir Medium"/>
             </a:endParaRPr>
           </a:p>
           <a:p>

--- a/13 Introduction to Machine Learning and tidymodels ecosystem/13_Introduction to Machine Learning.pptx
+++ b/13 Introduction to Machine Learning and tidymodels ecosystem/13_Introduction to Machine Learning.pptx
@@ -5,7 +5,7 @@
     <p:sldMasterId id="2147483706" r:id="rId1"/>
   </p:sldMasterIdLst>
   <p:notesMasterIdLst>
-    <p:notesMasterId r:id="rId21"/>
+    <p:notesMasterId r:id="rId20"/>
   </p:notesMasterIdLst>
   <p:sldIdLst>
     <p:sldId id="256" r:id="rId2"/>
@@ -24,9 +24,8 @@
     <p:sldId id="498" r:id="rId15"/>
     <p:sldId id="499" r:id="rId16"/>
     <p:sldId id="567" r:id="rId17"/>
-    <p:sldId id="563" r:id="rId18"/>
-    <p:sldId id="566" r:id="rId19"/>
-    <p:sldId id="569" r:id="rId20"/>
+    <p:sldId id="566" r:id="rId18"/>
+    <p:sldId id="569" r:id="rId19"/>
   </p:sldIdLst>
   <p:sldSz cx="9144000" cy="6858000" type="screen4x3"/>
   <p:notesSz cx="6858000" cy="9144000"/>
@@ -281,7 +280,7 @@
           <a:p>
             <a:fld id="{91907C35-CCAF-F946-8963-0B9E8E98E716}" type="datetimeFigureOut">
               <a:rPr lang="en-US" smtClean="0"/>
-              <a:t>12/16/22</a:t>
+              <a:t>12/17/22</a:t>
             </a:fld>
             <a:endParaRPr lang="en-US"/>
           </a:p>
@@ -8920,7 +8919,7 @@
                 <a:ea typeface="Arial Unicode MS" panose="020B0604020202020204" pitchFamily="34" charset="-128"/>
                 <a:cs typeface="Arial Unicode MS" panose="020B0604020202020204" pitchFamily="34" charset="-128"/>
               </a:rPr>
-              <a:t>` packages</a:t>
+              <a:t>` framework</a:t>
             </a:r>
           </a:p>
         </p:txBody>
@@ -8944,7 +8943,7 @@
         </p:spPr>
         <p:txBody>
           <a:bodyPr>
-            <a:normAutofit fontScale="85000" lnSpcReduction="20000"/>
+            <a:normAutofit fontScale="55000" lnSpcReduction="20000"/>
           </a:bodyPr>
           <a:lstStyle>
             <a:lvl1pPr marL="365760" indent="-283464" algn="l" eaLnBrk="1" latinLnBrk="0" hangingPunct="1">
@@ -9092,109 +9091,393 @@
               </a:lnSpc>
             </a:pPr>
             <a:r>
-              <a:rPr lang="en" dirty="0">
-                <a:latin typeface="Avenir Book" charset="0"/>
-              </a:rPr>
-              <a:t>Resources on `</a:t>
-            </a:r>
-            <a:r>
-              <a:rPr lang="en" dirty="0" err="1">
-                <a:latin typeface="Avenir Book" charset="0"/>
-              </a:rPr>
-              <a:t>rsamples</a:t>
-            </a:r>
-            <a:r>
-              <a:rPr lang="en" dirty="0">
-                <a:latin typeface="Avenir Book" charset="0"/>
-              </a:rPr>
-              <a:t>` package</a:t>
-            </a:r>
-          </a:p>
-          <a:p>
-            <a:pPr lvl="1">
+              <a:rPr lang="ro-RO" dirty="0" err="1">
+                <a:latin typeface="Avenir Book" charset="0"/>
+              </a:rPr>
+              <a:t>Three</a:t>
+            </a:r>
+            <a:r>
+              <a:rPr lang="ro-RO" dirty="0">
+                <a:latin typeface="Avenir Book" charset="0"/>
+              </a:rPr>
+              <a:t> </a:t>
+            </a:r>
+            <a:r>
+              <a:rPr lang="ro-RO" dirty="0" err="1">
+                <a:latin typeface="Avenir Book" charset="0"/>
+              </a:rPr>
+              <a:t>reasons</a:t>
+            </a:r>
+            <a:r>
+              <a:rPr lang="ro-RO" dirty="0">
+                <a:latin typeface="Avenir Book" charset="0"/>
+              </a:rPr>
+              <a:t> </a:t>
+            </a:r>
+            <a:r>
+              <a:rPr lang="ro-RO" dirty="0" err="1">
+                <a:latin typeface="Avenir Book" charset="0"/>
+              </a:rPr>
+              <a:t>to</a:t>
+            </a:r>
+            <a:r>
+              <a:rPr lang="ro-RO" dirty="0">
+                <a:latin typeface="Avenir Book" charset="0"/>
+              </a:rPr>
+              <a:t> </a:t>
+            </a:r>
+            <a:r>
+              <a:rPr lang="ro-RO" dirty="0" err="1">
+                <a:latin typeface="Avenir Book" charset="0"/>
+              </a:rPr>
+              <a:t>use</a:t>
+            </a:r>
+            <a:r>
+              <a:rPr lang="ro-RO" dirty="0">
+                <a:latin typeface="Avenir Book" charset="0"/>
+              </a:rPr>
+              <a:t> </a:t>
+            </a:r>
+            <a:r>
+              <a:rPr lang="ro-RO" dirty="0" err="1">
+                <a:latin typeface="Avenir Book" charset="0"/>
+              </a:rPr>
+              <a:t>Tidymodels</a:t>
+            </a:r>
+            <a:r>
+              <a:rPr lang="ro-RO" dirty="0">
+                <a:latin typeface="Avenir Book" charset="0"/>
+              </a:rPr>
+              <a:t> — Julia </a:t>
+            </a:r>
+            <a:r>
+              <a:rPr lang="ro-RO" dirty="0" err="1">
+                <a:latin typeface="Avenir Book" charset="0"/>
+              </a:rPr>
+              <a:t>Silge</a:t>
+            </a:r>
+            <a:r>
+              <a:rPr lang="ro-RO" dirty="0">
+                <a:latin typeface="Avenir Book" charset="0"/>
+              </a:rPr>
+              <a:t> — R-</a:t>
+            </a:r>
+            <a:r>
+              <a:rPr lang="ro-RO" dirty="0" err="1">
+                <a:latin typeface="Avenir Book" charset="0"/>
+              </a:rPr>
+              <a:t>Ladies</a:t>
+            </a:r>
+            <a:r>
+              <a:rPr lang="ro-RO" dirty="0">
+                <a:latin typeface="Avenir Book" charset="0"/>
+              </a:rPr>
+              <a:t> </a:t>
+            </a:r>
+            <a:r>
+              <a:rPr lang="ro-RO" dirty="0" err="1">
+                <a:latin typeface="Avenir Book" charset="0"/>
+              </a:rPr>
+              <a:t>East</a:t>
+            </a:r>
+            <a:r>
+              <a:rPr lang="ro-RO" dirty="0">
+                <a:latin typeface="Avenir Book" charset="0"/>
+              </a:rPr>
+              <a:t> </a:t>
+            </a:r>
+            <a:r>
+              <a:rPr lang="ro-RO" dirty="0" err="1">
+                <a:latin typeface="Avenir Book" charset="0"/>
+              </a:rPr>
+              <a:t>Lansing</a:t>
+            </a:r>
+            <a:r>
+              <a:rPr lang="ro-RO" dirty="0">
+                <a:latin typeface="Avenir Book" charset="0"/>
+              </a:rPr>
+              <a:t> (English) (2022)</a:t>
+            </a:r>
+          </a:p>
+          <a:p>
+            <a:pPr marL="82296" indent="0">
               <a:lnSpc>
                 <a:spcPct val="130000"/>
               </a:lnSpc>
-            </a:pPr>
-            <a:r>
-              <a:rPr lang="ro-RO" dirty="0">
+              <a:buNone/>
+            </a:pPr>
+            <a:r>
+              <a:rPr lang="ro-RO" sz="2800" dirty="0">
                 <a:latin typeface="Avenir Book" charset="0"/>
                 <a:hlinkClick r:id="rId2"/>
               </a:rPr>
-              <a:t>https://tidymodels.github.io/rsample/</a:t>
+              <a:t>https://www.youtube.com/watch?v=86KaMXHuzK4</a:t>
             </a:r>
             <a:endParaRPr lang="ro-RO" dirty="0">
               <a:latin typeface="Avenir Book" charset="0"/>
             </a:endParaRPr>
           </a:p>
           <a:p>
+            <a:pPr>
+              <a:lnSpc>
+                <a:spcPct val="130000"/>
+              </a:lnSpc>
+            </a:pPr>
+            <a:r>
+              <a:rPr lang="ro-RO" dirty="0" err="1">
+                <a:latin typeface="Avenir Book" charset="0"/>
+              </a:rPr>
+              <a:t>Introduction</a:t>
+            </a:r>
+            <a:r>
+              <a:rPr lang="ro-RO" dirty="0">
+                <a:latin typeface="Avenir Book" charset="0"/>
+              </a:rPr>
+              <a:t> </a:t>
+            </a:r>
+            <a:r>
+              <a:rPr lang="ro-RO" dirty="0" err="1">
+                <a:latin typeface="Avenir Book" charset="0"/>
+              </a:rPr>
+              <a:t>to</a:t>
+            </a:r>
+            <a:r>
+              <a:rPr lang="ro-RO" dirty="0">
+                <a:latin typeface="Avenir Book" charset="0"/>
+              </a:rPr>
+              <a:t> </a:t>
+            </a:r>
+            <a:r>
+              <a:rPr lang="ro-RO" dirty="0" err="1">
+                <a:latin typeface="Avenir Book" charset="0"/>
+              </a:rPr>
+              <a:t>Machine</a:t>
+            </a:r>
+            <a:r>
+              <a:rPr lang="ro-RO" dirty="0">
+                <a:latin typeface="Avenir Book" charset="0"/>
+              </a:rPr>
+              <a:t> </a:t>
+            </a:r>
+            <a:r>
+              <a:rPr lang="ro-RO" dirty="0" err="1">
+                <a:latin typeface="Avenir Book" charset="0"/>
+              </a:rPr>
+              <a:t>Learning</a:t>
+            </a:r>
+            <a:r>
+              <a:rPr lang="ro-RO" dirty="0">
+                <a:latin typeface="Avenir Book" charset="0"/>
+              </a:rPr>
+              <a:t> </a:t>
+            </a:r>
+            <a:r>
+              <a:rPr lang="ro-RO" dirty="0" err="1">
+                <a:latin typeface="Avenir Book" charset="0"/>
+              </a:rPr>
+              <a:t>with</a:t>
+            </a:r>
+            <a:r>
+              <a:rPr lang="ro-RO" dirty="0">
+                <a:latin typeface="Avenir Book" charset="0"/>
+              </a:rPr>
+              <a:t> </a:t>
+            </a:r>
+            <a:r>
+              <a:rPr lang="ro-RO" dirty="0" err="1">
+                <a:latin typeface="Avenir Book" charset="0"/>
+              </a:rPr>
+              <a:t>the</a:t>
+            </a:r>
+            <a:r>
+              <a:rPr lang="ro-RO" dirty="0">
+                <a:latin typeface="Avenir Book" charset="0"/>
+              </a:rPr>
+              <a:t> </a:t>
+            </a:r>
+            <a:r>
+              <a:rPr lang="ro-RO" dirty="0" err="1">
+                <a:latin typeface="Avenir Book" charset="0"/>
+              </a:rPr>
+              <a:t>Tidyverse</a:t>
+            </a:r>
+            <a:r>
+              <a:rPr lang="ro-RO" dirty="0">
+                <a:latin typeface="Avenir Book" charset="0"/>
+              </a:rPr>
+              <a:t> (</a:t>
+            </a:r>
+            <a:r>
+              <a:rPr lang="ro-RO" dirty="0" err="1">
+                <a:latin typeface="Avenir Book" charset="0"/>
+              </a:rPr>
+              <a:t>Alison</a:t>
+            </a:r>
+            <a:r>
+              <a:rPr lang="ro-RO" dirty="0">
+                <a:latin typeface="Avenir Book" charset="0"/>
+              </a:rPr>
+              <a:t> Hill, 2020)</a:t>
+            </a:r>
+          </a:p>
+          <a:p>
+            <a:pPr marL="82296" indent="0">
+              <a:lnSpc>
+                <a:spcPct val="130000"/>
+              </a:lnSpc>
+              <a:buNone/>
+            </a:pPr>
+            <a:r>
+              <a:rPr lang="ro-RO" sz="2100" dirty="0">
+                <a:latin typeface="Avenir Book" charset="0"/>
+                <a:hlinkClick r:id="rId3"/>
+              </a:rPr>
+              <a:t>https://education.rstudio.com/blog/2020/02/conf20-intro-ml/</a:t>
+            </a:r>
+            <a:endParaRPr lang="ro-RO" sz="2100" dirty="0">
+              <a:latin typeface="Avenir Book" charset="0"/>
+            </a:endParaRPr>
+          </a:p>
+          <a:p>
+            <a:pPr marL="82296" indent="0">
+              <a:lnSpc>
+                <a:spcPct val="130000"/>
+              </a:lnSpc>
+              <a:buNone/>
+            </a:pPr>
+            <a:endParaRPr lang="ro-RO" sz="1100" dirty="0">
+              <a:latin typeface="Avenir Book" charset="0"/>
+            </a:endParaRPr>
+          </a:p>
+          <a:p>
+            <a:pPr>
+              <a:lnSpc>
+                <a:spcPct val="130000"/>
+              </a:lnSpc>
+            </a:pPr>
+            <a:r>
+              <a:rPr lang="ro-RO" dirty="0" err="1">
+                <a:latin typeface="Avenir Book" charset="0"/>
+              </a:rPr>
+              <a:t>TidyX</a:t>
+            </a:r>
+            <a:r>
+              <a:rPr lang="ro-RO" dirty="0">
+                <a:latin typeface="Avenir Book" charset="0"/>
+              </a:rPr>
+              <a:t> </a:t>
+            </a:r>
+            <a:r>
+              <a:rPr lang="ro-RO" dirty="0" err="1">
+                <a:latin typeface="Avenir Book" charset="0"/>
+              </a:rPr>
+              <a:t>Tidymodels</a:t>
+            </a:r>
+            <a:r>
+              <a:rPr lang="ro-RO" dirty="0">
+                <a:latin typeface="Avenir Book" charset="0"/>
+              </a:rPr>
+              <a:t> </a:t>
+            </a:r>
+            <a:r>
+              <a:rPr lang="ro-RO" sz="2500" dirty="0">
+                <a:latin typeface="Avenir Book" charset="0"/>
+              </a:rPr>
+              <a:t>(</a:t>
+            </a:r>
+            <a:r>
+              <a:rPr lang="ro-RO" sz="2500" dirty="0" err="1">
+                <a:latin typeface="Avenir Book" charset="0"/>
+              </a:rPr>
+              <a:t>https</a:t>
+            </a:r>
+            <a:r>
+              <a:rPr lang="ro-RO" sz="2500" dirty="0">
+                <a:latin typeface="Avenir Book" charset="0"/>
+              </a:rPr>
+              <a:t>://</a:t>
+            </a:r>
+            <a:r>
+              <a:rPr lang="ro-RO" sz="2500" dirty="0" err="1">
+                <a:latin typeface="Avenir Book" charset="0"/>
+              </a:rPr>
+              <a:t>www.youtube.com</a:t>
+            </a:r>
+            <a:r>
+              <a:rPr lang="ro-RO" sz="2500" dirty="0">
+                <a:latin typeface="Avenir Book" charset="0"/>
+              </a:rPr>
+              <a:t>/</a:t>
+            </a:r>
+            <a:r>
+              <a:rPr lang="ro-RO" sz="2500" dirty="0" err="1">
+                <a:latin typeface="Avenir Book" charset="0"/>
+              </a:rPr>
+              <a:t>playlist?list</a:t>
+            </a:r>
+            <a:r>
+              <a:rPr lang="ro-RO" sz="2500" dirty="0">
+                <a:latin typeface="Avenir Book" charset="0"/>
+              </a:rPr>
+              <a:t>=PLdb0LTjA9iQyCgTd8MmRS38vYrRIzdx2j)</a:t>
+            </a:r>
+          </a:p>
+          <a:p>
             <a:pPr lvl="1">
               <a:lnSpc>
                 <a:spcPct val="130000"/>
               </a:lnSpc>
             </a:pPr>
             <a:r>
-              <a:rPr lang="en" dirty="0">
-                <a:latin typeface="Avenir Book" charset="0"/>
-              </a:rPr>
-              <a:t>In an R /R Studio session, type/launch: `</a:t>
-            </a:r>
-            <a:r>
-              <a:rPr lang="en" dirty="0" err="1">
-                <a:latin typeface="Avenir Book" charset="0"/>
-              </a:rPr>
-              <a:t>browseVignettes</a:t>
-            </a:r>
-            <a:r>
-              <a:rPr lang="en" dirty="0">
-                <a:latin typeface="Avenir Book" charset="0"/>
-              </a:rPr>
-              <a:t>("</a:t>
-            </a:r>
-            <a:r>
-              <a:rPr lang="en" dirty="0" err="1">
-                <a:latin typeface="Avenir Book" charset="0"/>
-              </a:rPr>
-              <a:t>rsample</a:t>
-            </a:r>
-            <a:r>
-              <a:rPr lang="en" dirty="0">
-                <a:latin typeface="Avenir Book" charset="0"/>
-              </a:rPr>
-              <a:t>")`</a:t>
-            </a:r>
-          </a:p>
-          <a:p>
-            <a:pPr>
+              <a:rPr lang="ro-RO" dirty="0" err="1">
+                <a:latin typeface="Avenir Book" charset="0"/>
+              </a:rPr>
+              <a:t>TidyX</a:t>
+            </a:r>
+            <a:r>
+              <a:rPr lang="ro-RO" dirty="0">
+                <a:latin typeface="Avenir Book" charset="0"/>
+              </a:rPr>
+              <a:t> </a:t>
+            </a:r>
+            <a:r>
+              <a:rPr lang="ro-RO" dirty="0" err="1">
+                <a:latin typeface="Avenir Book" charset="0"/>
+              </a:rPr>
+              <a:t>Episode</a:t>
+            </a:r>
+            <a:r>
+              <a:rPr lang="ro-RO" dirty="0">
+                <a:latin typeface="Avenir Book" charset="0"/>
+              </a:rPr>
+              <a:t> 77 | </a:t>
+            </a:r>
+            <a:r>
+              <a:rPr lang="ro-RO" dirty="0" err="1">
+                <a:latin typeface="Avenir Book" charset="0"/>
+              </a:rPr>
+              <a:t>Tidymodels</a:t>
+            </a:r>
+            <a:r>
+              <a:rPr lang="ro-RO" dirty="0">
+                <a:latin typeface="Avenir Book" charset="0"/>
+              </a:rPr>
+              <a:t> – LM (2021)</a:t>
+            </a:r>
+          </a:p>
+          <a:p>
+            <a:pPr marL="402336" lvl="1" indent="0">
               <a:lnSpc>
                 <a:spcPct val="130000"/>
               </a:lnSpc>
-            </a:pPr>
-            <a:r>
-              <a:rPr lang="en" dirty="0">
-                <a:latin typeface="Avenir Book" charset="0"/>
-              </a:rPr>
-              <a:t>Resources on `recipes` package</a:t>
-            </a:r>
-          </a:p>
-          <a:p>
-            <a:pPr lvl="1">
-              <a:lnSpc>
-                <a:spcPct val="130000"/>
-              </a:lnSpc>
-            </a:pPr>
-            <a:r>
-              <a:rPr lang="en" dirty="0">
-                <a:latin typeface="Avenir Book" charset="0"/>
-              </a:rPr>
-              <a:t>see vignettes at </a:t>
-            </a:r>
+              <a:buNone/>
+            </a:pPr>
             <a:r>
               <a:rPr lang="ro-RO" dirty="0">
                 <a:latin typeface="Avenir Book" charset="0"/>
-                <a:hlinkClick r:id="rId3"/>
-              </a:rPr>
-              <a:t>https://cran.r-project.org/web/packages/recipes/index.html</a:t>
+                <a:hlinkClick r:id="rId4"/>
+              </a:rPr>
+              <a:t>https://www.youtube.com/watch?v=_yPsbxoeRUk&amp;list=PLdb0LTjA9iQyCgTd8MmRS38vYrRIzdx2j</a:t>
             </a:r>
             <a:endParaRPr lang="ro-RO" dirty="0">
               <a:latin typeface="Avenir Book" charset="0"/>
@@ -9207,22 +9490,76 @@
               </a:lnSpc>
             </a:pPr>
             <a:r>
-              <a:rPr lang="en" dirty="0">
-                <a:latin typeface="Avenir Book" charset="0"/>
-              </a:rPr>
-              <a:t>Introduction to Recipes (R Package) | </a:t>
-            </a:r>
-            <a:r>
-              <a:rPr lang="en" dirty="0" err="1">
-                <a:latin typeface="Avenir Book" charset="0"/>
-              </a:rPr>
-              <a:t>RStudio</a:t>
-            </a:r>
-            <a:r>
-              <a:rPr lang="en" dirty="0">
-                <a:latin typeface="Avenir Book" charset="0"/>
-              </a:rPr>
-              <a:t> Webinar - 2017</a:t>
+              <a:rPr lang="ro-RO" dirty="0" err="1">
+                <a:latin typeface="Avenir Book" charset="0"/>
+              </a:rPr>
+              <a:t>TidyX</a:t>
+            </a:r>
+            <a:r>
+              <a:rPr lang="ro-RO" dirty="0">
+                <a:latin typeface="Avenir Book" charset="0"/>
+              </a:rPr>
+              <a:t> </a:t>
+            </a:r>
+            <a:r>
+              <a:rPr lang="ro-RO" dirty="0" err="1">
+                <a:latin typeface="Avenir Book" charset="0"/>
+              </a:rPr>
+              <a:t>Episode</a:t>
+            </a:r>
+            <a:r>
+              <a:rPr lang="ro-RO" dirty="0">
+                <a:latin typeface="Avenir Book" charset="0"/>
+              </a:rPr>
+              <a:t> 78 | </a:t>
+            </a:r>
+            <a:r>
+              <a:rPr lang="ro-RO" dirty="0" err="1">
+                <a:latin typeface="Avenir Book" charset="0"/>
+              </a:rPr>
+              <a:t>Tidymodels</a:t>
+            </a:r>
+            <a:r>
+              <a:rPr lang="ro-RO" dirty="0">
+                <a:latin typeface="Avenir Book" charset="0"/>
+              </a:rPr>
+              <a:t> - </a:t>
+            </a:r>
+            <a:r>
+              <a:rPr lang="ro-RO" dirty="0" err="1">
+                <a:latin typeface="Avenir Book" charset="0"/>
+              </a:rPr>
+              <a:t>Splits</a:t>
+            </a:r>
+            <a:r>
+              <a:rPr lang="ro-RO" dirty="0">
+                <a:latin typeface="Avenir Book" charset="0"/>
+              </a:rPr>
+              <a:t> </a:t>
+            </a:r>
+            <a:r>
+              <a:rPr lang="ro-RO" dirty="0" err="1">
+                <a:latin typeface="Avenir Book" charset="0"/>
+              </a:rPr>
+              <a:t>and</a:t>
+            </a:r>
+            <a:r>
+              <a:rPr lang="ro-RO" dirty="0">
+                <a:latin typeface="Avenir Book" charset="0"/>
+              </a:rPr>
+              <a:t> </a:t>
+            </a:r>
+            <a:r>
+              <a:rPr lang="ro-RO" dirty="0" err="1">
+                <a:latin typeface="Avenir Book" charset="0"/>
+              </a:rPr>
+              <a:t>Recipes</a:t>
+            </a:r>
+            <a:r>
+              <a:rPr lang="ro-RO" dirty="0">
+                <a:latin typeface="Avenir Book" charset="0"/>
+              </a:rPr>
+              <a:t> (2021)</a:t>
             </a:r>
           </a:p>
           <a:p>
@@ -9233,100 +9570,11 @@
               <a:buNone/>
             </a:pPr>
             <a:r>
-              <a:rPr lang="ro-RO" sz="2200" dirty="0">
-                <a:latin typeface="Avenir Book" charset="0"/>
-                <a:hlinkClick r:id="rId4"/>
-              </a:rPr>
-              <a:t>https://www.rstudio.com/resources/webinars/creating-and-preprocessing-a-design-matrix-with-recipes/</a:t>
-            </a:r>
-            <a:r>
-              <a:rPr lang="ro-RO" sz="2200" dirty="0">
-                <a:latin typeface="Avenir Book" charset="0"/>
-              </a:rPr>
-              <a:t>   </a:t>
-            </a:r>
-            <a:r>
-              <a:rPr lang="en" sz="2400" dirty="0">
-                <a:latin typeface="Avenir Book" charset="0"/>
-              </a:rPr>
-              <a:t>or</a:t>
-            </a:r>
-            <a:endParaRPr lang="ro-RO" sz="2200" dirty="0">
-              <a:latin typeface="Avenir Book" charset="0"/>
-            </a:endParaRPr>
-          </a:p>
-          <a:p>
-            <a:pPr marL="402336" lvl="1" indent="0">
-              <a:lnSpc>
-                <a:spcPct val="130000"/>
-              </a:lnSpc>
-              <a:buNone/>
-            </a:pPr>
-            <a:r>
-              <a:rPr lang="ro-RO" sz="2200" dirty="0">
+              <a:rPr lang="ro-RO" dirty="0">
                 <a:latin typeface="Avenir Book" charset="0"/>
                 <a:hlinkClick r:id="rId5"/>
               </a:rPr>
-              <a:t>https://www.youtube.com/watch?v=v6pS061sUlw</a:t>
-            </a:r>
-            <a:endParaRPr lang="ro-RO" sz="2200" dirty="0">
-              <a:latin typeface="Avenir Book" charset="0"/>
-            </a:endParaRPr>
-          </a:p>
-          <a:p>
-            <a:pPr lvl="1">
-              <a:lnSpc>
-                <a:spcPct val="130000"/>
-              </a:lnSpc>
-            </a:pPr>
-            <a:r>
-              <a:rPr lang="ro-RO" dirty="0">
-                <a:latin typeface="Avenir Book" charset="0"/>
-              </a:rPr>
-              <a:t>Edwin </a:t>
-            </a:r>
-            <a:r>
-              <a:rPr lang="ro-RO" dirty="0" err="1">
-                <a:latin typeface="Avenir Book" charset="0"/>
-              </a:rPr>
-              <a:t>Thoen</a:t>
-            </a:r>
-            <a:r>
-              <a:rPr lang="ro-RO" dirty="0">
-                <a:latin typeface="Avenir Book" charset="0"/>
-              </a:rPr>
-              <a:t> - A </a:t>
-            </a:r>
-            <a:r>
-              <a:rPr lang="ro-RO" dirty="0" err="1">
-                <a:latin typeface="Avenir Book" charset="0"/>
-              </a:rPr>
-              <a:t>recipe</a:t>
-            </a:r>
-            <a:r>
-              <a:rPr lang="ro-RO" dirty="0">
-                <a:latin typeface="Avenir Book" charset="0"/>
-              </a:rPr>
-              <a:t> for </a:t>
-            </a:r>
-            <a:r>
-              <a:rPr lang="ro-RO" dirty="0" err="1">
-                <a:latin typeface="Avenir Book" charset="0"/>
-              </a:rPr>
-              <a:t>recipes</a:t>
-            </a:r>
-            <a:r>
-              <a:rPr lang="ro-RO" dirty="0">
-                <a:latin typeface="Avenir Book" charset="0"/>
-              </a:rPr>
-              <a:t>: </a:t>
-            </a:r>
-            <a:r>
-              <a:rPr lang="ro-RO" dirty="0">
-                <a:latin typeface="Avenir Book" charset="0"/>
-                <a:hlinkClick r:id="rId6"/>
-              </a:rPr>
-              <a:t>https://edwinth.github.io/blog/recipes_blog/</a:t>
+              <a:t>https://www.youtube.com/watch?v=oRq_ktTvda4&amp;list=PLdb0LTjA9iQyCgTd8MmRS38vYrRIzdx2j&amp;index=2</a:t>
             </a:r>
             <a:endParaRPr lang="ro-RO" dirty="0">
               <a:latin typeface="Avenir Book" charset="0"/>
@@ -9338,69 +9586,180 @@
                 <a:spcPct val="130000"/>
               </a:lnSpc>
             </a:pPr>
+            <a:r>
+              <a:rPr lang="ro-RO" dirty="0" err="1">
+                <a:latin typeface="Avenir Book" charset="0"/>
+              </a:rPr>
+              <a:t>TidyX</a:t>
+            </a:r>
+            <a:r>
+              <a:rPr lang="ro-RO" dirty="0">
+                <a:latin typeface="Avenir Book" charset="0"/>
+              </a:rPr>
+              <a:t> </a:t>
+            </a:r>
+            <a:r>
+              <a:rPr lang="ro-RO" dirty="0" err="1">
+                <a:latin typeface="Avenir Book" charset="0"/>
+              </a:rPr>
+              <a:t>Episode</a:t>
+            </a:r>
+            <a:r>
+              <a:rPr lang="ro-RO" dirty="0">
+                <a:latin typeface="Avenir Book" charset="0"/>
+              </a:rPr>
+              <a:t> 79 | </a:t>
+            </a:r>
+            <a:r>
+              <a:rPr lang="ro-RO" dirty="0" err="1">
+                <a:latin typeface="Avenir Book" charset="0"/>
+              </a:rPr>
+              <a:t>Tidymodels</a:t>
+            </a:r>
+            <a:r>
+              <a:rPr lang="ro-RO" dirty="0">
+                <a:latin typeface="Avenir Book" charset="0"/>
+              </a:rPr>
+              <a:t> - Cross-</a:t>
+            </a:r>
+            <a:r>
+              <a:rPr lang="ro-RO" dirty="0" err="1">
+                <a:latin typeface="Avenir Book" charset="0"/>
+              </a:rPr>
+              <a:t>Validation</a:t>
+            </a:r>
+            <a:r>
+              <a:rPr lang="ro-RO" dirty="0">
+                <a:latin typeface="Avenir Book" charset="0"/>
+              </a:rPr>
+              <a:t> </a:t>
+            </a:r>
+            <a:r>
+              <a:rPr lang="ro-RO" dirty="0" err="1">
+                <a:latin typeface="Avenir Book" charset="0"/>
+              </a:rPr>
+              <a:t>and</a:t>
+            </a:r>
+            <a:r>
+              <a:rPr lang="ro-RO" dirty="0">
+                <a:latin typeface="Avenir Book" charset="0"/>
+              </a:rPr>
+              <a:t> </a:t>
+            </a:r>
+            <a:r>
+              <a:rPr lang="ro-RO" dirty="0" err="1">
+                <a:latin typeface="Avenir Book" charset="0"/>
+              </a:rPr>
+              <a:t>Metrics</a:t>
+            </a:r>
+            <a:r>
+              <a:rPr lang="ro-RO" dirty="0">
+                <a:latin typeface="Avenir Book" charset="0"/>
+              </a:rPr>
+              <a:t> (2021)</a:t>
+            </a:r>
+          </a:p>
+          <a:p>
+            <a:pPr marL="402336" lvl="1" indent="0">
+              <a:lnSpc>
+                <a:spcPct val="130000"/>
+              </a:lnSpc>
+              <a:buNone/>
+            </a:pPr>
+            <a:r>
+              <a:rPr lang="ro-RO" dirty="0">
+                <a:latin typeface="Avenir Book" charset="0"/>
+                <a:hlinkClick r:id="rId6"/>
+              </a:rPr>
+              <a:t>https://www.youtube.com/watch?v=TU3XAWk1tHI&amp;list=PLdb0LTjA9iQyCgTd8MmRS38vYrRIzdx2j&amp;index=3</a:t>
+            </a:r>
             <a:endParaRPr lang="ro-RO" dirty="0">
               <a:latin typeface="Avenir Book" charset="0"/>
             </a:endParaRPr>
           </a:p>
           <a:p>
-            <a:pPr>
+            <a:pPr lvl="1">
               <a:lnSpc>
                 <a:spcPct val="130000"/>
               </a:lnSpc>
             </a:pPr>
-            <a:endParaRPr lang="en" dirty="0">
+            <a:r>
+              <a:rPr lang="ro-RO" sz="2400" dirty="0" err="1">
+                <a:latin typeface="Avenir Book" charset="0"/>
+              </a:rPr>
+              <a:t>TidyX</a:t>
+            </a:r>
+            <a:r>
+              <a:rPr lang="ro-RO" sz="2400" dirty="0">
+                <a:latin typeface="Avenir Book" charset="0"/>
+              </a:rPr>
+              <a:t> </a:t>
+            </a:r>
+            <a:r>
+              <a:rPr lang="ro-RO" sz="2400" dirty="0" err="1">
+                <a:latin typeface="Avenir Book" charset="0"/>
+              </a:rPr>
+              <a:t>Episode</a:t>
+            </a:r>
+            <a:r>
+              <a:rPr lang="ro-RO" sz="2400" dirty="0">
+                <a:latin typeface="Avenir Book" charset="0"/>
+              </a:rPr>
+              <a:t> 81 | </a:t>
+            </a:r>
+            <a:r>
+              <a:rPr lang="ro-RO" sz="2400" dirty="0" err="1">
+                <a:latin typeface="Avenir Book" charset="0"/>
+              </a:rPr>
+              <a:t>Tidymodels</a:t>
+            </a:r>
+            <a:r>
+              <a:rPr lang="ro-RO" sz="2400" dirty="0">
+                <a:latin typeface="Avenir Book" charset="0"/>
+              </a:rPr>
+              <a:t> - Logistic </a:t>
+            </a:r>
+            <a:r>
+              <a:rPr lang="ro-RO" sz="2400" dirty="0" err="1">
+                <a:latin typeface="Avenir Book" charset="0"/>
+              </a:rPr>
+              <a:t>Regression</a:t>
+            </a:r>
+            <a:r>
+              <a:rPr lang="ro-RO" sz="2400" dirty="0">
+                <a:latin typeface="Avenir Book" charset="0"/>
+              </a:rPr>
+              <a:t> </a:t>
+            </a:r>
+            <a:r>
+              <a:rPr lang="ro-RO" sz="2400" dirty="0" err="1">
+                <a:latin typeface="Avenir Book" charset="0"/>
+              </a:rPr>
+              <a:t>with</a:t>
+            </a:r>
+            <a:r>
+              <a:rPr lang="ro-RO" sz="2400" dirty="0">
+                <a:latin typeface="Avenir Book" charset="0"/>
+              </a:rPr>
+              <a:t> GLM (2021)</a:t>
+            </a:r>
+          </a:p>
+          <a:p>
+            <a:pPr marL="402336" lvl="1" indent="0">
+              <a:lnSpc>
+                <a:spcPct val="130000"/>
+              </a:lnSpc>
+              <a:buNone/>
+            </a:pPr>
+            <a:r>
+              <a:rPr lang="ro-RO" sz="2400" dirty="0">
+                <a:latin typeface="Avenir Book" charset="0"/>
+                <a:hlinkClick r:id="rId7"/>
+              </a:rPr>
+              <a:t>https://www.youtube.com/watch?v=5wlmNSIyHP4&amp;list=PLdb0LTjA9iQyCgTd8MmRS38vYrRIzdx2j&amp;index=5</a:t>
+            </a:r>
+            <a:endParaRPr lang="ro-RO" sz="2400" dirty="0">
               <a:latin typeface="Avenir Book" charset="0"/>
-            </a:endParaRPr>
-          </a:p>
-          <a:p>
-            <a:pPr marL="82296" indent="0">
-              <a:lnSpc>
-                <a:spcPct val="120000"/>
-              </a:lnSpc>
-              <a:buNone/>
-            </a:pPr>
-            <a:endParaRPr lang="en-US" sz="2300" dirty="0">
-              <a:latin typeface="Avenir Book" charset="0"/>
-              <a:ea typeface="Avenir Book" charset="0"/>
-              <a:cs typeface="Avenir Book" charset="0"/>
-            </a:endParaRPr>
-          </a:p>
-          <a:p>
-            <a:pPr marL="82296" indent="0">
-              <a:lnSpc>
-                <a:spcPct val="120000"/>
-              </a:lnSpc>
-              <a:buNone/>
-            </a:pPr>
-            <a:endParaRPr lang="en-US" sz="2300" dirty="0">
-              <a:latin typeface="Avenir Book" charset="0"/>
-              <a:ea typeface="Avenir Book" charset="0"/>
-              <a:cs typeface="Avenir Book" charset="0"/>
-            </a:endParaRPr>
-          </a:p>
-          <a:p>
-            <a:pPr marL="82296" indent="0">
-              <a:lnSpc>
-                <a:spcPct val="120000"/>
-              </a:lnSpc>
-              <a:buNone/>
-            </a:pPr>
-            <a:endParaRPr lang="en-US" sz="2300" dirty="0">
-              <a:latin typeface="Avenir Book" charset="0"/>
-              <a:ea typeface="Avenir Book" charset="0"/>
-              <a:cs typeface="Avenir Book" charset="0"/>
-            </a:endParaRPr>
-          </a:p>
-          <a:p>
-            <a:pPr marL="82296" indent="0">
-              <a:lnSpc>
-                <a:spcPct val="120000"/>
-              </a:lnSpc>
-              <a:buNone/>
-            </a:pPr>
-            <a:endParaRPr lang="en-US" dirty="0">
-              <a:latin typeface="Avenir Medium"/>
-              <a:cs typeface="Avenir Medium"/>
             </a:endParaRPr>
           </a:p>
         </p:txBody>
@@ -9408,7 +9767,7 @@
     </p:spTree>
     <p:extLst>
       <p:ext uri="{BB962C8B-B14F-4D97-AF65-F5344CB8AC3E}">
-        <p14:creationId xmlns:p14="http://schemas.microsoft.com/office/powerpoint/2010/main" val="3235619147"/>
+        <p14:creationId xmlns:p14="http://schemas.microsoft.com/office/powerpoint/2010/main" val="3793287598"/>
       </p:ext>
     </p:extLst>
   </p:cSld>
@@ -9456,7 +9815,7 @@
         </p:spPr>
         <p:txBody>
           <a:bodyPr anchor="ctr">
-            <a:normAutofit/>
+            <a:normAutofit fontScale="90000"/>
           </a:bodyPr>
           <a:lstStyle/>
           <a:p>
@@ -9483,7 +9842,7 @@
                 <a:ea typeface="Arial Unicode MS" panose="020B0604020202020204" pitchFamily="34" charset="-128"/>
                 <a:cs typeface="Arial Unicode MS" panose="020B0604020202020204" pitchFamily="34" charset="-128"/>
               </a:rPr>
-              <a:t>` framework</a:t>
+              <a:t>` framework (cont.)</a:t>
             </a:r>
           </a:p>
         </p:txBody>
@@ -9507,7 +9866,7 @@
         </p:spPr>
         <p:txBody>
           <a:bodyPr>
-            <a:normAutofit fontScale="55000" lnSpcReduction="20000"/>
+            <a:normAutofit fontScale="62500" lnSpcReduction="20000"/>
           </a:bodyPr>
           <a:lstStyle>
             <a:lvl1pPr marL="365760" indent="-283464" algn="l" eaLnBrk="1" latinLnBrk="0" hangingPunct="1">
@@ -9655,112 +10014,46 @@
               </a:lnSpc>
             </a:pPr>
             <a:r>
-              <a:rPr lang="ro-RO" dirty="0" err="1">
-                <a:latin typeface="Avenir Book" charset="0"/>
-              </a:rPr>
-              <a:t>Three</a:t>
-            </a:r>
-            <a:r>
-              <a:rPr lang="ro-RO" dirty="0">
+              <a:rPr lang="ro-RO" sz="3200" dirty="0">
+                <a:latin typeface="Avenir Book" charset="0"/>
+              </a:rPr>
+              <a:t>[2020-11-04] </a:t>
+            </a:r>
+            <a:r>
+              <a:rPr lang="ro-RO" sz="3200" dirty="0" err="1">
+                <a:latin typeface="Avenir Book" charset="0"/>
+              </a:rPr>
+              <a:t>Tidy</a:t>
+            </a:r>
+            <a:r>
+              <a:rPr lang="ro-RO" sz="3200" dirty="0">
                 <a:latin typeface="Avenir Book" charset="0"/>
               </a:rPr>
               <a:t> </a:t>
             </a:r>
             <a:r>
-              <a:rPr lang="ro-RO" dirty="0" err="1">
-                <a:latin typeface="Avenir Book" charset="0"/>
-              </a:rPr>
-              <a:t>reasons</a:t>
-            </a:r>
-            <a:r>
-              <a:rPr lang="ro-RO" dirty="0">
+              <a:rPr lang="ro-RO" sz="3200" dirty="0" err="1">
+                <a:latin typeface="Avenir Book" charset="0"/>
+              </a:rPr>
+              <a:t>Modeling</a:t>
+            </a:r>
+            <a:r>
+              <a:rPr lang="ro-RO" sz="3200" dirty="0">
                 <a:latin typeface="Avenir Book" charset="0"/>
               </a:rPr>
               <a:t> </a:t>
             </a:r>
             <a:r>
-              <a:rPr lang="ro-RO" dirty="0" err="1">
-                <a:latin typeface="Avenir Book" charset="0"/>
-              </a:rPr>
-              <a:t>to</a:t>
-            </a:r>
-            <a:r>
-              <a:rPr lang="ro-RO" dirty="0">
-                <a:latin typeface="Avenir Book" charset="0"/>
-              </a:rPr>
-              <a:t> </a:t>
-            </a:r>
-            <a:r>
-              <a:rPr lang="ro-RO" dirty="0" err="1">
-                <a:latin typeface="Avenir Book" charset="0"/>
-              </a:rPr>
-              <a:t>use</a:t>
-            </a:r>
-            <a:r>
-              <a:rPr lang="ro-RO" dirty="0">
-                <a:latin typeface="Avenir Book" charset="0"/>
-              </a:rPr>
-              <a:t> </a:t>
-            </a:r>
-            <a:r>
-              <a:rPr lang="ro-RO" dirty="0" err="1">
-                <a:latin typeface="Avenir Book" charset="0"/>
-              </a:rPr>
-              <a:t>Tidymodels</a:t>
-            </a:r>
-            <a:r>
-              <a:rPr lang="ro-RO" dirty="0">
-                <a:latin typeface="Avenir Book" charset="0"/>
-              </a:rPr>
-              <a:t> — Julia </a:t>
-            </a:r>
-            <a:r>
-              <a:rPr lang="ro-RO" dirty="0" err="1">
-                <a:latin typeface="Avenir Book" charset="0"/>
-              </a:rPr>
-              <a:t>Silge</a:t>
-            </a:r>
-            <a:r>
-              <a:rPr lang="ro-RO" dirty="0">
-                <a:latin typeface="Avenir Book" charset="0"/>
-              </a:rPr>
-              <a:t> — R-</a:t>
-            </a:r>
-            <a:r>
-              <a:rPr lang="ro-RO" dirty="0" err="1">
-                <a:latin typeface="Avenir Book" charset="0"/>
-              </a:rPr>
-              <a:t>Ladies</a:t>
-            </a:r>
-            <a:r>
-              <a:rPr lang="ro-RO" dirty="0">
-                <a:latin typeface="Avenir Book" charset="0"/>
-              </a:rPr>
-              <a:t> </a:t>
-            </a:r>
-            <a:r>
-              <a:rPr lang="ro-RO" dirty="0" err="1">
-                <a:latin typeface="Avenir Book" charset="0"/>
-              </a:rPr>
-              <a:t>East</a:t>
-            </a:r>
-            <a:r>
-              <a:rPr lang="ro-RO" dirty="0">
-                <a:latin typeface="Avenir Book" charset="0"/>
-              </a:rPr>
-              <a:t> </a:t>
-            </a:r>
-            <a:r>
-              <a:rPr lang="ro-RO" dirty="0" err="1">
-                <a:latin typeface="Avenir Book" charset="0"/>
-              </a:rPr>
-              <a:t>Lansing</a:t>
-            </a:r>
-            <a:r>
-              <a:rPr lang="ro-RO" dirty="0">
-                <a:latin typeface="Avenir Book" charset="0"/>
-              </a:rPr>
-              <a:t> (English) (2022)</a:t>
+              <a:rPr lang="ro-RO" sz="3200" dirty="0" err="1">
+                <a:latin typeface="Avenir Book" charset="0"/>
+              </a:rPr>
+              <a:t>with</a:t>
+            </a:r>
+            <a:r>
+              <a:rPr lang="ro-RO" sz="3200" dirty="0">
+                <a:latin typeface="Avenir Book" charset="0"/>
+              </a:rPr>
+              <a:t> R</a:t>
             </a:r>
           </a:p>
           <a:p>
@@ -9771,13 +10064,13 @@
               <a:buNone/>
             </a:pPr>
             <a:r>
-              <a:rPr lang="ro-RO" sz="2800" dirty="0">
+              <a:rPr lang="ro-RO" sz="3200" dirty="0">
                 <a:latin typeface="Avenir Book" charset="0"/>
                 <a:hlinkClick r:id="rId2"/>
               </a:rPr>
-              <a:t>https://www.youtube.com/watch?v=86KaMXHuzK4</a:t>
-            </a:r>
-            <a:endParaRPr lang="ro-RO" dirty="0">
+              <a:t>https://www.youtube.com/watch?v=SwVpUrSbyYs</a:t>
+            </a:r>
+            <a:endParaRPr lang="ro-RO" sz="3200" dirty="0">
               <a:latin typeface="Avenir Book" charset="0"/>
             </a:endParaRPr>
           </a:p>
@@ -9788,100 +10081,76 @@
               </a:lnSpc>
             </a:pPr>
             <a:r>
-              <a:rPr lang="ro-RO" dirty="0" err="1">
-                <a:latin typeface="Avenir Book" charset="0"/>
-              </a:rPr>
-              <a:t>Introduction</a:t>
-            </a:r>
-            <a:r>
-              <a:rPr lang="ro-RO" dirty="0">
+              <a:rPr lang="ro-RO" sz="3200" dirty="0" err="1">
+                <a:latin typeface="Avenir Book" charset="0"/>
+              </a:rPr>
+              <a:t>Modeling</a:t>
+            </a:r>
+            <a:r>
+              <a:rPr lang="ro-RO" sz="3200" dirty="0">
+                <a:latin typeface="Avenir Book" charset="0"/>
+              </a:rPr>
+              <a:t> hotel </a:t>
+            </a:r>
+            <a:r>
+              <a:rPr lang="ro-RO" sz="3200" dirty="0" err="1">
+                <a:latin typeface="Avenir Book" charset="0"/>
+              </a:rPr>
+              <a:t>bookings</a:t>
+            </a:r>
+            <a:r>
+              <a:rPr lang="ro-RO" sz="3200" dirty="0">
+                <a:latin typeface="Avenir Book" charset="0"/>
+              </a:rPr>
+              <a:t> in R </a:t>
+            </a:r>
+            <a:r>
+              <a:rPr lang="ro-RO" sz="3200" dirty="0" err="1">
+                <a:latin typeface="Avenir Book" charset="0"/>
+              </a:rPr>
+              <a:t>using</a:t>
+            </a:r>
+            <a:r>
+              <a:rPr lang="ro-RO" sz="3200" dirty="0">
                 <a:latin typeface="Avenir Book" charset="0"/>
               </a:rPr>
               <a:t> </a:t>
             </a:r>
             <a:r>
-              <a:rPr lang="ro-RO" dirty="0" err="1">
-                <a:latin typeface="Avenir Book" charset="0"/>
-              </a:rPr>
-              <a:t>to</a:t>
-            </a:r>
-            <a:r>
-              <a:rPr lang="ro-RO" dirty="0">
+              <a:rPr lang="ro-RO" sz="3200" dirty="0" err="1">
+                <a:latin typeface="Avenir Book" charset="0"/>
+              </a:rPr>
+              <a:t>tidymodels</a:t>
+            </a:r>
+            <a:r>
+              <a:rPr lang="ro-RO" sz="3200" dirty="0">
                 <a:latin typeface="Avenir Book" charset="0"/>
               </a:rPr>
               <a:t> </a:t>
             </a:r>
             <a:r>
-              <a:rPr lang="ro-RO" dirty="0" err="1">
-                <a:latin typeface="Avenir Book" charset="0"/>
-              </a:rPr>
-              <a:t>Machine</a:t>
-            </a:r>
-            <a:r>
-              <a:rPr lang="ro-RO" dirty="0">
+              <a:rPr lang="ro-RO" sz="3200" dirty="0" err="1">
+                <a:latin typeface="Avenir Book" charset="0"/>
+              </a:rPr>
+              <a:t>and</a:t>
+            </a:r>
+            <a:r>
+              <a:rPr lang="ro-RO" sz="3200" dirty="0">
                 <a:latin typeface="Avenir Book" charset="0"/>
               </a:rPr>
               <a:t> </a:t>
             </a:r>
             <a:r>
-              <a:rPr lang="ro-RO" dirty="0" err="1">
-                <a:latin typeface="Avenir Book" charset="0"/>
-              </a:rPr>
-              <a:t>Learning</a:t>
-            </a:r>
-            <a:r>
-              <a:rPr lang="ro-RO" dirty="0">
-                <a:latin typeface="Avenir Book" charset="0"/>
-              </a:rPr>
-              <a:t> </a:t>
-            </a:r>
-            <a:r>
-              <a:rPr lang="ro-RO" dirty="0" err="1">
-                <a:latin typeface="Avenir Book" charset="0"/>
-              </a:rPr>
-              <a:t>with</a:t>
-            </a:r>
-            <a:r>
-              <a:rPr lang="ro-RO" dirty="0">
-                <a:latin typeface="Avenir Book" charset="0"/>
-              </a:rPr>
-              <a:t> </a:t>
-            </a:r>
-            <a:r>
-              <a:rPr lang="ro-RO" dirty="0" err="1">
-                <a:latin typeface="Avenir Book" charset="0"/>
-              </a:rPr>
-              <a:t>the</a:t>
-            </a:r>
-            <a:r>
-              <a:rPr lang="ro-RO" dirty="0">
-                <a:latin typeface="Avenir Book" charset="0"/>
-              </a:rPr>
-              <a:t> </a:t>
-            </a:r>
-            <a:r>
-              <a:rPr lang="ro-RO" dirty="0" err="1">
-                <a:latin typeface="Avenir Book" charset="0"/>
-              </a:rPr>
-              <a:t>Tidyverse</a:t>
-            </a:r>
-            <a:r>
-              <a:rPr lang="ro-RO" dirty="0">
-                <a:latin typeface="Avenir Book" charset="0"/>
-              </a:rPr>
-              <a:t> (</a:t>
-            </a:r>
-            <a:r>
-              <a:rPr lang="ro-RO" dirty="0" err="1">
-                <a:latin typeface="Avenir Book" charset="0"/>
-              </a:rPr>
-              <a:t>Alison</a:t>
-            </a:r>
-            <a:r>
-              <a:rPr lang="ro-RO" dirty="0">
-                <a:latin typeface="Avenir Book" charset="0"/>
-              </a:rPr>
-              <a:t> Hill, 2020)</a:t>
+              <a:rPr lang="ro-RO" sz="3200" dirty="0" err="1">
+                <a:latin typeface="Avenir Book" charset="0"/>
+              </a:rPr>
+              <a:t>recipes</a:t>
+            </a:r>
+            <a:r>
+              <a:rPr lang="ro-RO" sz="3200" dirty="0">
+                <a:latin typeface="Avenir Book" charset="0"/>
+              </a:rPr>
+              <a:t> (2020)</a:t>
             </a:r>
           </a:p>
           <a:p>
@@ -9892,879 +10161,106 @@
               <a:buNone/>
             </a:pPr>
             <a:r>
-              <a:rPr lang="ro-RO" sz="2100" dirty="0">
+              <a:rPr lang="ro-RO" sz="2600" dirty="0">
                 <a:latin typeface="Avenir Book" charset="0"/>
                 <a:hlinkClick r:id="rId3"/>
               </a:rPr>
-              <a:t>https://education.rstudio.com/blog/2020/02/conf20-intro-ml/</a:t>
-            </a:r>
-            <a:endParaRPr lang="ro-RO" sz="2100" dirty="0">
-              <a:latin typeface="Avenir Book" charset="0"/>
-            </a:endParaRPr>
-          </a:p>
-          <a:p>
-            <a:pPr marL="82296" indent="0">
-              <a:lnSpc>
-                <a:spcPct val="130000"/>
-              </a:lnSpc>
-              <a:buNone/>
-            </a:pPr>
-            <a:endParaRPr lang="ro-RO" sz="1100" dirty="0">
-              <a:latin typeface="Avenir Book" charset="0"/>
-            </a:endParaRPr>
-          </a:p>
-          <a:p>
-            <a:pPr>
-              <a:lnSpc>
-                <a:spcPct val="130000"/>
-              </a:lnSpc>
-            </a:pPr>
-            <a:r>
-              <a:rPr lang="ro-RO" dirty="0">
-                <a:latin typeface="Avenir Book" charset="0"/>
-              </a:rPr>
-              <a:t>[2020-11-04] </a:t>
-            </a:r>
-            <a:r>
-              <a:rPr lang="ro-RO" dirty="0" err="1">
-                <a:latin typeface="Avenir Book" charset="0"/>
-              </a:rPr>
-              <a:t>Tidy</a:t>
-            </a:r>
-            <a:r>
-              <a:rPr lang="ro-RO" dirty="0">
-                <a:latin typeface="Avenir Book" charset="0"/>
-              </a:rPr>
-              <a:t> </a:t>
-            </a:r>
-            <a:r>
-              <a:rPr lang="ro-RO" dirty="0" err="1">
-                <a:latin typeface="Avenir Book" charset="0"/>
-              </a:rPr>
-              <a:t>Modeling</a:t>
-            </a:r>
-            <a:r>
-              <a:rPr lang="ro-RO" dirty="0">
-                <a:latin typeface="Avenir Book" charset="0"/>
-              </a:rPr>
-              <a:t> </a:t>
-            </a:r>
-            <a:r>
-              <a:rPr lang="ro-RO" dirty="0" err="1">
-                <a:latin typeface="Avenir Book" charset="0"/>
-              </a:rPr>
-              <a:t>with</a:t>
-            </a:r>
-            <a:r>
-              <a:rPr lang="ro-RO" dirty="0">
-                <a:latin typeface="Avenir Book" charset="0"/>
-              </a:rPr>
-              <a:t> R</a:t>
-            </a:r>
-          </a:p>
-          <a:p>
-            <a:pPr marL="82296" indent="0">
-              <a:lnSpc>
-                <a:spcPct val="130000"/>
-              </a:lnSpc>
-              <a:buNone/>
-            </a:pPr>
-            <a:r>
-              <a:rPr lang="ro-RO" sz="2600" dirty="0">
-                <a:latin typeface="Avenir Book" charset="0"/>
-                <a:hlinkClick r:id="rId4"/>
-              </a:rPr>
-              <a:t>https://www.youtube.com/watch?v=SwVpUrSbyYs</a:t>
+              <a:t>https://www.youtube.com/watch?v=dbXDkEEuvCU</a:t>
             </a:r>
             <a:endParaRPr lang="ro-RO" sz="2600" dirty="0">
               <a:latin typeface="Avenir Book" charset="0"/>
             </a:endParaRPr>
           </a:p>
           <a:p>
+            <a:pPr>
+              <a:lnSpc>
+                <a:spcPct val="130000"/>
+              </a:lnSpc>
+            </a:pPr>
+            <a:r>
+              <a:rPr lang="ro-RO" sz="3400" dirty="0" err="1">
+                <a:latin typeface="Avenir Book" charset="0"/>
+              </a:rPr>
+              <a:t>Cooking</a:t>
+            </a:r>
+            <a:r>
+              <a:rPr lang="ro-RO" sz="3400" dirty="0">
+                <a:latin typeface="Avenir Book" charset="0"/>
+              </a:rPr>
+              <a:t> </a:t>
+            </a:r>
+            <a:r>
+              <a:rPr lang="ro-RO" sz="3400" dirty="0" err="1">
+                <a:latin typeface="Avenir Book" charset="0"/>
+              </a:rPr>
+              <a:t>Your</a:t>
+            </a:r>
+            <a:r>
+              <a:rPr lang="ro-RO" sz="3400" dirty="0">
+                <a:latin typeface="Avenir Book" charset="0"/>
+              </a:rPr>
+              <a:t> Data </a:t>
+            </a:r>
+            <a:r>
+              <a:rPr lang="ro-RO" sz="3400" dirty="0" err="1">
+                <a:latin typeface="Avenir Book" charset="0"/>
+              </a:rPr>
+              <a:t>with</a:t>
+            </a:r>
+            <a:r>
+              <a:rPr lang="ro-RO" sz="3400" dirty="0">
+                <a:latin typeface="Avenir Book" charset="0"/>
+              </a:rPr>
+              <a:t> </a:t>
+            </a:r>
+            <a:r>
+              <a:rPr lang="ro-RO" sz="3400" dirty="0" err="1">
+                <a:latin typeface="Avenir Book" charset="0"/>
+              </a:rPr>
+              <a:t>Recipes</a:t>
+            </a:r>
+            <a:r>
+              <a:rPr lang="ro-RO" sz="3400" dirty="0">
+                <a:latin typeface="Avenir Book" charset="0"/>
+              </a:rPr>
+              <a:t> in R </a:t>
+            </a:r>
+            <a:r>
+              <a:rPr lang="ro-RO" sz="3400" dirty="0" err="1">
+                <a:latin typeface="Avenir Book" charset="0"/>
+              </a:rPr>
+              <a:t>with</a:t>
+            </a:r>
+            <a:r>
+              <a:rPr lang="ro-RO" sz="3400" dirty="0">
+                <a:latin typeface="Avenir Book" charset="0"/>
+              </a:rPr>
+              <a:t> Max </a:t>
+            </a:r>
+            <a:r>
+              <a:rPr lang="ro-RO" sz="3400" dirty="0" err="1">
+                <a:latin typeface="Avenir Book" charset="0"/>
+              </a:rPr>
+              <a:t>Kuhn</a:t>
+            </a:r>
+            <a:r>
+              <a:rPr lang="ro-RO" sz="3400" dirty="0">
+                <a:latin typeface="Avenir Book" charset="0"/>
+              </a:rPr>
+              <a:t> (2021)</a:t>
+            </a:r>
+          </a:p>
+          <a:p>
             <a:pPr marL="82296" indent="0">
               <a:lnSpc>
                 <a:spcPct val="130000"/>
               </a:lnSpc>
               <a:buNone/>
             </a:pPr>
-            <a:endParaRPr lang="ro-RO" sz="1100" dirty="0">
-              <a:latin typeface="Avenir Book" charset="0"/>
-            </a:endParaRPr>
-          </a:p>
-          <a:p>
-            <a:pPr>
-              <a:lnSpc>
-                <a:spcPct val="130000"/>
-              </a:lnSpc>
-            </a:pPr>
-            <a:r>
-              <a:rPr lang="ro-RO" dirty="0" err="1">
-                <a:latin typeface="Avenir Book" charset="0"/>
-              </a:rPr>
-              <a:t>TidyX</a:t>
-            </a:r>
-            <a:r>
-              <a:rPr lang="ro-RO" dirty="0">
-                <a:latin typeface="Avenir Book" charset="0"/>
-              </a:rPr>
-              <a:t> </a:t>
-            </a:r>
-            <a:r>
-              <a:rPr lang="ro-RO" dirty="0" err="1">
-                <a:latin typeface="Avenir Book" charset="0"/>
-              </a:rPr>
-              <a:t>Tidymodels</a:t>
-            </a:r>
-            <a:r>
-              <a:rPr lang="ro-RO" dirty="0">
-                <a:latin typeface="Avenir Book" charset="0"/>
-              </a:rPr>
-              <a:t> </a:t>
-            </a:r>
-            <a:r>
-              <a:rPr lang="ro-RO" sz="2500" dirty="0">
-                <a:latin typeface="Avenir Book" charset="0"/>
-              </a:rPr>
-              <a:t>(</a:t>
-            </a:r>
-            <a:r>
-              <a:rPr lang="ro-RO" sz="2500" dirty="0" err="1">
-                <a:latin typeface="Avenir Book" charset="0"/>
-              </a:rPr>
-              <a:t>https</a:t>
-            </a:r>
-            <a:r>
-              <a:rPr lang="ro-RO" sz="2500" dirty="0">
-                <a:latin typeface="Avenir Book" charset="0"/>
-              </a:rPr>
-              <a:t>://</a:t>
-            </a:r>
-            <a:r>
-              <a:rPr lang="ro-RO" sz="2500" dirty="0" err="1">
-                <a:latin typeface="Avenir Book" charset="0"/>
-              </a:rPr>
-              <a:t>www.youtube.com</a:t>
-            </a:r>
-            <a:r>
-              <a:rPr lang="ro-RO" sz="2500" dirty="0">
-                <a:latin typeface="Avenir Book" charset="0"/>
-              </a:rPr>
-              <a:t>/</a:t>
-            </a:r>
-            <a:r>
-              <a:rPr lang="ro-RO" sz="2500" dirty="0" err="1">
-                <a:latin typeface="Avenir Book" charset="0"/>
-              </a:rPr>
-              <a:t>playlist?list</a:t>
-            </a:r>
-            <a:r>
-              <a:rPr lang="ro-RO" sz="2500" dirty="0">
-                <a:latin typeface="Avenir Book" charset="0"/>
-              </a:rPr>
-              <a:t>=PLdb0LTjA9iQyCgTd8MmRS38vYrRIzdx2j)</a:t>
-            </a:r>
-          </a:p>
-          <a:p>
-            <a:pPr lvl="1">
-              <a:lnSpc>
-                <a:spcPct val="130000"/>
-              </a:lnSpc>
-            </a:pPr>
-            <a:r>
-              <a:rPr lang="ro-RO" dirty="0" err="1">
-                <a:latin typeface="Avenir Book" charset="0"/>
-              </a:rPr>
-              <a:t>TidyX</a:t>
-            </a:r>
-            <a:r>
-              <a:rPr lang="ro-RO" dirty="0">
-                <a:latin typeface="Avenir Book" charset="0"/>
-              </a:rPr>
-              <a:t> </a:t>
-            </a:r>
-            <a:r>
-              <a:rPr lang="ro-RO" dirty="0" err="1">
-                <a:latin typeface="Avenir Book" charset="0"/>
-              </a:rPr>
-              <a:t>Episode</a:t>
-            </a:r>
-            <a:r>
-              <a:rPr lang="ro-RO" dirty="0">
-                <a:latin typeface="Avenir Book" charset="0"/>
-              </a:rPr>
-              <a:t> 77 | </a:t>
-            </a:r>
-            <a:r>
-              <a:rPr lang="ro-RO" dirty="0" err="1">
-                <a:latin typeface="Avenir Book" charset="0"/>
-              </a:rPr>
-              <a:t>Tidymodels</a:t>
-            </a:r>
-            <a:r>
-              <a:rPr lang="ro-RO" dirty="0">
-                <a:latin typeface="Avenir Book" charset="0"/>
-              </a:rPr>
-              <a:t> – LM (2021)</a:t>
-            </a:r>
-          </a:p>
-          <a:p>
-            <a:pPr marL="402336" lvl="1" indent="0">
-              <a:lnSpc>
-                <a:spcPct val="130000"/>
-              </a:lnSpc>
-              <a:buNone/>
-            </a:pPr>
-            <a:r>
-              <a:rPr lang="ro-RO" dirty="0">
-                <a:latin typeface="Avenir Book" charset="0"/>
-                <a:hlinkClick r:id="rId5"/>
-              </a:rPr>
-              <a:t>https://www.youtube.com/watch?v=_yPsbxoeRUk&amp;list=PLdb0LTjA9iQyCgTd8MmRS38vYrRIzdx2j</a:t>
-            </a:r>
-            <a:endParaRPr lang="ro-RO" dirty="0">
-              <a:latin typeface="Avenir Book" charset="0"/>
-            </a:endParaRPr>
-          </a:p>
-          <a:p>
-            <a:pPr lvl="1">
-              <a:lnSpc>
-                <a:spcPct val="130000"/>
-              </a:lnSpc>
-            </a:pPr>
-            <a:r>
-              <a:rPr lang="ro-RO" dirty="0" err="1">
-                <a:latin typeface="Avenir Book" charset="0"/>
-              </a:rPr>
-              <a:t>TidyX</a:t>
-            </a:r>
-            <a:r>
-              <a:rPr lang="ro-RO" dirty="0">
-                <a:latin typeface="Avenir Book" charset="0"/>
-              </a:rPr>
-              <a:t> </a:t>
-            </a:r>
-            <a:r>
-              <a:rPr lang="ro-RO" dirty="0" err="1">
-                <a:latin typeface="Avenir Book" charset="0"/>
-              </a:rPr>
-              <a:t>Episode</a:t>
-            </a:r>
-            <a:r>
-              <a:rPr lang="ro-RO" dirty="0">
-                <a:latin typeface="Avenir Book" charset="0"/>
-              </a:rPr>
-              <a:t> 78 | </a:t>
-            </a:r>
-            <a:r>
-              <a:rPr lang="ro-RO" dirty="0" err="1">
-                <a:latin typeface="Avenir Book" charset="0"/>
-              </a:rPr>
-              <a:t>Tidymodels</a:t>
-            </a:r>
-            <a:r>
-              <a:rPr lang="ro-RO" dirty="0">
-                <a:latin typeface="Avenir Book" charset="0"/>
-              </a:rPr>
-              <a:t> - </a:t>
-            </a:r>
-            <a:r>
-              <a:rPr lang="ro-RO" dirty="0" err="1">
-                <a:latin typeface="Avenir Book" charset="0"/>
-              </a:rPr>
-              <a:t>Splits</a:t>
-            </a:r>
-            <a:r>
-              <a:rPr lang="ro-RO" dirty="0">
-                <a:latin typeface="Avenir Book" charset="0"/>
-              </a:rPr>
-              <a:t> </a:t>
-            </a:r>
-            <a:r>
-              <a:rPr lang="ro-RO" dirty="0" err="1">
-                <a:latin typeface="Avenir Book" charset="0"/>
-              </a:rPr>
-              <a:t>and</a:t>
-            </a:r>
-            <a:r>
-              <a:rPr lang="ro-RO" dirty="0">
-                <a:latin typeface="Avenir Book" charset="0"/>
-              </a:rPr>
-              <a:t> </a:t>
-            </a:r>
-            <a:r>
-              <a:rPr lang="ro-RO" dirty="0" err="1">
-                <a:latin typeface="Avenir Book" charset="0"/>
-              </a:rPr>
-              <a:t>Recipes</a:t>
-            </a:r>
-            <a:r>
-              <a:rPr lang="ro-RO" dirty="0">
-                <a:latin typeface="Avenir Book" charset="0"/>
-              </a:rPr>
-              <a:t> (2021)</a:t>
-            </a:r>
-          </a:p>
-          <a:p>
-            <a:pPr marL="402336" lvl="1" indent="0">
-              <a:lnSpc>
-                <a:spcPct val="130000"/>
-              </a:lnSpc>
-              <a:buNone/>
-            </a:pPr>
-            <a:r>
-              <a:rPr lang="ro-RO" dirty="0">
-                <a:latin typeface="Avenir Book" charset="0"/>
-                <a:hlinkClick r:id="rId6"/>
-              </a:rPr>
-              <a:t>https://www.youtube.com/watch?v=oRq_ktTvda4&amp;list=PLdb0LTjA9iQyCgTd8MmRS38vYrRIzdx2j&amp;index=2</a:t>
-            </a:r>
-            <a:endParaRPr lang="ro-RO" dirty="0">
-              <a:latin typeface="Avenir Book" charset="0"/>
-            </a:endParaRPr>
-          </a:p>
-          <a:p>
-            <a:pPr lvl="1">
-              <a:lnSpc>
-                <a:spcPct val="130000"/>
-              </a:lnSpc>
-            </a:pPr>
-            <a:r>
-              <a:rPr lang="ro-RO" dirty="0" err="1">
-                <a:latin typeface="Avenir Book" charset="0"/>
-              </a:rPr>
-              <a:t>idyX</a:t>
-            </a:r>
-            <a:r>
-              <a:rPr lang="ro-RO" dirty="0">
-                <a:latin typeface="Avenir Book" charset="0"/>
-              </a:rPr>
-              <a:t> </a:t>
-            </a:r>
-            <a:r>
-              <a:rPr lang="ro-RO" dirty="0" err="1">
-                <a:latin typeface="Avenir Book" charset="0"/>
-              </a:rPr>
-              <a:t>Episode</a:t>
-            </a:r>
-            <a:r>
-              <a:rPr lang="ro-RO" dirty="0">
-                <a:latin typeface="Avenir Book" charset="0"/>
-              </a:rPr>
-              <a:t> 79 | </a:t>
-            </a:r>
-            <a:r>
-              <a:rPr lang="ro-RO" dirty="0" err="1">
-                <a:latin typeface="Avenir Book" charset="0"/>
-              </a:rPr>
-              <a:t>Tidymodels</a:t>
-            </a:r>
-            <a:r>
-              <a:rPr lang="ro-RO" dirty="0">
-                <a:latin typeface="Avenir Book" charset="0"/>
-              </a:rPr>
-              <a:t> - Cross-</a:t>
-            </a:r>
-            <a:r>
-              <a:rPr lang="ro-RO" dirty="0" err="1">
-                <a:latin typeface="Avenir Book" charset="0"/>
-              </a:rPr>
-              <a:t>Validation</a:t>
-            </a:r>
-            <a:r>
-              <a:rPr lang="ro-RO" dirty="0">
-                <a:latin typeface="Avenir Book" charset="0"/>
-              </a:rPr>
-              <a:t> </a:t>
-            </a:r>
-            <a:r>
-              <a:rPr lang="ro-RO" dirty="0" err="1">
-                <a:latin typeface="Avenir Book" charset="0"/>
-              </a:rPr>
-              <a:t>and</a:t>
-            </a:r>
-            <a:r>
-              <a:rPr lang="ro-RO" dirty="0">
-                <a:latin typeface="Avenir Book" charset="0"/>
-              </a:rPr>
-              <a:t> </a:t>
-            </a:r>
-            <a:r>
-              <a:rPr lang="ro-RO" dirty="0" err="1">
-                <a:latin typeface="Avenir Book" charset="0"/>
-              </a:rPr>
-              <a:t>Metrics</a:t>
-            </a:r>
-            <a:r>
-              <a:rPr lang="ro-RO" dirty="0">
-                <a:latin typeface="Avenir Book" charset="0"/>
-              </a:rPr>
-              <a:t> (2021)</a:t>
-            </a:r>
-          </a:p>
-          <a:p>
-            <a:pPr marL="402336" lvl="1" indent="0">
-              <a:lnSpc>
-                <a:spcPct val="130000"/>
-              </a:lnSpc>
-              <a:buNone/>
-            </a:pPr>
-            <a:r>
-              <a:rPr lang="ro-RO" dirty="0">
-                <a:latin typeface="Avenir Book" charset="0"/>
-                <a:hlinkClick r:id="rId7"/>
-              </a:rPr>
-              <a:t>https://www.youtube.com/watch?v=TU3XAWk1tHI&amp;list=PLdb0LTjA9iQyCgTd8MmRS38vYrRIzdx2j&amp;index=3</a:t>
-            </a:r>
-            <a:endParaRPr lang="en-US" sz="2300" dirty="0">
-              <a:latin typeface="Avenir Book" charset="0"/>
-              <a:ea typeface="Avenir Book" charset="0"/>
-              <a:cs typeface="Avenir Book" charset="0"/>
-            </a:endParaRPr>
-          </a:p>
-          <a:p>
-            <a:pPr marL="82296" indent="0">
-              <a:lnSpc>
-                <a:spcPct val="120000"/>
-              </a:lnSpc>
-              <a:buNone/>
-            </a:pPr>
-            <a:endParaRPr lang="en-US" dirty="0">
-              <a:latin typeface="Avenir Medium"/>
-              <a:cs typeface="Avenir Medium"/>
-            </a:endParaRPr>
-          </a:p>
-        </p:txBody>
-      </p:sp>
-    </p:spTree>
-    <p:extLst>
-      <p:ext uri="{BB962C8B-B14F-4D97-AF65-F5344CB8AC3E}">
-        <p14:creationId xmlns:p14="http://schemas.microsoft.com/office/powerpoint/2010/main" val="3793287598"/>
-      </p:ext>
-    </p:extLst>
-  </p:cSld>
-  <p:clrMapOvr>
-    <a:masterClrMapping/>
-  </p:clrMapOvr>
-  <p:transition>
-    <p:random/>
-  </p:transition>
-</p:sld>
-</file>
-
-<file path=ppt/slides/slide19.xml><?xml version="1.0" encoding="utf-8"?>
-<p:sld xmlns:a="http://schemas.openxmlformats.org/drawingml/2006/main" xmlns:r="http://schemas.openxmlformats.org/officeDocument/2006/relationships" xmlns:p="http://schemas.openxmlformats.org/presentationml/2006/main">
-  <p:cSld>
-    <p:spTree>
-      <p:nvGrpSpPr>
-        <p:cNvPr id="1" name=""/>
-        <p:cNvGrpSpPr/>
-        <p:nvPr/>
-      </p:nvGrpSpPr>
-      <p:grpSpPr>
-        <a:xfrm>
-          <a:off x="0" y="0"/>
-          <a:ext cx="0" cy="0"/>
-          <a:chOff x="0" y="0"/>
-          <a:chExt cx="0" cy="0"/>
-        </a:xfrm>
-      </p:grpSpPr>
-      <p:sp>
-        <p:nvSpPr>
-          <p:cNvPr id="2" name="Title 1"/>
-          <p:cNvSpPr>
-            <a:spLocks noGrp="1"/>
-          </p:cNvSpPr>
-          <p:nvPr>
-            <p:ph type="title"/>
-          </p:nvPr>
-        </p:nvSpPr>
-        <p:spPr>
-          <a:xfrm>
-            <a:off x="0" y="76200"/>
-            <a:ext cx="9144000" cy="1143000"/>
-          </a:xfrm>
-        </p:spPr>
-        <p:txBody>
-          <a:bodyPr anchor="ctr">
-            <a:normAutofit fontScale="90000"/>
-          </a:bodyPr>
-          <a:lstStyle/>
-          <a:p>
-            <a:pPr algn="ctr"/>
-            <a:r>
-              <a:rPr lang="en-US" sz="3600" b="1" dirty="0">
-                <a:latin typeface="Arial Unicode MS" panose="020B0604020202020204" pitchFamily="34" charset="-128"/>
-                <a:ea typeface="Arial Unicode MS" panose="020B0604020202020204" pitchFamily="34" charset="-128"/>
-                <a:cs typeface="Arial Unicode MS" panose="020B0604020202020204" pitchFamily="34" charset="-128"/>
-              </a:rPr>
-              <a:t>Resources on `</a:t>
-            </a:r>
-            <a:r>
-              <a:rPr lang="en-US" sz="3600" b="1" dirty="0" err="1">
-                <a:latin typeface="Arial Unicode MS" panose="020B0604020202020204" pitchFamily="34" charset="-128"/>
-                <a:ea typeface="Arial Unicode MS" panose="020B0604020202020204" pitchFamily="34" charset="-128"/>
-                <a:cs typeface="Arial Unicode MS" panose="020B0604020202020204" pitchFamily="34" charset="-128"/>
-              </a:rPr>
-              <a:t>tidymodels</a:t>
-            </a:r>
-            <a:r>
-              <a:rPr lang="en-US" sz="3600" b="1" dirty="0">
-                <a:latin typeface="Arial Unicode MS" panose="020B0604020202020204" pitchFamily="34" charset="-128"/>
-                <a:ea typeface="Arial Unicode MS" panose="020B0604020202020204" pitchFamily="34" charset="-128"/>
-                <a:cs typeface="Arial Unicode MS" panose="020B0604020202020204" pitchFamily="34" charset="-128"/>
-              </a:rPr>
-              <a:t>` framework (cont.)</a:t>
-            </a:r>
-          </a:p>
-        </p:txBody>
-      </p:sp>
-      <p:sp>
-        <p:nvSpPr>
-          <p:cNvPr id="7" name="Text Placeholder 2"/>
-          <p:cNvSpPr txBox="1">
-            <a:spLocks/>
-          </p:cNvSpPr>
-          <p:nvPr/>
-        </p:nvSpPr>
-        <p:spPr>
-          <a:xfrm>
-            <a:off x="685800" y="1828800"/>
-            <a:ext cx="8458200" cy="5029200"/>
-          </a:xfrm>
-          <a:prstGeom prst="rect">
-            <a:avLst/>
-          </a:prstGeom>
-        </p:spPr>
-        <p:txBody>
-          <a:bodyPr>
-            <a:normAutofit fontScale="62500" lnSpcReduction="20000"/>
-          </a:bodyPr>
-          <a:lstStyle>
-            <a:lvl1pPr marL="365760" indent="-283464" algn="l" eaLnBrk="1" latinLnBrk="0" hangingPunct="1">
-              <a:lnSpc>
-                <a:spcPct val="100000"/>
-              </a:lnSpc>
-              <a:spcBef>
-                <a:spcPts val="600"/>
-              </a:spcBef>
-              <a:buClr>
-                <a:schemeClr val="accent1"/>
-              </a:buClr>
-              <a:buSzPct val="80000"/>
-              <a:buFont typeface="Wingdings 2"/>
-              <a:buChar char=""/>
-              <a:defRPr kumimoji="0" sz="3000">
-                <a:latin typeface="+mn-lt"/>
-              </a:defRPr>
-            </a:lvl1pPr>
-            <a:lvl2pPr marL="640080" lvl="1" indent="-237744" algn="l" eaLnBrk="1" latinLnBrk="0" hangingPunct="1">
-              <a:lnSpc>
-                <a:spcPct val="100000"/>
-              </a:lnSpc>
-              <a:spcBef>
-                <a:spcPts val="550"/>
-              </a:spcBef>
-              <a:buClr>
-                <a:schemeClr val="accent1"/>
-              </a:buClr>
-              <a:buFont typeface="Verdana"/>
-              <a:buChar char="◦"/>
-              <a:defRPr kumimoji="0" sz="2600">
-                <a:latin typeface="+mn-lt"/>
-              </a:defRPr>
-            </a:lvl2pPr>
-            <a:lvl3pPr marL="886968" indent="-228600" algn="l" eaLnBrk="1" latinLnBrk="0" hangingPunct="1">
-              <a:lnSpc>
-                <a:spcPct val="100000"/>
-              </a:lnSpc>
-              <a:buClr>
-                <a:schemeClr val="accent2"/>
-              </a:buClr>
-              <a:buFont typeface="Wingdings 2"/>
-              <a:buChar char=""/>
-              <a:defRPr kumimoji="0" sz="2400">
-                <a:latin typeface="+mn-lt"/>
-              </a:defRPr>
-            </a:lvl3pPr>
-            <a:lvl4pPr marL="1097280" indent="-173736" algn="l" eaLnBrk="1" latinLnBrk="0" hangingPunct="1">
-              <a:lnSpc>
-                <a:spcPct val="100000"/>
-              </a:lnSpc>
-              <a:buClr>
-                <a:schemeClr val="accent3"/>
-              </a:buClr>
-              <a:buFont typeface="Wingdings 2"/>
-              <a:buChar char=""/>
-              <a:defRPr kumimoji="0" sz="2000">
-                <a:latin typeface="+mn-lt"/>
-              </a:defRPr>
-            </a:lvl4pPr>
-            <a:lvl5pPr marL="1298448" indent="-182880" algn="l" eaLnBrk="1" latinLnBrk="0" hangingPunct="1">
-              <a:lnSpc>
-                <a:spcPct val="100000"/>
-              </a:lnSpc>
-              <a:buClr>
-                <a:schemeClr val="accent4"/>
-              </a:buClr>
-              <a:buFont typeface="Wingdings 2"/>
-              <a:buChar char=""/>
-              <a:defRPr kumimoji="0" sz="2000">
-                <a:latin typeface="+mn-lt"/>
-              </a:defRPr>
-            </a:lvl5pPr>
-            <a:lvl6pPr marL="1508760" indent="-182880">
-              <a:lnSpc>
-                <a:spcPct val="100000"/>
-              </a:lnSpc>
-              <a:spcBef>
-                <a:spcPct val="20000"/>
-              </a:spcBef>
-              <a:buClr>
-                <a:schemeClr val="accent5"/>
-              </a:buClr>
-              <a:buFont typeface="Wingdings 2"/>
-              <a:buChar char=""/>
-              <a:defRPr kumimoji="0" sz="2000">
-                <a:latin typeface="+mn-lt"/>
-              </a:defRPr>
-            </a:lvl6pPr>
-            <a:lvl7pPr marL="1719072" indent="-182880">
-              <a:lnSpc>
-                <a:spcPct val="100000"/>
-              </a:lnSpc>
-              <a:spcBef>
-                <a:spcPct val="20000"/>
-              </a:spcBef>
-              <a:buClr>
-                <a:schemeClr val="accent6"/>
-              </a:buClr>
-              <a:buFont typeface="Wingdings 2"/>
-              <a:buChar char=""/>
-              <a:defRPr kumimoji="0" sz="2000">
-                <a:latin typeface="+mn-lt"/>
-              </a:defRPr>
-            </a:lvl7pPr>
-            <a:lvl8pPr marL="1920240" indent="-182880">
-              <a:lnSpc>
-                <a:spcPct val="100000"/>
-              </a:lnSpc>
-              <a:spcBef>
-                <a:spcPct val="20000"/>
-              </a:spcBef>
-              <a:buClr>
-                <a:schemeClr val="accent6"/>
-              </a:buClr>
-              <a:buFont typeface="Wingdings 2"/>
-              <a:buChar char=""/>
-              <a:defRPr kumimoji="0" sz="2000">
-                <a:latin typeface="+mn-lt"/>
-              </a:defRPr>
-            </a:lvl8pPr>
-            <a:lvl9pPr marL="2130552" indent="-182880">
-              <a:lnSpc>
-                <a:spcPct val="100000"/>
-              </a:lnSpc>
-              <a:spcBef>
-                <a:spcPct val="20000"/>
-              </a:spcBef>
-              <a:buClr>
-                <a:schemeClr val="accent6"/>
-              </a:buClr>
-              <a:buFont typeface="Wingdings 2"/>
-              <a:buChar char=""/>
-              <a:defRPr kumimoji="0" sz="2000">
-                <a:latin typeface="+mn-lt"/>
-              </a:defRPr>
-            </a:lvl9pPr>
-            <a:extLst/>
-          </a:lstStyle>
-          <a:p>
-            <a:pPr>
-              <a:lnSpc>
-                <a:spcPct val="130000"/>
-              </a:lnSpc>
-            </a:pPr>
-            <a:r>
-              <a:rPr lang="ro-RO" sz="3200" dirty="0" err="1">
-                <a:latin typeface="Avenir Book" charset="0"/>
-              </a:rPr>
-              <a:t>Modeling</a:t>
-            </a:r>
-            <a:r>
-              <a:rPr lang="ro-RO" sz="3200" dirty="0">
-                <a:latin typeface="Avenir Book" charset="0"/>
-              </a:rPr>
-              <a:t> hotel </a:t>
-            </a:r>
-            <a:r>
-              <a:rPr lang="ro-RO" sz="3200" dirty="0" err="1">
-                <a:latin typeface="Avenir Book" charset="0"/>
-              </a:rPr>
-              <a:t>bookings</a:t>
-            </a:r>
-            <a:r>
-              <a:rPr lang="ro-RO" sz="3200" dirty="0">
-                <a:latin typeface="Avenir Book" charset="0"/>
-              </a:rPr>
-              <a:t> in R </a:t>
-            </a:r>
-            <a:r>
-              <a:rPr lang="ro-RO" sz="3200" dirty="0" err="1">
-                <a:latin typeface="Avenir Book" charset="0"/>
-              </a:rPr>
-              <a:t>using</a:t>
-            </a:r>
-            <a:r>
-              <a:rPr lang="ro-RO" sz="3200" dirty="0">
-                <a:latin typeface="Avenir Book" charset="0"/>
-              </a:rPr>
-              <a:t> </a:t>
-            </a:r>
-            <a:r>
-              <a:rPr lang="ro-RO" sz="3200" dirty="0" err="1">
-                <a:latin typeface="Avenir Book" charset="0"/>
-              </a:rPr>
-              <a:t>tidymodels</a:t>
-            </a:r>
-            <a:r>
-              <a:rPr lang="ro-RO" sz="3200" dirty="0">
-                <a:latin typeface="Avenir Book" charset="0"/>
-              </a:rPr>
-              <a:t> </a:t>
-            </a:r>
-            <a:r>
-              <a:rPr lang="ro-RO" sz="3200" dirty="0" err="1">
-                <a:latin typeface="Avenir Book" charset="0"/>
-              </a:rPr>
-              <a:t>and</a:t>
-            </a:r>
-            <a:r>
-              <a:rPr lang="ro-RO" sz="3200" dirty="0">
-                <a:latin typeface="Avenir Book" charset="0"/>
-              </a:rPr>
-              <a:t> </a:t>
-            </a:r>
-            <a:r>
-              <a:rPr lang="ro-RO" sz="3200" dirty="0" err="1">
-                <a:latin typeface="Avenir Book" charset="0"/>
-              </a:rPr>
-              <a:t>recipes</a:t>
-            </a:r>
-            <a:r>
-              <a:rPr lang="ro-RO" sz="3200" dirty="0">
-                <a:latin typeface="Avenir Book" charset="0"/>
-              </a:rPr>
-              <a:t> (2020)</a:t>
-            </a:r>
-          </a:p>
-          <a:p>
-            <a:pPr marL="82296" indent="0">
-              <a:lnSpc>
-                <a:spcPct val="130000"/>
-              </a:lnSpc>
-              <a:buNone/>
-            </a:pPr>
-            <a:r>
-              <a:rPr lang="ro-RO" sz="2600" dirty="0">
-                <a:latin typeface="Avenir Book" charset="0"/>
-                <a:hlinkClick r:id="rId2"/>
-              </a:rPr>
-              <a:t>https://www.youtube.com/watch?v=dbXDkEEuvCU</a:t>
-            </a:r>
-            <a:endParaRPr lang="ro-RO" sz="2600" dirty="0">
-              <a:latin typeface="Avenir Book" charset="0"/>
-            </a:endParaRPr>
-          </a:p>
-          <a:p>
-            <a:pPr>
-              <a:lnSpc>
-                <a:spcPct val="130000"/>
-              </a:lnSpc>
-            </a:pPr>
-            <a:r>
-              <a:rPr lang="ro-RO" sz="3400" dirty="0" err="1">
-                <a:latin typeface="Avenir Book" charset="0"/>
-              </a:rPr>
-              <a:t>Cooking</a:t>
-            </a:r>
             <a:r>
               <a:rPr lang="ro-RO" sz="3400" dirty="0">
                 <a:latin typeface="Avenir Book" charset="0"/>
-              </a:rPr>
-              <a:t> </a:t>
-            </a:r>
-            <a:r>
-              <a:rPr lang="ro-RO" sz="3400" dirty="0" err="1">
-                <a:latin typeface="Avenir Book" charset="0"/>
-              </a:rPr>
-              <a:t>Your</a:t>
-            </a:r>
-            <a:r>
-              <a:rPr lang="ro-RO" sz="3400" dirty="0">
-                <a:latin typeface="Avenir Book" charset="0"/>
-              </a:rPr>
-              <a:t> Data </a:t>
-            </a:r>
-            <a:r>
-              <a:rPr lang="ro-RO" sz="3400" dirty="0" err="1">
-                <a:latin typeface="Avenir Book" charset="0"/>
-              </a:rPr>
-              <a:t>with</a:t>
-            </a:r>
-            <a:r>
-              <a:rPr lang="ro-RO" sz="3400" dirty="0">
-                <a:latin typeface="Avenir Book" charset="0"/>
-              </a:rPr>
-              <a:t> </a:t>
-            </a:r>
-            <a:r>
-              <a:rPr lang="ro-RO" sz="3400" dirty="0" err="1">
-                <a:latin typeface="Avenir Book" charset="0"/>
-              </a:rPr>
-              <a:t>Recipes</a:t>
-            </a:r>
-            <a:r>
-              <a:rPr lang="ro-RO" sz="3400" dirty="0">
-                <a:latin typeface="Avenir Book" charset="0"/>
-              </a:rPr>
-              <a:t> in R </a:t>
-            </a:r>
-            <a:r>
-              <a:rPr lang="ro-RO" sz="3400" dirty="0" err="1">
-                <a:latin typeface="Avenir Book" charset="0"/>
-              </a:rPr>
-              <a:t>with</a:t>
-            </a:r>
-            <a:r>
-              <a:rPr lang="ro-RO" sz="3400" dirty="0">
-                <a:latin typeface="Avenir Book" charset="0"/>
-              </a:rPr>
-              <a:t> Max </a:t>
-            </a:r>
-            <a:r>
-              <a:rPr lang="ro-RO" sz="3400" dirty="0" err="1">
-                <a:latin typeface="Avenir Book" charset="0"/>
-              </a:rPr>
-              <a:t>Kuhn</a:t>
-            </a:r>
-            <a:r>
-              <a:rPr lang="ro-RO" sz="3400" dirty="0">
-                <a:latin typeface="Avenir Book" charset="0"/>
-              </a:rPr>
-              <a:t> (2021)</a:t>
-            </a:r>
-          </a:p>
-          <a:p>
-            <a:pPr marL="82296" indent="0">
-              <a:lnSpc>
-                <a:spcPct val="130000"/>
-              </a:lnSpc>
-              <a:buNone/>
-            </a:pPr>
-            <a:r>
-              <a:rPr lang="ro-RO" sz="3400" dirty="0">
-                <a:latin typeface="Avenir Book" charset="0"/>
-                <a:hlinkClick r:id="rId3"/>
+                <a:hlinkClick r:id="rId4"/>
               </a:rPr>
               <a:t>https://www.youtube.com/watch?v=GdR_S8bYaag&amp;t=376s</a:t>
             </a:r>
@@ -10873,7 +10369,7 @@
             <a:r>
               <a:rPr lang="ro-RO" sz="3400" dirty="0">
                 <a:latin typeface="Avenir Book" charset="0"/>
-                <a:hlinkClick r:id="rId4"/>
+                <a:hlinkClick r:id="rId5"/>
               </a:rPr>
               <a:t>https://www.youtube.com/watch?v=PtD5hgHM-DY</a:t>
             </a:r>
@@ -10964,7 +10460,7 @@
             <a:r>
               <a:rPr lang="ro-RO" sz="3400" dirty="0">
                 <a:latin typeface="Avenir Book" charset="0"/>
-                <a:hlinkClick r:id="rId5"/>
+                <a:hlinkClick r:id="rId6"/>
               </a:rPr>
               <a:t>https://www.youtube.com/watch?v=4ayOjlRv8bA</a:t>
             </a:r>
@@ -11007,7 +10503,7 @@
             <a:r>
               <a:rPr lang="en-US" dirty="0">
                 <a:latin typeface="Avenir Book" charset="0"/>
-                <a:hlinkClick r:id="rId6"/>
+                <a:hlinkClick r:id="rId7"/>
               </a:rPr>
               <a:t>https://www.youtube.com/watch?v=vGTu1PyYb3I&amp;t=1416s</a:t>
             </a:r>
